--- a/materials/ch04/ch04-复杂组件使用和API调用.pptx
+++ b/materials/ch04/ch04-复杂组件使用和API调用.pptx
@@ -6,21 +6,21 @@
   </p:sldMasterIdLst>
   <p:sldIdLst>
     <p:sldId id="256" r:id="rId2"/>
-    <p:sldId id="259" r:id="rId3"/>
-    <p:sldId id="264" r:id="rId4"/>
-    <p:sldId id="271" r:id="rId5"/>
-    <p:sldId id="257" r:id="rId6"/>
-    <p:sldId id="260" r:id="rId7"/>
-    <p:sldId id="261" r:id="rId8"/>
-    <p:sldId id="269" r:id="rId9"/>
-    <p:sldId id="265" r:id="rId10"/>
-    <p:sldId id="270" r:id="rId11"/>
-    <p:sldId id="266" r:id="rId12"/>
-    <p:sldId id="263" r:id="rId13"/>
-    <p:sldId id="272" r:id="rId14"/>
-    <p:sldId id="273" r:id="rId15"/>
-    <p:sldId id="267" r:id="rId16"/>
-    <p:sldId id="262" r:id="rId17"/>
+    <p:sldId id="274" r:id="rId3"/>
+    <p:sldId id="259" r:id="rId4"/>
+    <p:sldId id="276" r:id="rId5"/>
+    <p:sldId id="277" r:id="rId6"/>
+    <p:sldId id="278" r:id="rId7"/>
+    <p:sldId id="279" r:id="rId8"/>
+    <p:sldId id="275" r:id="rId9"/>
+    <p:sldId id="281" r:id="rId10"/>
+    <p:sldId id="257" r:id="rId11"/>
+    <p:sldId id="260" r:id="rId12"/>
+    <p:sldId id="261" r:id="rId13"/>
+    <p:sldId id="269" r:id="rId14"/>
+    <p:sldId id="265" r:id="rId15"/>
+    <p:sldId id="270" r:id="rId16"/>
+    <p:sldId id="266" r:id="rId17"/>
     <p:sldId id="258" r:id="rId18"/>
   </p:sldIdLst>
   <p:sldSz cx="12192000" cy="6858000"/>
@@ -554,7 +554,7 @@
           <a:p>
             <a:fld id="{10955001-8E90-43AD-87AF-166875BDDBE4}" type="datetimeFigureOut">
               <a:rPr lang="zh-CN" altLang="en-US" smtClean="0"/>
-              <a:t>2020/8/18</a:t>
+              <a:t>2020/8/23</a:t>
             </a:fld>
             <a:endParaRPr lang="zh-CN" altLang="en-US"/>
           </a:p>
@@ -786,7 +786,7 @@
           <a:p>
             <a:fld id="{10955001-8E90-43AD-87AF-166875BDDBE4}" type="datetimeFigureOut">
               <a:rPr lang="zh-CN" altLang="en-US" smtClean="0"/>
-              <a:t>2020/8/18</a:t>
+              <a:t>2020/8/23</a:t>
             </a:fld>
             <a:endParaRPr lang="zh-CN" altLang="en-US"/>
           </a:p>
@@ -969,7 +969,7 @@
                 <a:spcPts val="1200"/>
               </a:spcBef>
               <a:defRPr sz="2000" baseline="0">
-                <a:latin typeface="Victor Mono" panose="00000509000000000000" pitchFamily="49" charset="0"/>
+                <a:latin typeface="Ubuntu Mono" panose="020B0509030602030204" pitchFamily="49" charset="0"/>
                 <a:ea typeface="思源黑体 CN Light" panose="020B0300000000000000" pitchFamily="34" charset="-122"/>
               </a:defRPr>
             </a:lvl1pPr>
@@ -981,7 +981,7 @@
                 <a:spcPts val="1200"/>
               </a:spcBef>
               <a:defRPr sz="1800" baseline="0">
-                <a:latin typeface="Victor Mono" panose="00000509000000000000" pitchFamily="49" charset="0"/>
+                <a:latin typeface="Ubuntu Mono" panose="020B0509030602030204" pitchFamily="49" charset="0"/>
                 <a:ea typeface="思源黑体 CN Light" panose="020B0300000000000000" pitchFamily="34" charset="-122"/>
               </a:defRPr>
             </a:lvl2pPr>
@@ -993,7 +993,7 @@
                 <a:spcPts val="1200"/>
               </a:spcBef>
               <a:defRPr sz="1600" baseline="0">
-                <a:latin typeface="Victor Mono" panose="00000509000000000000" pitchFamily="49" charset="0"/>
+                <a:latin typeface="Ubuntu Mono" panose="020B0509030602030204" pitchFamily="49" charset="0"/>
                 <a:ea typeface="思源黑体 CN Light" panose="020B0300000000000000" pitchFamily="34" charset="-122"/>
               </a:defRPr>
             </a:lvl3pPr>
@@ -1005,7 +1005,7 @@
                 <a:spcPts val="1200"/>
               </a:spcBef>
               <a:defRPr sz="1400" baseline="0">
-                <a:latin typeface="Victor Mono" panose="00000509000000000000" pitchFamily="49" charset="0"/>
+                <a:latin typeface="Ubuntu Mono" panose="020B0509030602030204" pitchFamily="49" charset="0"/>
                 <a:ea typeface="思源黑体 CN Light" panose="020B0300000000000000" pitchFamily="34" charset="-122"/>
               </a:defRPr>
             </a:lvl4pPr>
@@ -1017,7 +1017,7 @@
                 <a:spcPts val="1200"/>
               </a:spcBef>
               <a:defRPr sz="1400" baseline="0">
-                <a:latin typeface="Victor Mono" panose="00000509000000000000" pitchFamily="49" charset="0"/>
+                <a:latin typeface="Ubuntu Mono" panose="020B0509030602030204" pitchFamily="49" charset="0"/>
                 <a:ea typeface="思源黑体 CN Light" panose="020B0300000000000000" pitchFamily="34" charset="-122"/>
               </a:defRPr>
             </a:lvl5pPr>
@@ -1284,7 +1284,7 @@
           <a:p>
             <a:fld id="{10955001-8E90-43AD-87AF-166875BDDBE4}" type="datetimeFigureOut">
               <a:rPr lang="zh-CN" altLang="en-US" smtClean="0"/>
-              <a:t>2020/8/18</a:t>
+              <a:t>2020/8/23</a:t>
             </a:fld>
             <a:endParaRPr lang="zh-CN" altLang="en-US"/>
           </a:p>
@@ -1713,7 +1713,7 @@
           <a:p>
             <a:fld id="{10955001-8E90-43AD-87AF-166875BDDBE4}" type="datetimeFigureOut">
               <a:rPr lang="zh-CN" altLang="en-US" smtClean="0"/>
-              <a:t>2020/8/18</a:t>
+              <a:t>2020/8/23</a:t>
             </a:fld>
             <a:endParaRPr lang="zh-CN" altLang="en-US"/>
           </a:p>
@@ -2230,7 +2230,7 @@
           <a:p>
             <a:fld id="{10955001-8E90-43AD-87AF-166875BDDBE4}" type="datetimeFigureOut">
               <a:rPr lang="zh-CN" altLang="en-US" smtClean="0"/>
-              <a:t>2020/8/18</a:t>
+              <a:t>2020/8/23</a:t>
             </a:fld>
             <a:endParaRPr lang="zh-CN" altLang="en-US"/>
           </a:p>
@@ -2690,7 +2690,7 @@
           <a:p>
             <a:fld id="{10955001-8E90-43AD-87AF-166875BDDBE4}" type="datetimeFigureOut">
               <a:rPr lang="zh-CN" altLang="en-US" smtClean="0"/>
-              <a:t>2020/8/18</a:t>
+              <a:t>2020/8/23</a:t>
             </a:fld>
             <a:endParaRPr lang="zh-CN" altLang="en-US"/>
           </a:p>
@@ -3002,7 +3002,7 @@
           <a:p>
             <a:fld id="{10955001-8E90-43AD-87AF-166875BDDBE4}" type="datetimeFigureOut">
               <a:rPr lang="zh-CN" altLang="en-US" smtClean="0"/>
-              <a:t>2020/8/18</a:t>
+              <a:t>2020/8/23</a:t>
             </a:fld>
             <a:endParaRPr lang="zh-CN" altLang="en-US"/>
           </a:p>
@@ -3590,18 +3590,26 @@
           <a:lstStyle/>
           <a:p>
             <a:r>
-              <a:rPr lang="zh-CN" altLang="en-US"/>
+              <a:rPr lang="zh-CN" altLang="en-US">
+                <a:latin typeface="Roboto Mono Light" pitchFamily="2" charset="0"/>
+              </a:rPr>
               <a:t>复杂组件使用和</a:t>
             </a:r>
             <a:r>
-              <a:rPr lang="en-US" altLang="zh-CN"/>
+              <a:rPr lang="en-US" altLang="zh-CN">
+                <a:latin typeface="Roboto Mono Light" pitchFamily="2" charset="0"/>
+              </a:rPr>
               <a:t>API</a:t>
             </a:r>
             <a:r>
-              <a:rPr lang="zh-CN" altLang="en-US"/>
+              <a:rPr lang="zh-CN" altLang="en-US">
+                <a:latin typeface="Roboto Mono Light" pitchFamily="2" charset="0"/>
+              </a:rPr>
               <a:t>调用</a:t>
             </a:r>
-            <a:endParaRPr lang="zh-CN" altLang="en-US" dirty="0"/>
+            <a:endParaRPr lang="zh-CN" altLang="en-US" dirty="0">
+              <a:latin typeface="Roboto Mono Light" pitchFamily="2" charset="0"/>
+            </a:endParaRPr>
           </a:p>
         </p:txBody>
       </p:sp>
@@ -3640,7 +3648,7 @@
           <p:cNvPr id="2" name="标题 1">
             <a:extLst>
               <a:ext uri="{FF2B5EF4-FFF2-40B4-BE49-F238E27FC236}">
-                <a16:creationId xmlns:a16="http://schemas.microsoft.com/office/drawing/2014/main" id="{F430A82B-F6DB-4FAE-B7D7-F000178C3333}"/>
+                <a16:creationId xmlns:a16="http://schemas.microsoft.com/office/drawing/2014/main" id="{14E9355E-652F-436C-B3B0-4D81DA18977B}"/>
               </a:ext>
             </a:extLst>
           </p:cNvPr>
@@ -3658,21 +3666,22 @@
           <a:p>
             <a:r>
               <a:rPr lang="en-US" altLang="zh-CN"/>
-              <a:t>canvas</a:t>
+              <a:t>camera</a:t>
             </a:r>
             <a:r>
               <a:rPr lang="zh-CN" altLang="en-US"/>
-              <a:t>使用示例</a:t>
-            </a:r>
-          </a:p>
-        </p:txBody>
-      </p:sp>
-      <p:sp>
-        <p:nvSpPr>
-          <p:cNvPr id="3" name="内容占位符 2">
-            <a:extLst>
-              <a:ext uri="{FF2B5EF4-FFF2-40B4-BE49-F238E27FC236}">
-                <a16:creationId xmlns:a16="http://schemas.microsoft.com/office/drawing/2014/main" id="{2AC8977D-2B84-4B79-8A13-8A2994F7D552}"/>
+              <a:t>：摄像头组件</a:t>
+            </a:r>
+            <a:endParaRPr lang="zh-CN" altLang="en-US" dirty="0"/>
+          </a:p>
+        </p:txBody>
+      </p:sp>
+      <p:sp>
+        <p:nvSpPr>
+          <p:cNvPr id="11" name="内容占位符 10">
+            <a:extLst>
+              <a:ext uri="{FF2B5EF4-FFF2-40B4-BE49-F238E27FC236}">
+                <a16:creationId xmlns:a16="http://schemas.microsoft.com/office/drawing/2014/main" id="{722BB35D-6C21-4F0B-A227-B152A483727A}"/>
               </a:ext>
             </a:extLst>
           </p:cNvPr>
@@ -3695,7 +3704,7 @@
     </p:spTree>
     <p:extLst>
       <p:ext uri="{BB962C8B-B14F-4D97-AF65-F5344CB8AC3E}">
-        <p14:creationId xmlns:p14="http://schemas.microsoft.com/office/powerpoint/2010/main" val="3229121689"/>
+        <p14:creationId xmlns:p14="http://schemas.microsoft.com/office/powerpoint/2010/main" val="2052499412"/>
       </p:ext>
     </p:extLst>
   </p:cSld>
@@ -3727,7 +3736,7 @@
           <p:cNvPr id="2" name="标题 1">
             <a:extLst>
               <a:ext uri="{FF2B5EF4-FFF2-40B4-BE49-F238E27FC236}">
-                <a16:creationId xmlns:a16="http://schemas.microsoft.com/office/drawing/2014/main" id="{6C2CDFC2-83EA-4805-AA5C-5B91B52E1154}"/>
+                <a16:creationId xmlns:a16="http://schemas.microsoft.com/office/drawing/2014/main" id="{BA5265CE-4632-41A1-A16D-031C2D9ABF73}"/>
               </a:ext>
             </a:extLst>
           </p:cNvPr>
@@ -3740,26 +3749,48 @@
         </p:nvSpPr>
         <p:spPr/>
         <p:txBody>
-          <a:bodyPr>
-            <a:normAutofit/>
-          </a:bodyPr>
+          <a:bodyPr/>
           <a:lstStyle/>
           <a:p>
             <a:r>
-              <a:rPr lang="en-US" altLang="zh-CN"/>
-              <a:t>canvas</a:t>
-            </a:r>
-            <a:r>
-              <a:rPr lang="zh-CN" altLang="en-US"/>
-              <a:t>使用示例</a:t>
-            </a:r>
+              <a:rPr lang="zh-CN" altLang="en-US">
+                <a:latin typeface="Ubuntu Mono" panose="020B0509030602030204" pitchFamily="49" charset="0"/>
+              </a:rPr>
+              <a:t>拍照并预览</a:t>
+            </a:r>
+            <a:endParaRPr lang="zh-CN" altLang="en-US"/>
+          </a:p>
+        </p:txBody>
+      </p:sp>
+      <p:sp>
+        <p:nvSpPr>
+          <p:cNvPr id="4" name="内容占位符 3">
+            <a:extLst>
+              <a:ext uri="{FF2B5EF4-FFF2-40B4-BE49-F238E27FC236}">
+                <a16:creationId xmlns:a16="http://schemas.microsoft.com/office/drawing/2014/main" id="{E6A195CC-4C34-4399-978E-AE33AF0A2196}"/>
+              </a:ext>
+            </a:extLst>
+          </p:cNvPr>
+          <p:cNvSpPr>
+            <a:spLocks noGrp="1"/>
+          </p:cNvSpPr>
+          <p:nvPr>
+            <p:ph idx="1"/>
+          </p:nvPr>
+        </p:nvSpPr>
+        <p:spPr/>
+        <p:txBody>
+          <a:bodyPr/>
+          <a:lstStyle/>
+          <a:p>
+            <a:endParaRPr lang="zh-CN" altLang="en-US"/>
           </a:p>
         </p:txBody>
       </p:sp>
     </p:spTree>
     <p:extLst>
       <p:ext uri="{BB962C8B-B14F-4D97-AF65-F5344CB8AC3E}">
-        <p14:creationId xmlns:p14="http://schemas.microsoft.com/office/powerpoint/2010/main" val="1916644935"/>
+        <p14:creationId xmlns:p14="http://schemas.microsoft.com/office/powerpoint/2010/main" val="2189175579"/>
       </p:ext>
     </p:extLst>
   </p:cSld>
@@ -3809,22 +3840,54 @@
           <a:p>
             <a:r>
               <a:rPr lang="zh-CN" altLang="en-US"/>
-              <a:t>设备方向</a:t>
-            </a:r>
-            <a:r>
-              <a:rPr lang="en-US" altLang="zh-CN"/>
-              <a:t>API</a:t>
+              <a:t>控制拍照的质量</a:t>
             </a:r>
             <a:endParaRPr lang="zh-CN" altLang="en-US" dirty="0"/>
           </a:p>
         </p:txBody>
       </p:sp>
-      <p:sp>
-        <p:nvSpPr>
-          <p:cNvPr id="3" name="内容占位符 2">
-            <a:extLst>
-              <a:ext uri="{FF2B5EF4-FFF2-40B4-BE49-F238E27FC236}">
-                <a16:creationId xmlns:a16="http://schemas.microsoft.com/office/drawing/2014/main" id="{049EBB53-B112-4B9B-9B23-77D444C1EE54}"/>
+      <p:cxnSp>
+        <p:nvCxnSpPr>
+          <p:cNvPr id="15" name="直接连接符 14">
+            <a:extLst>
+              <a:ext uri="{FF2B5EF4-FFF2-40B4-BE49-F238E27FC236}">
+                <a16:creationId xmlns:a16="http://schemas.microsoft.com/office/drawing/2014/main" id="{4D94C8C9-07D4-4E28-A02F-F81A75F0FE3D}"/>
+              </a:ext>
+            </a:extLst>
+          </p:cNvPr>
+          <p:cNvCxnSpPr/>
+          <p:nvPr/>
+        </p:nvCxnSpPr>
+        <p:spPr>
+          <a:xfrm>
+            <a:off x="4309774" y="5715000"/>
+            <a:ext cx="7249" cy="0"/>
+          </a:xfrm>
+          <a:prstGeom prst="line">
+            <a:avLst/>
+          </a:prstGeom>
+        </p:spPr>
+        <p:style>
+          <a:lnRef idx="1">
+            <a:schemeClr val="accent1"/>
+          </a:lnRef>
+          <a:fillRef idx="0">
+            <a:schemeClr val="accent1"/>
+          </a:fillRef>
+          <a:effectRef idx="0">
+            <a:schemeClr val="accent1"/>
+          </a:effectRef>
+          <a:fontRef idx="minor">
+            <a:schemeClr val="tx1"/>
+          </a:fontRef>
+        </p:style>
+      </p:cxnSp>
+      <p:sp>
+        <p:nvSpPr>
+          <p:cNvPr id="6" name="内容占位符 5">
+            <a:extLst>
+              <a:ext uri="{FF2B5EF4-FFF2-40B4-BE49-F238E27FC236}">
+                <a16:creationId xmlns:a16="http://schemas.microsoft.com/office/drawing/2014/main" id="{B25B91AD-98A9-404C-BCC4-0CC307F36083}"/>
               </a:ext>
             </a:extLst>
           </p:cNvPr>
@@ -3837,21 +3900,17 @@
         </p:nvSpPr>
         <p:spPr/>
         <p:txBody>
-          <a:bodyPr>
-            <a:normAutofit/>
-          </a:bodyPr>
+          <a:bodyPr/>
           <a:lstStyle/>
           <a:p>
-            <a:endParaRPr lang="en-US" altLang="zh-CN">
-              <a:latin typeface="Ubuntu Mono" panose="020B0509030602030204" pitchFamily="49" charset="0"/>
-            </a:endParaRPr>
+            <a:endParaRPr lang="zh-CN" altLang="en-US"/>
           </a:p>
         </p:txBody>
       </p:sp>
     </p:spTree>
     <p:extLst>
       <p:ext uri="{BB962C8B-B14F-4D97-AF65-F5344CB8AC3E}">
-        <p14:creationId xmlns:p14="http://schemas.microsoft.com/office/powerpoint/2010/main" val="4148679596"/>
+        <p14:creationId xmlns:p14="http://schemas.microsoft.com/office/powerpoint/2010/main" val="2719703321"/>
       </p:ext>
     </p:extLst>
   </p:cSld>
@@ -3883,7 +3942,7 @@
           <p:cNvPr id="2" name="标题 1">
             <a:extLst>
               <a:ext uri="{FF2B5EF4-FFF2-40B4-BE49-F238E27FC236}">
-                <a16:creationId xmlns:a16="http://schemas.microsoft.com/office/drawing/2014/main" id="{14E9355E-652F-436C-B3B0-4D81DA18977B}"/>
+                <a16:creationId xmlns:a16="http://schemas.microsoft.com/office/drawing/2014/main" id="{C4E042A4-1EAC-4485-86C0-9B7603EE26CD}"/>
               </a:ext>
             </a:extLst>
           </p:cNvPr>
@@ -3900,14 +3959,13 @@
           <a:lstStyle/>
           <a:p>
             <a:r>
+              <a:rPr lang="en-US" altLang="zh-CN"/>
+              <a:t>canvas</a:t>
+            </a:r>
+            <a:r>
               <a:rPr lang="zh-CN" altLang="en-US"/>
-              <a:t>设备方向</a:t>
-            </a:r>
-            <a:r>
-              <a:rPr lang="en-US" altLang="zh-CN"/>
-              <a:t>API</a:t>
-            </a:r>
-            <a:endParaRPr lang="zh-CN" altLang="en-US" dirty="0"/>
+              <a:t>画布</a:t>
+            </a:r>
           </a:p>
         </p:txBody>
       </p:sp>
@@ -3916,7 +3974,7 @@
           <p:cNvPr id="3" name="内容占位符 2">
             <a:extLst>
               <a:ext uri="{FF2B5EF4-FFF2-40B4-BE49-F238E27FC236}">
-                <a16:creationId xmlns:a16="http://schemas.microsoft.com/office/drawing/2014/main" id="{049EBB53-B112-4B9B-9B23-77D444C1EE54}"/>
+                <a16:creationId xmlns:a16="http://schemas.microsoft.com/office/drawing/2014/main" id="{A46E088E-EA5F-4D34-98D1-454ACD3A357D}"/>
               </a:ext>
             </a:extLst>
           </p:cNvPr>
@@ -3929,21 +3987,17 @@
         </p:nvSpPr>
         <p:spPr/>
         <p:txBody>
-          <a:bodyPr>
-            <a:normAutofit/>
-          </a:bodyPr>
+          <a:bodyPr/>
           <a:lstStyle/>
           <a:p>
-            <a:endParaRPr lang="en-US" altLang="zh-CN">
-              <a:latin typeface="Ubuntu Mono" panose="020B0509030602030204" pitchFamily="49" charset="0"/>
-            </a:endParaRPr>
+            <a:endParaRPr lang="zh-CN" altLang="en-US"/>
           </a:p>
         </p:txBody>
       </p:sp>
     </p:spTree>
     <p:extLst>
       <p:ext uri="{BB962C8B-B14F-4D97-AF65-F5344CB8AC3E}">
-        <p14:creationId xmlns:p14="http://schemas.microsoft.com/office/powerpoint/2010/main" val="1370833338"/>
+        <p14:creationId xmlns:p14="http://schemas.microsoft.com/office/powerpoint/2010/main" val="562283177"/>
       </p:ext>
     </p:extLst>
   </p:cSld>
@@ -3975,7 +4029,7 @@
           <p:cNvPr id="2" name="标题 1">
             <a:extLst>
               <a:ext uri="{FF2B5EF4-FFF2-40B4-BE49-F238E27FC236}">
-                <a16:creationId xmlns:a16="http://schemas.microsoft.com/office/drawing/2014/main" id="{14E9355E-652F-436C-B3B0-4D81DA18977B}"/>
+                <a16:creationId xmlns:a16="http://schemas.microsoft.com/office/drawing/2014/main" id="{2E3B5FF9-C675-4755-93E0-0BDBEDDF1B28}"/>
               </a:ext>
             </a:extLst>
           </p:cNvPr>
@@ -3992,23 +4046,55 @@
           <a:lstStyle/>
           <a:p>
             <a:r>
-              <a:rPr lang="zh-CN" altLang="en-US"/>
-              <a:t>设备方向</a:t>
-            </a:r>
-            <a:r>
               <a:rPr lang="en-US" altLang="zh-CN"/>
-              <a:t>API</a:t>
-            </a:r>
-            <a:endParaRPr lang="zh-CN" altLang="en-US" dirty="0"/>
-          </a:p>
-        </p:txBody>
-      </p:sp>
-      <p:sp>
-        <p:nvSpPr>
-          <p:cNvPr id="3" name="内容占位符 2">
-            <a:extLst>
-              <a:ext uri="{FF2B5EF4-FFF2-40B4-BE49-F238E27FC236}">
-                <a16:creationId xmlns:a16="http://schemas.microsoft.com/office/drawing/2014/main" id="{049EBB53-B112-4B9B-9B23-77D444C1EE54}"/>
+              <a:t>canvas API</a:t>
+            </a:r>
+            <a:endParaRPr lang="zh-CN" altLang="en-US"/>
+          </a:p>
+        </p:txBody>
+      </p:sp>
+      <p:cxnSp>
+        <p:nvCxnSpPr>
+          <p:cNvPr id="5" name="直接连接符 4">
+            <a:extLst>
+              <a:ext uri="{FF2B5EF4-FFF2-40B4-BE49-F238E27FC236}">
+                <a16:creationId xmlns:a16="http://schemas.microsoft.com/office/drawing/2014/main" id="{9A464AE2-AB98-41A4-81C1-E334F0074EB4}"/>
+              </a:ext>
+            </a:extLst>
+          </p:cNvPr>
+          <p:cNvCxnSpPr/>
+          <p:nvPr/>
+        </p:nvCxnSpPr>
+        <p:spPr>
+          <a:xfrm>
+            <a:off x="4309774" y="5715000"/>
+            <a:ext cx="7249" cy="0"/>
+          </a:xfrm>
+          <a:prstGeom prst="line">
+            <a:avLst/>
+          </a:prstGeom>
+        </p:spPr>
+        <p:style>
+          <a:lnRef idx="1">
+            <a:schemeClr val="accent1"/>
+          </a:lnRef>
+          <a:fillRef idx="0">
+            <a:schemeClr val="accent1"/>
+          </a:fillRef>
+          <a:effectRef idx="0">
+            <a:schemeClr val="accent1"/>
+          </a:effectRef>
+          <a:fontRef idx="minor">
+            <a:schemeClr val="tx1"/>
+          </a:fontRef>
+        </p:style>
+      </p:cxnSp>
+      <p:sp>
+        <p:nvSpPr>
+          <p:cNvPr id="9" name="内容占位符 8">
+            <a:extLst>
+              <a:ext uri="{FF2B5EF4-FFF2-40B4-BE49-F238E27FC236}">
+                <a16:creationId xmlns:a16="http://schemas.microsoft.com/office/drawing/2014/main" id="{525C1010-6113-4C8D-AAEF-7765BCC28DB0}"/>
               </a:ext>
             </a:extLst>
           </p:cNvPr>
@@ -4021,21 +4107,17 @@
         </p:nvSpPr>
         <p:spPr/>
         <p:txBody>
-          <a:bodyPr>
-            <a:normAutofit/>
-          </a:bodyPr>
+          <a:bodyPr/>
           <a:lstStyle/>
           <a:p>
-            <a:endParaRPr lang="en-US" altLang="zh-CN">
-              <a:latin typeface="Ubuntu Mono" panose="020B0509030602030204" pitchFamily="49" charset="0"/>
-            </a:endParaRPr>
+            <a:endParaRPr lang="zh-CN" altLang="en-US"/>
           </a:p>
         </p:txBody>
       </p:sp>
     </p:spTree>
     <p:extLst>
       <p:ext uri="{BB962C8B-B14F-4D97-AF65-F5344CB8AC3E}">
-        <p14:creationId xmlns:p14="http://schemas.microsoft.com/office/powerpoint/2010/main" val="1296470998"/>
+        <p14:creationId xmlns:p14="http://schemas.microsoft.com/office/powerpoint/2010/main" val="3527630107"/>
       </p:ext>
     </p:extLst>
   </p:cSld>
@@ -4067,7 +4149,7 @@
           <p:cNvPr id="2" name="标题 1">
             <a:extLst>
               <a:ext uri="{FF2B5EF4-FFF2-40B4-BE49-F238E27FC236}">
-                <a16:creationId xmlns:a16="http://schemas.microsoft.com/office/drawing/2014/main" id="{D6A00371-6364-4EC0-A6A6-8F7CBA102B10}"/>
+                <a16:creationId xmlns:a16="http://schemas.microsoft.com/office/drawing/2014/main" id="{F430A82B-F6DB-4FAE-B7D7-F000178C3333}"/>
               </a:ext>
             </a:extLst>
           </p:cNvPr>
@@ -4084,8 +4166,12 @@
           <a:lstStyle/>
           <a:p>
             <a:r>
+              <a:rPr lang="en-US" altLang="zh-CN"/>
+              <a:t>canvas</a:t>
+            </a:r>
+            <a:r>
               <a:rPr lang="zh-CN" altLang="en-US"/>
-              <a:t>罗盘</a:t>
+              <a:t>使用示例</a:t>
             </a:r>
           </a:p>
         </p:txBody>
@@ -4095,7 +4181,7 @@
           <p:cNvPr id="3" name="内容占位符 2">
             <a:extLst>
               <a:ext uri="{FF2B5EF4-FFF2-40B4-BE49-F238E27FC236}">
-                <a16:creationId xmlns:a16="http://schemas.microsoft.com/office/drawing/2014/main" id="{2F340984-421B-4543-9C93-D08534630176}"/>
+                <a16:creationId xmlns:a16="http://schemas.microsoft.com/office/drawing/2014/main" id="{2AC8977D-2B84-4B79-8A13-8A2994F7D552}"/>
               </a:ext>
             </a:extLst>
           </p:cNvPr>
@@ -4110,9 +4196,6 @@
         <p:txBody>
           <a:bodyPr/>
           <a:lstStyle/>
-          <a:p>
-            <a:endParaRPr lang="en-US" altLang="zh-CN"/>
-          </a:p>
           <a:p>
             <a:endParaRPr lang="zh-CN" altLang="en-US"/>
           </a:p>
@@ -4121,7 +4204,7 @@
     </p:spTree>
     <p:extLst>
       <p:ext uri="{BB962C8B-B14F-4D97-AF65-F5344CB8AC3E}">
-        <p14:creationId xmlns:p14="http://schemas.microsoft.com/office/powerpoint/2010/main" val="1673703412"/>
+        <p14:creationId xmlns:p14="http://schemas.microsoft.com/office/powerpoint/2010/main" val="3229121689"/>
       </p:ext>
     </p:extLst>
   </p:cSld>
@@ -4153,7 +4236,7 @@
           <p:cNvPr id="2" name="标题 1">
             <a:extLst>
               <a:ext uri="{FF2B5EF4-FFF2-40B4-BE49-F238E27FC236}">
-                <a16:creationId xmlns:a16="http://schemas.microsoft.com/office/drawing/2014/main" id="{14E9355E-652F-436C-B3B0-4D81DA18977B}"/>
+                <a16:creationId xmlns:a16="http://schemas.microsoft.com/office/drawing/2014/main" id="{6C2CDFC2-83EA-4805-AA5C-5B91B52E1154}"/>
               </a:ext>
             </a:extLst>
           </p:cNvPr>
@@ -4162,35 +4245,6 @@
           </p:cNvSpPr>
           <p:nvPr>
             <p:ph type="title"/>
-          </p:nvPr>
-        </p:nvSpPr>
-        <p:spPr/>
-        <p:txBody>
-          <a:bodyPr/>
-          <a:lstStyle/>
-          <a:p>
-            <a:r>
-              <a:rPr lang="zh-CN" altLang="en-US"/>
-              <a:t>罗盘</a:t>
-            </a:r>
-            <a:endParaRPr lang="zh-CN" altLang="en-US" dirty="0"/>
-          </a:p>
-        </p:txBody>
-      </p:sp>
-      <p:sp>
-        <p:nvSpPr>
-          <p:cNvPr id="3" name="内容占位符 2">
-            <a:extLst>
-              <a:ext uri="{FF2B5EF4-FFF2-40B4-BE49-F238E27FC236}">
-                <a16:creationId xmlns:a16="http://schemas.microsoft.com/office/drawing/2014/main" id="{049EBB53-B112-4B9B-9B23-77D444C1EE54}"/>
-              </a:ext>
-            </a:extLst>
-          </p:cNvPr>
-          <p:cNvSpPr>
-            <a:spLocks noGrp="1"/>
-          </p:cNvSpPr>
-          <p:nvPr>
-            <p:ph idx="1"/>
           </p:nvPr>
         </p:nvSpPr>
         <p:spPr/>
@@ -4200,16 +4254,21 @@
           </a:bodyPr>
           <a:lstStyle/>
           <a:p>
-            <a:endParaRPr lang="en-US" altLang="zh-CN">
-              <a:latin typeface="Ubuntu Mono" panose="020B0509030602030204" pitchFamily="49" charset="0"/>
-            </a:endParaRPr>
+            <a:r>
+              <a:rPr lang="en-US" altLang="zh-CN"/>
+              <a:t>canvas</a:t>
+            </a:r>
+            <a:r>
+              <a:rPr lang="zh-CN" altLang="en-US"/>
+              <a:t>使用示例</a:t>
+            </a:r>
           </a:p>
         </p:txBody>
       </p:sp>
     </p:spTree>
     <p:extLst>
       <p:ext uri="{BB962C8B-B14F-4D97-AF65-F5344CB8AC3E}">
-        <p14:creationId xmlns:p14="http://schemas.microsoft.com/office/powerpoint/2010/main" val="4055690074"/>
+        <p14:creationId xmlns:p14="http://schemas.microsoft.com/office/powerpoint/2010/main" val="1916644935"/>
       </p:ext>
     </p:extLst>
   </p:cSld>
@@ -4271,7 +4330,7 @@
           <p:cNvPr id="2" name="标题 1">
             <a:extLst>
               <a:ext uri="{FF2B5EF4-FFF2-40B4-BE49-F238E27FC236}">
-                <a16:creationId xmlns:a16="http://schemas.microsoft.com/office/drawing/2014/main" id="{14E9355E-652F-436C-B3B0-4D81DA18977B}"/>
+                <a16:creationId xmlns:a16="http://schemas.microsoft.com/office/drawing/2014/main" id="{F430A82B-F6DB-4FAE-B7D7-F000178C3333}"/>
               </a:ext>
             </a:extLst>
           </p:cNvPr>
@@ -4288,46 +4347,297 @@
           <a:lstStyle/>
           <a:p>
             <a:r>
-              <a:rPr lang="en-US" altLang="zh-CN"/>
-              <a:t>swiper</a:t>
-            </a:r>
-            <a:r>
               <a:rPr lang="zh-CN" altLang="en-US"/>
-              <a:t>组件：滑块视图容器</a:t>
-            </a:r>
-            <a:endParaRPr lang="zh-CN" altLang="en-US" dirty="0"/>
-          </a:p>
-        </p:txBody>
-      </p:sp>
-      <p:sp>
-        <p:nvSpPr>
-          <p:cNvPr id="4" name="内容占位符 3">
-            <a:extLst>
-              <a:ext uri="{FF2B5EF4-FFF2-40B4-BE49-F238E27FC236}">
-                <a16:creationId xmlns:a16="http://schemas.microsoft.com/office/drawing/2014/main" id="{2AFF7099-E011-4259-89C2-9564E0FDE216}"/>
-              </a:ext>
-            </a:extLst>
-          </p:cNvPr>
-          <p:cNvSpPr>
-            <a:spLocks noGrp="1"/>
-          </p:cNvSpPr>
+              <a:t>多媒体组件：图片</a:t>
+            </a:r>
+          </a:p>
+        </p:txBody>
+      </p:sp>
+      <p:pic>
+        <p:nvPicPr>
+          <p:cNvPr id="4" name="内容占位符 4">
+            <a:extLst>
+              <a:ext uri="{FF2B5EF4-FFF2-40B4-BE49-F238E27FC236}">
+                <a16:creationId xmlns:a16="http://schemas.microsoft.com/office/drawing/2014/main" id="{742ADC08-601C-4933-86DE-4CD42F9F3A8B}"/>
+              </a:ext>
+            </a:extLst>
+          </p:cNvPr>
+          <p:cNvPicPr>
+            <a:picLocks noGrp="1" noChangeAspect="1"/>
+          </p:cNvPicPr>
           <p:nvPr>
             <p:ph idx="1"/>
           </p:nvPr>
-        </p:nvSpPr>
-        <p:spPr/>
-        <p:txBody>
-          <a:bodyPr/>
+        </p:nvPicPr>
+        <p:blipFill>
+          <a:blip r:embed="rId2">
+            <a:extLst>
+              <a:ext uri="{28A0092B-C50C-407E-A947-70E740481C1C}">
+                <a14:useLocalDpi xmlns:a14="http://schemas.microsoft.com/office/drawing/2010/main" val="0"/>
+              </a:ext>
+            </a:extLst>
+          </a:blip>
+          <a:stretch>
+            <a:fillRect/>
+          </a:stretch>
+        </p:blipFill>
+        <p:spPr>
+          <a:xfrm>
+            <a:off x="1041185" y="1454327"/>
+            <a:ext cx="7393544" cy="1974673"/>
+          </a:xfrm>
+        </p:spPr>
+      </p:pic>
+      <p:sp>
+        <p:nvSpPr>
+          <p:cNvPr id="6" name="矩形 5">
+            <a:extLst>
+              <a:ext uri="{FF2B5EF4-FFF2-40B4-BE49-F238E27FC236}">
+                <a16:creationId xmlns:a16="http://schemas.microsoft.com/office/drawing/2014/main" id="{428FC40D-2C5B-457B-831E-5B1399EA4FA5}"/>
+              </a:ext>
+            </a:extLst>
+          </p:cNvPr>
+          <p:cNvSpPr/>
+          <p:nvPr/>
+        </p:nvSpPr>
+        <p:spPr>
+          <a:xfrm>
+            <a:off x="2299317" y="4224703"/>
+            <a:ext cx="8780015" cy="1421495"/>
+          </a:xfrm>
+          <a:prstGeom prst="rect">
+            <a:avLst/>
+          </a:prstGeom>
+          <a:solidFill>
+            <a:schemeClr val="bg1">
+              <a:lumMod val="95000"/>
+            </a:schemeClr>
+          </a:solidFill>
+          <a:ln w="12700">
+            <a:noFill/>
+            <a:prstDash val="dash"/>
+          </a:ln>
+          <a:effectLst>
+            <a:outerShdw blurRad="50800" dist="38100" dir="5400000" algn="t" rotWithShape="0">
+              <a:prstClr val="black">
+                <a:alpha val="40000"/>
+              </a:prstClr>
+            </a:outerShdw>
+          </a:effectLst>
+        </p:spPr>
+        <p:style>
+          <a:lnRef idx="2">
+            <a:schemeClr val="accent1">
+              <a:shade val="50000"/>
+            </a:schemeClr>
+          </a:lnRef>
+          <a:fillRef idx="1">
+            <a:schemeClr val="accent1"/>
+          </a:fillRef>
+          <a:effectRef idx="0">
+            <a:schemeClr val="accent1"/>
+          </a:effectRef>
+          <a:fontRef idx="minor">
+            <a:schemeClr val="lt1"/>
+          </a:fontRef>
+        </p:style>
+        <p:txBody>
+          <a:bodyPr rtlCol="0" anchor="ctr"/>
           <a:lstStyle/>
           <a:p>
-            <a:endParaRPr lang="zh-CN" altLang="en-US"/>
-          </a:p>
-        </p:txBody>
-      </p:sp>
+            <a:pPr marL="285750" indent="-285750">
+              <a:lnSpc>
+                <a:spcPts val="2800"/>
+              </a:lnSpc>
+              <a:spcBef>
+                <a:spcPts val="600"/>
+              </a:spcBef>
+              <a:buFont typeface="Arial" panose="020B0604020202020204" pitchFamily="34" charset="0"/>
+              <a:buChar char="•"/>
+            </a:pPr>
+            <a:r>
+              <a:rPr lang="zh-CN" altLang="en-US">
+                <a:solidFill>
+                  <a:schemeClr val="bg2">
+                    <a:lumMod val="25000"/>
+                  </a:schemeClr>
+                </a:solidFill>
+                <a:latin typeface="Ubuntu Mono" panose="020B0509030602030204" pitchFamily="49" charset="0"/>
+                <a:ea typeface="思源黑体 CN Light" panose="020B0300000000000000" pitchFamily="34" charset="-122"/>
+              </a:rPr>
+              <a:t>要确保</a:t>
+            </a:r>
+            <a:r>
+              <a:rPr lang="en-US" altLang="zh-CN" dirty="0">
+                <a:solidFill>
+                  <a:schemeClr val="bg2">
+                    <a:lumMod val="25000"/>
+                  </a:schemeClr>
+                </a:solidFill>
+                <a:latin typeface="Ubuntu Mono" panose="020B0509030602030204" pitchFamily="49" charset="0"/>
+                <a:ea typeface="思源黑体 CN Light" panose="020B0300000000000000" pitchFamily="34" charset="-122"/>
+              </a:rPr>
+              <a:t>URL</a:t>
+            </a:r>
+            <a:r>
+              <a:rPr lang="zh-CN" altLang="en-US" dirty="0">
+                <a:solidFill>
+                  <a:schemeClr val="bg2">
+                    <a:lumMod val="25000"/>
+                  </a:schemeClr>
+                </a:solidFill>
+                <a:latin typeface="Ubuntu Mono" panose="020B0509030602030204" pitchFamily="49" charset="0"/>
+                <a:ea typeface="思源黑体 CN Light" panose="020B0300000000000000" pitchFamily="34" charset="-122"/>
+              </a:rPr>
+              <a:t>可以访问，如果你引入了其他站点的图片资源，则可能由于不是本站点的图片引入的，导致无法正常</a:t>
+            </a:r>
+            <a:r>
+              <a:rPr lang="zh-CN" altLang="en-US">
+                <a:solidFill>
+                  <a:schemeClr val="bg2">
+                    <a:lumMod val="25000"/>
+                  </a:schemeClr>
+                </a:solidFill>
+                <a:latin typeface="Ubuntu Mono" panose="020B0509030602030204" pitchFamily="49" charset="0"/>
+                <a:ea typeface="思源黑体 CN Light" panose="020B0300000000000000" pitchFamily="34" charset="-122"/>
+              </a:rPr>
+              <a:t>访问。这是因为做了防盗链处理。通常</a:t>
+            </a:r>
+            <a:r>
+              <a:rPr lang="zh-CN" altLang="en-US" dirty="0">
+                <a:solidFill>
+                  <a:schemeClr val="bg2">
+                    <a:lumMod val="25000"/>
+                  </a:schemeClr>
+                </a:solidFill>
+                <a:latin typeface="Ubuntu Mono" panose="020B0509030602030204" pitchFamily="49" charset="0"/>
+                <a:ea typeface="思源黑体 CN Light" panose="020B0300000000000000" pitchFamily="34" charset="-122"/>
+              </a:rPr>
+              <a:t>都是通过检测消息</a:t>
+            </a:r>
+            <a:r>
+              <a:rPr lang="zh-CN" altLang="en-US">
+                <a:solidFill>
+                  <a:schemeClr val="bg2">
+                    <a:lumMod val="25000"/>
+                  </a:schemeClr>
+                </a:solidFill>
+                <a:latin typeface="Ubuntu Mono" panose="020B0509030602030204" pitchFamily="49" charset="0"/>
+                <a:ea typeface="思源黑体 CN Light" panose="020B0300000000000000" pitchFamily="34" charset="-122"/>
+              </a:rPr>
+              <a:t>头的</a:t>
+            </a:r>
+            <a:r>
+              <a:rPr lang="en-US" altLang="zh-CN" dirty="0" err="1">
+                <a:solidFill>
+                  <a:schemeClr val="bg2">
+                    <a:lumMod val="25000"/>
+                  </a:schemeClr>
+                </a:solidFill>
+                <a:latin typeface="Ubuntu Mono" panose="020B0509030602030204" pitchFamily="49" charset="0"/>
+                <a:ea typeface="思源黑体 CN Light" panose="020B0300000000000000" pitchFamily="34" charset="-122"/>
+              </a:rPr>
+              <a:t>referer</a:t>
+            </a:r>
+            <a:r>
+              <a:rPr lang="zh-CN" altLang="en-US" dirty="0">
+                <a:solidFill>
+                  <a:schemeClr val="bg2">
+                    <a:lumMod val="25000"/>
+                  </a:schemeClr>
+                </a:solidFill>
+                <a:latin typeface="Ubuntu Mono" panose="020B0509030602030204" pitchFamily="49" charset="0"/>
+                <a:ea typeface="思源黑体 CN Light" panose="020B0300000000000000" pitchFamily="34" charset="-122"/>
+              </a:rPr>
+              <a:t>来</a:t>
+            </a:r>
+            <a:r>
+              <a:rPr lang="zh-CN" altLang="en-US">
+                <a:solidFill>
+                  <a:schemeClr val="bg2">
+                    <a:lumMod val="25000"/>
+                  </a:schemeClr>
+                </a:solidFill>
+                <a:latin typeface="Ubuntu Mono" panose="020B0509030602030204" pitchFamily="49" charset="0"/>
+                <a:ea typeface="思源黑体 CN Light" panose="020B0300000000000000" pitchFamily="34" charset="-122"/>
+              </a:rPr>
+              <a:t>确定</a:t>
+            </a:r>
+            <a:r>
+              <a:rPr lang="zh-CN" altLang="en-US" sz="2000">
+                <a:solidFill>
+                  <a:schemeClr val="bg2">
+                    <a:lumMod val="25000"/>
+                  </a:schemeClr>
+                </a:solidFill>
+                <a:latin typeface="Ubuntu Mono" panose="020B0509030602030204" pitchFamily="49" charset="0"/>
+                <a:ea typeface="思源黑体 CN Light" panose="020B0300000000000000" pitchFamily="34" charset="-122"/>
+              </a:rPr>
+              <a:t>。一些严格的站点也会有更复杂的检测手段。</a:t>
+            </a:r>
+            <a:endParaRPr lang="en-US" altLang="zh-CN" sz="2000">
+              <a:solidFill>
+                <a:schemeClr val="bg2">
+                  <a:lumMod val="25000"/>
+                </a:schemeClr>
+              </a:solidFill>
+              <a:latin typeface="Ubuntu Mono" panose="020B0509030602030204" pitchFamily="49" charset="0"/>
+              <a:ea typeface="思源黑体 CN Light" panose="020B0300000000000000" pitchFamily="34" charset="-122"/>
+            </a:endParaRPr>
+          </a:p>
+        </p:txBody>
+      </p:sp>
+      <p:cxnSp>
+        <p:nvCxnSpPr>
+          <p:cNvPr id="7" name="直接箭头连接符 6">
+            <a:extLst>
+              <a:ext uri="{FF2B5EF4-FFF2-40B4-BE49-F238E27FC236}">
+                <a16:creationId xmlns:a16="http://schemas.microsoft.com/office/drawing/2014/main" id="{2A99B9C5-A36A-4509-838F-B421127D40FB}"/>
+              </a:ext>
+            </a:extLst>
+          </p:cNvPr>
+          <p:cNvCxnSpPr>
+            <a:cxnSpLocks/>
+          </p:cNvCxnSpPr>
+          <p:nvPr/>
+        </p:nvCxnSpPr>
+        <p:spPr>
+          <a:xfrm flipV="1">
+            <a:off x="6416080" y="2457963"/>
+            <a:ext cx="0" cy="1591406"/>
+          </a:xfrm>
+          <a:prstGeom prst="straightConnector1">
+            <a:avLst/>
+          </a:prstGeom>
+          <a:ln w="12700">
+            <a:solidFill>
+              <a:schemeClr val="bg2">
+                <a:lumMod val="25000"/>
+              </a:schemeClr>
+            </a:solidFill>
+            <a:prstDash val="dash"/>
+            <a:tailEnd type="triangle"/>
+          </a:ln>
+        </p:spPr>
+        <p:style>
+          <a:lnRef idx="1">
+            <a:schemeClr val="accent1"/>
+          </a:lnRef>
+          <a:fillRef idx="0">
+            <a:schemeClr val="accent1"/>
+          </a:fillRef>
+          <a:effectRef idx="0">
+            <a:schemeClr val="accent1"/>
+          </a:effectRef>
+          <a:fontRef idx="minor">
+            <a:schemeClr val="tx1"/>
+          </a:fontRef>
+        </p:style>
+      </p:cxnSp>
     </p:spTree>
     <p:extLst>
       <p:ext uri="{BB962C8B-B14F-4D97-AF65-F5344CB8AC3E}">
-        <p14:creationId xmlns:p14="http://schemas.microsoft.com/office/powerpoint/2010/main" val="3193686447"/>
+        <p14:creationId xmlns:p14="http://schemas.microsoft.com/office/powerpoint/2010/main" val="625002993"/>
       </p:ext>
     </p:extLst>
   </p:cSld>
@@ -4376,20 +4686,8 @@
           <a:lstStyle/>
           <a:p>
             <a:r>
-              <a:rPr lang="en-US" altLang="zh-CN"/>
-              <a:t>swiper-item</a:t>
-            </a:r>
-            <a:r>
               <a:rPr lang="zh-CN" altLang="en-US"/>
-              <a:t>：嵌入</a:t>
-            </a:r>
-            <a:r>
-              <a:rPr lang="en-US" altLang="zh-CN"/>
-              <a:t>swiper</a:t>
-            </a:r>
-            <a:r>
-              <a:rPr lang="zh-CN" altLang="en-US"/>
-              <a:t>的组件</a:t>
+              <a:t>选择图片并预览</a:t>
             </a:r>
             <a:endParaRPr lang="zh-CN" altLang="en-US" dirty="0"/>
           </a:p>
@@ -4397,10 +4695,10 @@
       </p:sp>
       <p:sp>
         <p:nvSpPr>
-          <p:cNvPr id="10" name="内容占位符 9">
-            <a:extLst>
-              <a:ext uri="{FF2B5EF4-FFF2-40B4-BE49-F238E27FC236}">
-                <a16:creationId xmlns:a16="http://schemas.microsoft.com/office/drawing/2014/main" id="{6491841B-3357-4BCF-8DA0-0EAD0E04D1BE}"/>
+          <p:cNvPr id="4" name="内容占位符 3">
+            <a:extLst>
+              <a:ext uri="{FF2B5EF4-FFF2-40B4-BE49-F238E27FC236}">
+                <a16:creationId xmlns:a16="http://schemas.microsoft.com/office/drawing/2014/main" id="{2AFF7099-E011-4259-89C2-9564E0FDE216}"/>
               </a:ext>
             </a:extLst>
           </p:cNvPr>
@@ -4423,7 +4721,7 @@
     </p:spTree>
     <p:extLst>
       <p:ext uri="{BB962C8B-B14F-4D97-AF65-F5344CB8AC3E}">
-        <p14:creationId xmlns:p14="http://schemas.microsoft.com/office/powerpoint/2010/main" val="3722286286"/>
+        <p14:creationId xmlns:p14="http://schemas.microsoft.com/office/powerpoint/2010/main" val="3193686447"/>
       </p:ext>
     </p:extLst>
   </p:cSld>
@@ -4455,7 +4753,7 @@
           <p:cNvPr id="2" name="标题 1">
             <a:extLst>
               <a:ext uri="{FF2B5EF4-FFF2-40B4-BE49-F238E27FC236}">
-                <a16:creationId xmlns:a16="http://schemas.microsoft.com/office/drawing/2014/main" id="{0371DB66-8CF6-4B09-B21E-32ACBB76D009}"/>
+                <a16:creationId xmlns:a16="http://schemas.microsoft.com/office/drawing/2014/main" id="{4C0524E0-8D89-4464-893A-EC925A8BCA24}"/>
               </a:ext>
             </a:extLst>
           </p:cNvPr>
@@ -4472,12 +4770,8 @@
           <a:lstStyle/>
           <a:p>
             <a:r>
-              <a:rPr lang="en-US" altLang="zh-CN"/>
-              <a:t>swiper</a:t>
-            </a:r>
-            <a:r>
               <a:rPr lang="zh-CN" altLang="en-US"/>
-              <a:t>绑定事件</a:t>
+              <a:t>富文本编辑器</a:t>
             </a:r>
           </a:p>
         </p:txBody>
@@ -4487,7 +4781,7 @@
           <p:cNvPr id="3" name="内容占位符 2">
             <a:extLst>
               <a:ext uri="{FF2B5EF4-FFF2-40B4-BE49-F238E27FC236}">
-                <a16:creationId xmlns:a16="http://schemas.microsoft.com/office/drawing/2014/main" id="{4657DACF-A999-4081-AAC3-B29D00F52CEE}"/>
+                <a16:creationId xmlns:a16="http://schemas.microsoft.com/office/drawing/2014/main" id="{CA172C72-6E25-4A9A-82D4-6A292337674A}"/>
               </a:ext>
             </a:extLst>
           </p:cNvPr>
@@ -4498,19 +4792,96 @@
             <p:ph idx="1"/>
           </p:nvPr>
         </p:nvSpPr>
-        <p:spPr/>
+        <p:spPr>
+          <a:xfrm>
+            <a:off x="838200" y="1472666"/>
+            <a:ext cx="3813699" cy="4704298"/>
+          </a:xfrm>
+        </p:spPr>
         <p:txBody>
           <a:bodyPr/>
           <a:lstStyle/>
           <a:p>
+            <a:r>
+              <a:rPr lang="zh-CN" altLang="en-US"/>
+              <a:t>富文本编辑器在前端来说就是</a:t>
+            </a:r>
+            <a:r>
+              <a:rPr lang="en-US" altLang="zh-CN"/>
+              <a:t>HTML</a:t>
+            </a:r>
+            <a:r>
+              <a:rPr lang="zh-CN" altLang="en-US"/>
+              <a:t>的内容，但是可编辑。</a:t>
+            </a:r>
+            <a:endParaRPr lang="en-US" altLang="zh-CN"/>
+          </a:p>
+          <a:p>
+            <a:pPr marL="0" indent="0">
+              <a:buNone/>
+            </a:pPr>
+            <a:endParaRPr lang="en-US" altLang="zh-CN"/>
+          </a:p>
+          <a:p>
+            <a:r>
+              <a:rPr lang="zh-CN" altLang="en-US"/>
+              <a:t>在小程序中，出于安全考虑，支持的标签是受到限制的，不像</a:t>
+            </a:r>
+            <a:r>
+              <a:rPr lang="en-US" altLang="zh-CN"/>
+              <a:t>web</a:t>
+            </a:r>
+            <a:r>
+              <a:rPr lang="zh-CN" altLang="en-US"/>
+              <a:t>页面中实现的那么自由。</a:t>
+            </a:r>
+            <a:endParaRPr lang="en-US" altLang="zh-CN"/>
+          </a:p>
+          <a:p>
             <a:endParaRPr lang="zh-CN" altLang="en-US"/>
           </a:p>
         </p:txBody>
       </p:sp>
+      <p:pic>
+        <p:nvPicPr>
+          <p:cNvPr id="5" name="图片 4">
+            <a:extLst>
+              <a:ext uri="{FF2B5EF4-FFF2-40B4-BE49-F238E27FC236}">
+                <a16:creationId xmlns:a16="http://schemas.microsoft.com/office/drawing/2014/main" id="{8A0C6A2D-6B1A-46BD-96E4-AD9381BA0B83}"/>
+              </a:ext>
+            </a:extLst>
+          </p:cNvPr>
+          <p:cNvPicPr>
+            <a:picLocks noChangeAspect="1"/>
+          </p:cNvPicPr>
+          <p:nvPr/>
+        </p:nvPicPr>
+        <p:blipFill>
+          <a:blip r:embed="rId2">
+            <a:extLst>
+              <a:ext uri="{28A0092B-C50C-407E-A947-70E740481C1C}">
+                <a14:useLocalDpi xmlns:a14="http://schemas.microsoft.com/office/drawing/2010/main" val="0"/>
+              </a:ext>
+            </a:extLst>
+          </a:blip>
+          <a:stretch>
+            <a:fillRect/>
+          </a:stretch>
+        </p:blipFill>
+        <p:spPr>
+          <a:xfrm>
+            <a:off x="4715374" y="1357163"/>
+            <a:ext cx="7379645" cy="4935304"/>
+          </a:xfrm>
+          <a:prstGeom prst="rect">
+            <a:avLst/>
+          </a:prstGeom>
+        </p:spPr>
+      </p:pic>
     </p:spTree>
     <p:extLst>
       <p:ext uri="{BB962C8B-B14F-4D97-AF65-F5344CB8AC3E}">
-        <p14:creationId xmlns:p14="http://schemas.microsoft.com/office/powerpoint/2010/main" val="3767247021"/>
+        <p14:creationId xmlns:p14="http://schemas.microsoft.com/office/powerpoint/2010/main" val="1270250504"/>
       </p:ext>
     </p:extLst>
   </p:cSld>
@@ -4542,7 +4913,7 @@
           <p:cNvPr id="2" name="标题 1">
             <a:extLst>
               <a:ext uri="{FF2B5EF4-FFF2-40B4-BE49-F238E27FC236}">
-                <a16:creationId xmlns:a16="http://schemas.microsoft.com/office/drawing/2014/main" id="{14E9355E-652F-436C-B3B0-4D81DA18977B}"/>
+                <a16:creationId xmlns:a16="http://schemas.microsoft.com/office/drawing/2014/main" id="{B86582C5-1AEA-4D47-B87F-56B26C8DCB4C}"/>
               </a:ext>
             </a:extLst>
           </p:cNvPr>
@@ -4559,23 +4930,26 @@
           <a:lstStyle/>
           <a:p>
             <a:r>
+              <a:rPr lang="zh-CN" altLang="en-US"/>
+              <a:t>小程序的</a:t>
+            </a:r>
+            <a:r>
               <a:rPr lang="en-US" altLang="zh-CN"/>
-              <a:t>camera</a:t>
+              <a:t>editor</a:t>
             </a:r>
             <a:r>
               <a:rPr lang="zh-CN" altLang="en-US"/>
-              <a:t>：摄像头组件</a:t>
-            </a:r>
-            <a:endParaRPr lang="zh-CN" altLang="en-US" dirty="0"/>
-          </a:p>
-        </p:txBody>
-      </p:sp>
-      <p:sp>
-        <p:nvSpPr>
-          <p:cNvPr id="11" name="内容占位符 10">
-            <a:extLst>
-              <a:ext uri="{FF2B5EF4-FFF2-40B4-BE49-F238E27FC236}">
-                <a16:creationId xmlns:a16="http://schemas.microsoft.com/office/drawing/2014/main" id="{722BB35D-6C21-4F0B-A227-B152A483727A}"/>
+              <a:t>组件</a:t>
+            </a:r>
+          </a:p>
+        </p:txBody>
+      </p:sp>
+      <p:sp>
+        <p:nvSpPr>
+          <p:cNvPr id="3" name="内容占位符 2">
+            <a:extLst>
+              <a:ext uri="{FF2B5EF4-FFF2-40B4-BE49-F238E27FC236}">
+                <a16:creationId xmlns:a16="http://schemas.microsoft.com/office/drawing/2014/main" id="{D3E68980-48DD-4F26-A849-81F8E9FD9D28}"/>
               </a:ext>
             </a:extLst>
           </p:cNvPr>
@@ -4591,14 +4965,376 @@
           <a:bodyPr/>
           <a:lstStyle/>
           <a:p>
-            <a:endParaRPr lang="zh-CN" altLang="en-US"/>
+            <a:r>
+              <a:rPr lang="zh-CN" altLang="en-US"/>
+              <a:t>在小程序中实现富文本编辑器，需要使用</a:t>
+            </a:r>
+            <a:r>
+              <a:rPr lang="en-US" altLang="zh-CN"/>
+              <a:t>editor</a:t>
+            </a:r>
+            <a:r>
+              <a:rPr lang="zh-CN" altLang="en-US"/>
+              <a:t>组件。</a:t>
+            </a:r>
+            <a:endParaRPr lang="en-US" altLang="zh-CN"/>
+          </a:p>
+          <a:p>
+            <a:r>
+              <a:rPr lang="zh-CN" altLang="en-US"/>
+              <a:t>这个组件的使用比较复杂，需要</a:t>
+            </a:r>
+            <a:r>
+              <a:rPr lang="en-US" altLang="zh-CN"/>
+              <a:t>editor</a:t>
+            </a:r>
+            <a:r>
+              <a:rPr lang="zh-CN" altLang="en-US"/>
+              <a:t>和相关</a:t>
+            </a:r>
+            <a:r>
+              <a:rPr lang="en-US" altLang="zh-CN"/>
+              <a:t>API</a:t>
+            </a:r>
+            <a:r>
+              <a:rPr lang="zh-CN" altLang="en-US"/>
+              <a:t>配合。</a:t>
+            </a:r>
+            <a:endParaRPr lang="en-US" altLang="zh-CN"/>
+          </a:p>
+          <a:p>
+            <a:r>
+              <a:rPr lang="zh-CN" altLang="en-US"/>
+              <a:t>并且由于小程序的双线程运行机制，导致在进行内容操作时，不像</a:t>
+            </a:r>
+            <a:r>
+              <a:rPr lang="en-US" altLang="zh-CN"/>
+              <a:t>web</a:t>
+            </a:r>
+            <a:r>
+              <a:rPr lang="zh-CN" altLang="en-US"/>
+              <a:t>页面中可以直接操作</a:t>
+            </a:r>
+            <a:r>
+              <a:rPr lang="en-US" altLang="zh-CN"/>
+              <a:t>DOM</a:t>
+            </a:r>
+            <a:r>
+              <a:rPr lang="zh-CN" altLang="en-US"/>
+              <a:t>，而封装的</a:t>
+            </a:r>
+            <a:r>
+              <a:rPr lang="en-US" altLang="zh-CN"/>
+              <a:t>API</a:t>
+            </a:r>
+            <a:r>
+              <a:rPr lang="zh-CN" altLang="en-US"/>
+              <a:t>使用起来也有些复杂。</a:t>
+            </a:r>
+            <a:endParaRPr lang="en-US" altLang="zh-CN"/>
+          </a:p>
+        </p:txBody>
+      </p:sp>
+      <p:sp>
+        <p:nvSpPr>
+          <p:cNvPr id="4" name="文本框 3">
+            <a:extLst>
+              <a:ext uri="{FF2B5EF4-FFF2-40B4-BE49-F238E27FC236}">
+                <a16:creationId xmlns:a16="http://schemas.microsoft.com/office/drawing/2014/main" id="{AD728F07-2192-42D4-ABB2-8ADC566728A7}"/>
+              </a:ext>
+            </a:extLst>
+          </p:cNvPr>
+          <p:cNvSpPr txBox="1"/>
+          <p:nvPr/>
+        </p:nvSpPr>
+        <p:spPr>
+          <a:xfrm>
+            <a:off x="2237173" y="4065972"/>
+            <a:ext cx="7537141" cy="1727589"/>
+          </a:xfrm>
+          <a:prstGeom prst="rect">
+            <a:avLst/>
+          </a:prstGeom>
+          <a:solidFill>
+            <a:schemeClr val="bg1">
+              <a:lumMod val="95000"/>
+            </a:schemeClr>
+          </a:solidFill>
+          <a:ln>
+            <a:noFill/>
+          </a:ln>
+          <a:effectLst>
+            <a:outerShdw blurRad="50800" dist="38100" dir="5400000" algn="t" rotWithShape="0">
+              <a:prstClr val="black">
+                <a:alpha val="40000"/>
+              </a:prstClr>
+            </a:outerShdw>
+          </a:effectLst>
+        </p:spPr>
+        <p:txBody>
+          <a:bodyPr wrap="square" rtlCol="0">
+            <a:spAutoFit/>
+          </a:bodyPr>
+          <a:lstStyle/>
+          <a:p>
+            <a:pPr marL="285750" indent="-285750">
+              <a:lnSpc>
+                <a:spcPts val="2800"/>
+              </a:lnSpc>
+              <a:spcBef>
+                <a:spcPts val="600"/>
+              </a:spcBef>
+              <a:buFont typeface="Arial" panose="020B0604020202020204" pitchFamily="34" charset="0"/>
+              <a:buChar char="•"/>
+            </a:pPr>
+            <a:r>
+              <a:rPr lang="zh-CN" altLang="en-US">
+                <a:latin typeface="Ubuntu Mono" panose="020B0509030602030204" pitchFamily="49" charset="0"/>
+                <a:ea typeface="思源黑体 CN Light" panose="020B0300000000000000" pitchFamily="34" charset="-122"/>
+              </a:rPr>
+              <a:t>在小程序中，操作</a:t>
+            </a:r>
+            <a:r>
+              <a:rPr lang="en-US" altLang="zh-CN">
+                <a:latin typeface="Ubuntu Mono" panose="020B0509030602030204" pitchFamily="49" charset="0"/>
+                <a:ea typeface="思源黑体 CN Light" panose="020B0300000000000000" pitchFamily="34" charset="-122"/>
+              </a:rPr>
+              <a:t>editor</a:t>
+            </a:r>
+            <a:r>
+              <a:rPr lang="zh-CN" altLang="en-US">
+                <a:latin typeface="Ubuntu Mono" panose="020B0509030602030204" pitchFamily="49" charset="0"/>
+                <a:ea typeface="思源黑体 CN Light" panose="020B0300000000000000" pitchFamily="34" charset="-122"/>
+              </a:rPr>
+              <a:t>组件，需要</a:t>
+            </a:r>
+            <a:r>
+              <a:rPr lang="en-US" altLang="zh-CN">
+                <a:latin typeface="Ubuntu Mono" panose="020B0509030602030204" pitchFamily="49" charset="0"/>
+                <a:ea typeface="思源黑体 CN Light" panose="020B0300000000000000" pitchFamily="34" charset="-122"/>
+              </a:rPr>
+              <a:t>EditorContext</a:t>
+            </a:r>
+            <a:r>
+              <a:rPr lang="zh-CN" altLang="en-US">
+                <a:latin typeface="Ubuntu Mono" panose="020B0509030602030204" pitchFamily="49" charset="0"/>
+                <a:ea typeface="思源黑体 CN Light" panose="020B0300000000000000" pitchFamily="34" charset="-122"/>
+              </a:rPr>
+              <a:t>相关</a:t>
+            </a:r>
+            <a:r>
+              <a:rPr lang="en-US" altLang="zh-CN">
+                <a:latin typeface="Ubuntu Mono" panose="020B0509030602030204" pitchFamily="49" charset="0"/>
+                <a:ea typeface="思源黑体 CN Light" panose="020B0300000000000000" pitchFamily="34" charset="-122"/>
+              </a:rPr>
+              <a:t>API</a:t>
+            </a:r>
+            <a:r>
+              <a:rPr lang="zh-CN" altLang="en-US">
+                <a:latin typeface="Ubuntu Mono" panose="020B0509030602030204" pitchFamily="49" charset="0"/>
+                <a:ea typeface="思源黑体 CN Light" panose="020B0300000000000000" pitchFamily="34" charset="-122"/>
+              </a:rPr>
+              <a:t>。</a:t>
+            </a:r>
+            <a:endParaRPr lang="en-US" altLang="zh-CN">
+              <a:latin typeface="Ubuntu Mono" panose="020B0509030602030204" pitchFamily="49" charset="0"/>
+              <a:ea typeface="思源黑体 CN Light" panose="020B0300000000000000" pitchFamily="34" charset="-122"/>
+            </a:endParaRPr>
+          </a:p>
+          <a:p>
+            <a:pPr marL="285750" indent="-285750">
+              <a:lnSpc>
+                <a:spcPts val="2800"/>
+              </a:lnSpc>
+              <a:spcBef>
+                <a:spcPts val="600"/>
+              </a:spcBef>
+              <a:buFont typeface="Arial" panose="020B0604020202020204" pitchFamily="34" charset="0"/>
+              <a:buChar char="•"/>
+            </a:pPr>
+            <a:r>
+              <a:rPr lang="zh-CN" altLang="en-US">
+                <a:latin typeface="Ubuntu Mono" panose="020B0509030602030204" pitchFamily="49" charset="0"/>
+                <a:ea typeface="思源黑体 CN Light" panose="020B0300000000000000" pitchFamily="34" charset="-122"/>
+              </a:rPr>
+              <a:t>这需要先通过</a:t>
+            </a:r>
+            <a:r>
+              <a:rPr lang="en-US" altLang="zh-CN">
+                <a:latin typeface="Ubuntu Mono" panose="020B0509030602030204" pitchFamily="49" charset="0"/>
+                <a:ea typeface="思源黑体 CN Light" panose="020B0300000000000000" pitchFamily="34" charset="-122"/>
+              </a:rPr>
+              <a:t>wx.createSelectorQuery</a:t>
+            </a:r>
+            <a:r>
+              <a:rPr lang="zh-CN" altLang="en-US">
+                <a:latin typeface="Ubuntu Mono" panose="020B0509030602030204" pitchFamily="49" charset="0"/>
+                <a:ea typeface="思源黑体 CN Light" panose="020B0300000000000000" pitchFamily="34" charset="-122"/>
+              </a:rPr>
+              <a:t>返回</a:t>
+            </a:r>
+            <a:r>
+              <a:rPr lang="en-US" altLang="zh-CN">
+                <a:latin typeface="Ubuntu Mono" panose="020B0509030602030204" pitchFamily="49" charset="0"/>
+                <a:ea typeface="思源黑体 CN Light" panose="020B0300000000000000" pitchFamily="34" charset="-122"/>
+              </a:rPr>
+              <a:t>SelectorQuery</a:t>
+            </a:r>
+            <a:r>
+              <a:rPr lang="zh-CN" altLang="en-US">
+                <a:latin typeface="Ubuntu Mono" panose="020B0509030602030204" pitchFamily="49" charset="0"/>
+                <a:ea typeface="思源黑体 CN Light" panose="020B0300000000000000" pitchFamily="34" charset="-122"/>
+              </a:rPr>
+              <a:t>实例。</a:t>
+            </a:r>
+            <a:endParaRPr lang="en-US" altLang="zh-CN">
+              <a:latin typeface="Ubuntu Mono" panose="020B0509030602030204" pitchFamily="49" charset="0"/>
+              <a:ea typeface="思源黑体 CN Light" panose="020B0300000000000000" pitchFamily="34" charset="-122"/>
+            </a:endParaRPr>
+          </a:p>
+          <a:p>
+            <a:pPr marL="285750" indent="-285750">
+              <a:lnSpc>
+                <a:spcPts val="2800"/>
+              </a:lnSpc>
+              <a:spcBef>
+                <a:spcPts val="600"/>
+              </a:spcBef>
+              <a:buFont typeface="Arial" panose="020B0604020202020204" pitchFamily="34" charset="0"/>
+              <a:buChar char="•"/>
+            </a:pPr>
+            <a:r>
+              <a:rPr lang="en-US" altLang="zh-CN">
+                <a:latin typeface="Ubuntu Mono" panose="020B0509030602030204" pitchFamily="49" charset="0"/>
+                <a:ea typeface="思源黑体 CN Light" panose="020B0300000000000000" pitchFamily="34" charset="-122"/>
+              </a:rPr>
+              <a:t>EditorContext</a:t>
+            </a:r>
+            <a:r>
+              <a:rPr lang="zh-CN" altLang="en-US">
+                <a:latin typeface="Ubuntu Mono" panose="020B0509030602030204" pitchFamily="49" charset="0"/>
+                <a:ea typeface="思源黑体 CN Light" panose="020B0300000000000000" pitchFamily="34" charset="-122"/>
+              </a:rPr>
+              <a:t>需要调用</a:t>
+            </a:r>
+            <a:r>
+              <a:rPr lang="en-US" altLang="zh-CN">
+                <a:latin typeface="Ubuntu Mono" panose="020B0509030602030204" pitchFamily="49" charset="0"/>
+                <a:ea typeface="思源黑体 CN Light" panose="020B0300000000000000" pitchFamily="34" charset="-122"/>
+              </a:rPr>
+              <a:t>SelectorQuery</a:t>
+            </a:r>
+            <a:r>
+              <a:rPr lang="zh-CN" altLang="en-US">
+                <a:latin typeface="Ubuntu Mono" panose="020B0509030602030204" pitchFamily="49" charset="0"/>
+                <a:ea typeface="思源黑体 CN Light" panose="020B0300000000000000" pitchFamily="34" charset="-122"/>
+              </a:rPr>
+              <a:t>相关</a:t>
+            </a:r>
+            <a:r>
+              <a:rPr lang="en-US" altLang="zh-CN">
+                <a:latin typeface="Ubuntu Mono" panose="020B0509030602030204" pitchFamily="49" charset="0"/>
+                <a:ea typeface="思源黑体 CN Light" panose="020B0300000000000000" pitchFamily="34" charset="-122"/>
+              </a:rPr>
+              <a:t>API</a:t>
+            </a:r>
+            <a:r>
+              <a:rPr lang="zh-CN" altLang="en-US">
+                <a:latin typeface="Ubuntu Mono" panose="020B0509030602030204" pitchFamily="49" charset="0"/>
+                <a:ea typeface="思源黑体 CN Light" panose="020B0300000000000000" pitchFamily="34" charset="-122"/>
+              </a:rPr>
+              <a:t>返回</a:t>
+            </a:r>
+            <a:r>
+              <a:rPr lang="en-US" altLang="zh-CN">
+                <a:latin typeface="Ubuntu Mono" panose="020B0509030602030204" pitchFamily="49" charset="0"/>
+                <a:ea typeface="思源黑体 CN Light" panose="020B0300000000000000" pitchFamily="34" charset="-122"/>
+              </a:rPr>
+              <a:t>NodesRef</a:t>
+            </a:r>
+            <a:r>
+              <a:rPr lang="zh-CN" altLang="en-US">
+                <a:latin typeface="Ubuntu Mono" panose="020B0509030602030204" pitchFamily="49" charset="0"/>
+                <a:ea typeface="思源黑体 CN Light" panose="020B0300000000000000" pitchFamily="34" charset="-122"/>
+              </a:rPr>
+              <a:t>。</a:t>
+            </a:r>
+            <a:endParaRPr lang="en-US" altLang="zh-CN">
+              <a:latin typeface="Ubuntu Mono" panose="020B0509030602030204" pitchFamily="49" charset="0"/>
+              <a:ea typeface="思源黑体 CN Light" panose="020B0300000000000000" pitchFamily="34" charset="-122"/>
+            </a:endParaRPr>
+          </a:p>
+          <a:p>
+            <a:pPr marL="285750" indent="-285750">
+              <a:lnSpc>
+                <a:spcPts val="2800"/>
+              </a:lnSpc>
+              <a:spcBef>
+                <a:spcPts val="600"/>
+              </a:spcBef>
+              <a:buFont typeface="Arial" panose="020B0604020202020204" pitchFamily="34" charset="0"/>
+              <a:buChar char="•"/>
+            </a:pPr>
+            <a:r>
+              <a:rPr lang="zh-CN" altLang="en-US">
+                <a:latin typeface="Ubuntu Mono" panose="020B0509030602030204" pitchFamily="49" charset="0"/>
+                <a:ea typeface="思源黑体 CN Light" panose="020B0300000000000000" pitchFamily="34" charset="-122"/>
+              </a:rPr>
+              <a:t>在</a:t>
+            </a:r>
+            <a:r>
+              <a:rPr lang="en-US" altLang="zh-CN">
+                <a:latin typeface="Ubuntu Mono" panose="020B0509030602030204" pitchFamily="49" charset="0"/>
+                <a:ea typeface="思源黑体 CN Light" panose="020B0300000000000000" pitchFamily="34" charset="-122"/>
+              </a:rPr>
+              <a:t>NodesRef</a:t>
+            </a:r>
+            <a:r>
+              <a:rPr lang="zh-CN" altLang="en-US">
+                <a:latin typeface="Ubuntu Mono" panose="020B0509030602030204" pitchFamily="49" charset="0"/>
+                <a:ea typeface="思源黑体 CN Light" panose="020B0300000000000000" pitchFamily="34" charset="-122"/>
+              </a:rPr>
+              <a:t>实例中调用</a:t>
+            </a:r>
+            <a:r>
+              <a:rPr lang="en-US" altLang="zh-CN">
+                <a:latin typeface="Ubuntu Mono" panose="020B0509030602030204" pitchFamily="49" charset="0"/>
+                <a:ea typeface="思源黑体 CN Light" panose="020B0300000000000000" pitchFamily="34" charset="-122"/>
+              </a:rPr>
+              <a:t>context</a:t>
+            </a:r>
+            <a:r>
+              <a:rPr lang="zh-CN" altLang="en-US">
+                <a:latin typeface="Ubuntu Mono" panose="020B0509030602030204" pitchFamily="49" charset="0"/>
+                <a:ea typeface="思源黑体 CN Light" panose="020B0300000000000000" pitchFamily="34" charset="-122"/>
+              </a:rPr>
+              <a:t>获取</a:t>
+            </a:r>
+            <a:r>
+              <a:rPr lang="en-US" altLang="zh-CN">
+                <a:latin typeface="Ubuntu Mono" panose="020B0509030602030204" pitchFamily="49" charset="0"/>
+                <a:ea typeface="思源黑体 CN Light" panose="020B0300000000000000" pitchFamily="34" charset="-122"/>
+              </a:rPr>
+              <a:t>EditorContext</a:t>
+            </a:r>
+            <a:r>
+              <a:rPr lang="zh-CN" altLang="en-US">
+                <a:latin typeface="Ubuntu Mono" panose="020B0509030602030204" pitchFamily="49" charset="0"/>
+                <a:ea typeface="思源黑体 CN Light" panose="020B0300000000000000" pitchFamily="34" charset="-122"/>
+              </a:rPr>
+              <a:t>实例。</a:t>
+            </a:r>
+            <a:endParaRPr lang="en-US" altLang="zh-CN" b="1">
+              <a:latin typeface="Ubuntu Mono" panose="020B0509030602030204" pitchFamily="49" charset="0"/>
+              <a:ea typeface="思源黑体 CN Light" panose="020B0300000000000000" pitchFamily="34" charset="-122"/>
+            </a:endParaRPr>
           </a:p>
         </p:txBody>
       </p:sp>
     </p:spTree>
     <p:extLst>
       <p:ext uri="{BB962C8B-B14F-4D97-AF65-F5344CB8AC3E}">
-        <p14:creationId xmlns:p14="http://schemas.microsoft.com/office/powerpoint/2010/main" val="2052499412"/>
+        <p14:creationId xmlns:p14="http://schemas.microsoft.com/office/powerpoint/2010/main" val="3442603557"/>
       </p:ext>
     </p:extLst>
   </p:cSld>
@@ -4630,7 +5366,7 @@
           <p:cNvPr id="2" name="标题 1">
             <a:extLst>
               <a:ext uri="{FF2B5EF4-FFF2-40B4-BE49-F238E27FC236}">
-                <a16:creationId xmlns:a16="http://schemas.microsoft.com/office/drawing/2014/main" id="{BA5265CE-4632-41A1-A16D-031C2D9ABF73}"/>
+                <a16:creationId xmlns:a16="http://schemas.microsoft.com/office/drawing/2014/main" id="{B86582C5-1AEA-4D47-B87F-56B26C8DCB4C}"/>
               </a:ext>
             </a:extLst>
           </p:cNvPr>
@@ -4647,10 +5383,16 @@
           <a:lstStyle/>
           <a:p>
             <a:r>
-              <a:rPr lang="zh-CN" altLang="en-US">
-                <a:latin typeface="Ubuntu Mono" panose="020B0509030602030204" pitchFamily="49" charset="0"/>
-              </a:rPr>
-              <a:t>拍照并预览</a:t>
+              <a:rPr lang="en-US" altLang="zh-CN"/>
+              <a:t>editor</a:t>
+            </a:r>
+            <a:r>
+              <a:rPr lang="zh-CN" altLang="en-US"/>
+              <a:t>组件和</a:t>
+            </a:r>
+            <a:r>
+              <a:rPr lang="en-US" altLang="zh-CN"/>
+              <a:t>EditorContext</a:t>
             </a:r>
             <a:endParaRPr lang="zh-CN" altLang="en-US"/>
           </a:p>
@@ -4658,10 +5400,10 @@
       </p:sp>
       <p:sp>
         <p:nvSpPr>
-          <p:cNvPr id="4" name="内容占位符 3">
-            <a:extLst>
-              <a:ext uri="{FF2B5EF4-FFF2-40B4-BE49-F238E27FC236}">
-                <a16:creationId xmlns:a16="http://schemas.microsoft.com/office/drawing/2014/main" id="{E6A195CC-4C34-4399-978E-AE33AF0A2196}"/>
+          <p:cNvPr id="3" name="内容占位符 2">
+            <a:extLst>
+              <a:ext uri="{FF2B5EF4-FFF2-40B4-BE49-F238E27FC236}">
+                <a16:creationId xmlns:a16="http://schemas.microsoft.com/office/drawing/2014/main" id="{D3E68980-48DD-4F26-A849-81F8E9FD9D28}"/>
               </a:ext>
             </a:extLst>
           </p:cNvPr>
@@ -4677,14 +5419,262 @@
           <a:bodyPr/>
           <a:lstStyle/>
           <a:p>
-            <a:endParaRPr lang="zh-CN" altLang="en-US"/>
+            <a:r>
+              <a:rPr lang="zh-CN" altLang="en-US"/>
+              <a:t>在</a:t>
+            </a:r>
+            <a:r>
+              <a:rPr lang="en-US" altLang="zh-CN"/>
+              <a:t>editor</a:t>
+            </a:r>
+            <a:r>
+              <a:rPr lang="zh-CN" altLang="en-US"/>
+              <a:t>组件中要给它一个</a:t>
+            </a:r>
+            <a:r>
+              <a:rPr lang="en-US" altLang="zh-CN"/>
+              <a:t>id</a:t>
+            </a:r>
+            <a:r>
+              <a:rPr lang="zh-CN" altLang="en-US"/>
+              <a:t>属性，</a:t>
+            </a:r>
+            <a:r>
+              <a:rPr lang="en-US" altLang="zh-CN"/>
+              <a:t>EditorContext</a:t>
+            </a:r>
+            <a:r>
+              <a:rPr lang="zh-CN" altLang="en-US"/>
+              <a:t>是通过</a:t>
+            </a:r>
+            <a:r>
+              <a:rPr lang="en-US" altLang="zh-CN"/>
+              <a:t>id</a:t>
+            </a:r>
+            <a:r>
+              <a:rPr lang="zh-CN" altLang="en-US"/>
+              <a:t>和一个</a:t>
+            </a:r>
+            <a:r>
+              <a:rPr lang="en-US" altLang="zh-CN"/>
+              <a:t>editor</a:t>
+            </a:r>
+            <a:r>
+              <a:rPr lang="zh-CN" altLang="en-US"/>
+              <a:t>组件关联。</a:t>
+            </a:r>
+            <a:endParaRPr lang="en-US" altLang="zh-CN"/>
+          </a:p>
+          <a:p>
+            <a:r>
+              <a:rPr lang="zh-CN" altLang="en-US"/>
+              <a:t>在小程序中，类似的组件还有</a:t>
+            </a:r>
+            <a:r>
+              <a:rPr lang="en-US" altLang="zh-CN"/>
+              <a:t>VideoContext</a:t>
+            </a:r>
+            <a:r>
+              <a:rPr lang="zh-CN" altLang="en-US"/>
+              <a:t>、</a:t>
+            </a:r>
+            <a:r>
+              <a:rPr lang="en-US" altLang="zh-CN"/>
+              <a:t>CanvasContext</a:t>
+            </a:r>
+            <a:r>
+              <a:rPr lang="zh-CN" altLang="en-US"/>
+              <a:t>等，都是类似的逻辑，只是最后返回的上下文实例不同。</a:t>
+            </a:r>
+            <a:endParaRPr lang="en-US" altLang="zh-CN"/>
+          </a:p>
+          <a:p>
+            <a:r>
+              <a:rPr lang="zh-CN" altLang="en-US"/>
+              <a:t>示例代码在下一页。</a:t>
+            </a:r>
+            <a:endParaRPr lang="en-US" altLang="zh-CN"/>
+          </a:p>
+          <a:p>
+            <a:endParaRPr lang="en-US" altLang="zh-CN"/>
+          </a:p>
+        </p:txBody>
+      </p:sp>
+      <p:sp>
+        <p:nvSpPr>
+          <p:cNvPr id="4" name="文本框 3">
+            <a:extLst>
+              <a:ext uri="{FF2B5EF4-FFF2-40B4-BE49-F238E27FC236}">
+                <a16:creationId xmlns:a16="http://schemas.microsoft.com/office/drawing/2014/main" id="{AD728F07-2192-42D4-ABB2-8ADC566728A7}"/>
+              </a:ext>
+            </a:extLst>
+          </p:cNvPr>
+          <p:cNvSpPr txBox="1"/>
+          <p:nvPr/>
+        </p:nvSpPr>
+        <p:spPr>
+          <a:xfrm>
+            <a:off x="838200" y="4045164"/>
+            <a:ext cx="10515600" cy="2012602"/>
+          </a:xfrm>
+          <a:prstGeom prst="rect">
+            <a:avLst/>
+          </a:prstGeom>
+          <a:solidFill>
+            <a:schemeClr val="bg1">
+              <a:lumMod val="95000"/>
+            </a:schemeClr>
+          </a:solidFill>
+          <a:ln>
+            <a:noFill/>
+          </a:ln>
+          <a:effectLst>
+            <a:outerShdw blurRad="50800" dist="38100" dir="5400000" algn="t" rotWithShape="0">
+              <a:prstClr val="black">
+                <a:alpha val="40000"/>
+              </a:prstClr>
+            </a:outerShdw>
+          </a:effectLst>
+        </p:spPr>
+        <p:txBody>
+          <a:bodyPr wrap="square" rtlCol="0">
+            <a:spAutoFit/>
+          </a:bodyPr>
+          <a:lstStyle/>
+          <a:p>
+            <a:pPr marL="285750" indent="-285750">
+              <a:lnSpc>
+                <a:spcPts val="2800"/>
+              </a:lnSpc>
+              <a:spcBef>
+                <a:spcPts val="600"/>
+              </a:spcBef>
+              <a:buFont typeface="Arial" panose="020B0604020202020204" pitchFamily="34" charset="0"/>
+              <a:buChar char="•"/>
+            </a:pPr>
+            <a:r>
+              <a:rPr lang="zh-CN" altLang="en-US">
+                <a:latin typeface="Ubuntu Mono" panose="020B0509030602030204" pitchFamily="49" charset="0"/>
+                <a:ea typeface="思源黑体 CN Light" panose="020B0300000000000000" pitchFamily="34" charset="-122"/>
+              </a:rPr>
+              <a:t>因为特殊的执行机制，一个在页面中通过</a:t>
+            </a:r>
+            <a:r>
+              <a:rPr lang="en-US" altLang="zh-CN">
+                <a:latin typeface="Ubuntu Mono" panose="020B0509030602030204" pitchFamily="49" charset="0"/>
+                <a:ea typeface="思源黑体 CN Light" panose="020B0300000000000000" pitchFamily="34" charset="-122"/>
+              </a:rPr>
+              <a:t>document.querySelector</a:t>
+            </a:r>
+            <a:r>
+              <a:rPr lang="zh-CN" altLang="en-US">
+                <a:latin typeface="Ubuntu Mono" panose="020B0509030602030204" pitchFamily="49" charset="0"/>
+                <a:ea typeface="思源黑体 CN Light" panose="020B0300000000000000" pitchFamily="34" charset="-122"/>
+              </a:rPr>
+              <a:t>或</a:t>
+            </a:r>
+            <a:r>
+              <a:rPr lang="en-US" altLang="zh-CN">
+                <a:latin typeface="Ubuntu Mono" panose="020B0509030602030204" pitchFamily="49" charset="0"/>
+                <a:ea typeface="思源黑体 CN Light" panose="020B0300000000000000" pitchFamily="34" charset="-122"/>
+              </a:rPr>
+              <a:t>document.getElementById</a:t>
+            </a:r>
+            <a:r>
+              <a:rPr lang="zh-CN" altLang="en-US">
+                <a:latin typeface="Ubuntu Mono" panose="020B0509030602030204" pitchFamily="49" charset="0"/>
+                <a:ea typeface="思源黑体 CN Light" panose="020B0300000000000000" pitchFamily="34" charset="-122"/>
+              </a:rPr>
+              <a:t>就可以解决的问题不得不通过一套复杂的机制来实现。</a:t>
+            </a:r>
+            <a:endParaRPr lang="en-US" altLang="zh-CN">
+              <a:latin typeface="Ubuntu Mono" panose="020B0509030602030204" pitchFamily="49" charset="0"/>
+              <a:ea typeface="思源黑体 CN Light" panose="020B0300000000000000" pitchFamily="34" charset="-122"/>
+            </a:endParaRPr>
+          </a:p>
+          <a:p>
+            <a:pPr marL="285750" indent="-285750">
+              <a:lnSpc>
+                <a:spcPts val="2800"/>
+              </a:lnSpc>
+              <a:spcBef>
+                <a:spcPts val="600"/>
+              </a:spcBef>
+              <a:buFont typeface="Arial" panose="020B0604020202020204" pitchFamily="34" charset="0"/>
+              <a:buChar char="•"/>
+            </a:pPr>
+            <a:r>
+              <a:rPr lang="zh-CN" altLang="en-US">
+                <a:latin typeface="Ubuntu Mono" panose="020B0509030602030204" pitchFamily="49" charset="0"/>
+                <a:ea typeface="思源黑体 CN Light" panose="020B0300000000000000" pitchFamily="34" charset="-122"/>
+              </a:rPr>
+              <a:t>在</a:t>
+            </a:r>
+            <a:r>
+              <a:rPr lang="en-US" altLang="zh-CN">
+                <a:latin typeface="Ubuntu Mono" panose="020B0509030602030204" pitchFamily="49" charset="0"/>
+                <a:ea typeface="思源黑体 CN Light" panose="020B0300000000000000" pitchFamily="34" charset="-122"/>
+              </a:rPr>
+              <a:t>Web</a:t>
+            </a:r>
+            <a:r>
+              <a:rPr lang="zh-CN" altLang="en-US">
+                <a:latin typeface="Ubuntu Mono" panose="020B0509030602030204" pitchFamily="49" charset="0"/>
+                <a:ea typeface="思源黑体 CN Light" panose="020B0300000000000000" pitchFamily="34" charset="-122"/>
+              </a:rPr>
+              <a:t>页面中，如果要使用富文本编辑器，通常是引入一个</a:t>
+            </a:r>
+            <a:r>
+              <a:rPr lang="en-US" altLang="zh-CN">
+                <a:latin typeface="Ubuntu Mono" panose="020B0509030602030204" pitchFamily="49" charset="0"/>
+                <a:ea typeface="思源黑体 CN Light" panose="020B0300000000000000" pitchFamily="34" charset="-122"/>
+              </a:rPr>
+              <a:t>js</a:t>
+            </a:r>
+            <a:r>
+              <a:rPr lang="zh-CN" altLang="en-US">
+                <a:latin typeface="Ubuntu Mono" panose="020B0509030602030204" pitchFamily="49" charset="0"/>
+                <a:ea typeface="思源黑体 CN Light" panose="020B0300000000000000" pitchFamily="34" charset="-122"/>
+              </a:rPr>
+              <a:t>实现的富文本程序，然后调用初始化接口并传递一个查询字符串即可。</a:t>
+            </a:r>
+            <a:endParaRPr lang="en-US" altLang="zh-CN">
+              <a:latin typeface="Ubuntu Mono" panose="020B0509030602030204" pitchFamily="49" charset="0"/>
+              <a:ea typeface="思源黑体 CN Light" panose="020B0300000000000000" pitchFamily="34" charset="-122"/>
+            </a:endParaRPr>
+          </a:p>
+          <a:p>
+            <a:pPr marL="285750" indent="-285750">
+              <a:lnSpc>
+                <a:spcPts val="2800"/>
+              </a:lnSpc>
+              <a:spcBef>
+                <a:spcPts val="600"/>
+              </a:spcBef>
+              <a:buFont typeface="Arial" panose="020B0604020202020204" pitchFamily="34" charset="0"/>
+              <a:buChar char="•"/>
+            </a:pPr>
+            <a:r>
+              <a:rPr lang="zh-CN" altLang="en-US">
+                <a:latin typeface="Ubuntu Mono" panose="020B0509030602030204" pitchFamily="49" charset="0"/>
+                <a:ea typeface="思源黑体 CN Light" panose="020B0300000000000000" pitchFamily="34" charset="-122"/>
+              </a:rPr>
+              <a:t>例如：</a:t>
+            </a:r>
+            <a:r>
+              <a:rPr lang="en-US" altLang="zh-CN">
+                <a:latin typeface="Ubuntu Mono" panose="020B0509030602030204" pitchFamily="49" charset="0"/>
+                <a:ea typeface="思源黑体 CN Light" panose="020B0300000000000000" pitchFamily="34" charset="-122"/>
+              </a:rPr>
+              <a:t>let _editor = new E('#editor-menu', '#editor-block');</a:t>
+            </a:r>
           </a:p>
         </p:txBody>
       </p:sp>
     </p:spTree>
     <p:extLst>
       <p:ext uri="{BB962C8B-B14F-4D97-AF65-F5344CB8AC3E}">
-        <p14:creationId xmlns:p14="http://schemas.microsoft.com/office/powerpoint/2010/main" val="2189175579"/>
+        <p14:creationId xmlns:p14="http://schemas.microsoft.com/office/powerpoint/2010/main" val="3021989031"/>
       </p:ext>
     </p:extLst>
   </p:cSld>
@@ -4716,7 +5706,7 @@
           <p:cNvPr id="2" name="标题 1">
             <a:extLst>
               <a:ext uri="{FF2B5EF4-FFF2-40B4-BE49-F238E27FC236}">
-                <a16:creationId xmlns:a16="http://schemas.microsoft.com/office/drawing/2014/main" id="{14E9355E-652F-436C-B3B0-4D81DA18977B}"/>
+                <a16:creationId xmlns:a16="http://schemas.microsoft.com/office/drawing/2014/main" id="{038A9C1D-6039-40C6-A002-CC350D1D9939}"/>
               </a:ext>
             </a:extLst>
           </p:cNvPr>
@@ -4733,78 +5723,201 @@
           <a:lstStyle/>
           <a:p>
             <a:r>
+              <a:rPr lang="en-US" altLang="zh-CN"/>
+              <a:t>editor</a:t>
+            </a:r>
+            <a:r>
               <a:rPr lang="zh-CN" altLang="en-US"/>
-              <a:t>控制拍照的质量</a:t>
-            </a:r>
-            <a:endParaRPr lang="zh-CN" altLang="en-US" dirty="0"/>
-          </a:p>
-        </p:txBody>
-      </p:sp>
-      <p:cxnSp>
-        <p:nvCxnSpPr>
-          <p:cNvPr id="15" name="直接连接符 14">
-            <a:extLst>
-              <a:ext uri="{FF2B5EF4-FFF2-40B4-BE49-F238E27FC236}">
-                <a16:creationId xmlns:a16="http://schemas.microsoft.com/office/drawing/2014/main" id="{4D94C8C9-07D4-4E28-A02F-F81A75F0FE3D}"/>
-              </a:ext>
-            </a:extLst>
-          </p:cNvPr>
-          <p:cNvCxnSpPr/>
-          <p:nvPr/>
-        </p:nvCxnSpPr>
+              <a:t>组件示例</a:t>
+            </a:r>
+          </a:p>
+        </p:txBody>
+      </p:sp>
+      <p:pic>
+        <p:nvPicPr>
+          <p:cNvPr id="5" name="内容占位符 4">
+            <a:extLst>
+              <a:ext uri="{FF2B5EF4-FFF2-40B4-BE49-F238E27FC236}">
+                <a16:creationId xmlns:a16="http://schemas.microsoft.com/office/drawing/2014/main" id="{A0ECAEE4-D7BC-498A-8E6F-1AED92DADE67}"/>
+              </a:ext>
+            </a:extLst>
+          </p:cNvPr>
+          <p:cNvPicPr>
+            <a:picLocks noGrp="1" noChangeAspect="1"/>
+          </p:cNvPicPr>
+          <p:nvPr>
+            <p:ph idx="1"/>
+          </p:nvPr>
+        </p:nvPicPr>
+        <p:blipFill>
+          <a:blip r:embed="rId2">
+            <a:extLst>
+              <a:ext uri="{28A0092B-C50C-407E-A947-70E740481C1C}">
+                <a14:useLocalDpi xmlns:a14="http://schemas.microsoft.com/office/drawing/2010/main" val="0"/>
+              </a:ext>
+            </a:extLst>
+          </a:blip>
+          <a:stretch>
+            <a:fillRect/>
+          </a:stretch>
+        </p:blipFill>
         <p:spPr>
           <a:xfrm>
-            <a:off x="4309774" y="5715000"/>
-            <a:ext cx="7249" cy="0"/>
+            <a:off x="964189" y="1259415"/>
+            <a:ext cx="5339666" cy="2078590"/>
           </a:xfrm>
-          <a:prstGeom prst="line">
+        </p:spPr>
+      </p:pic>
+      <p:pic>
+        <p:nvPicPr>
+          <p:cNvPr id="7" name="图片 6">
+            <a:extLst>
+              <a:ext uri="{FF2B5EF4-FFF2-40B4-BE49-F238E27FC236}">
+                <a16:creationId xmlns:a16="http://schemas.microsoft.com/office/drawing/2014/main" id="{49761777-37D2-466C-9BC3-662BC676E58A}"/>
+              </a:ext>
+            </a:extLst>
+          </p:cNvPr>
+          <p:cNvPicPr>
+            <a:picLocks noChangeAspect="1"/>
+          </p:cNvPicPr>
+          <p:nvPr/>
+        </p:nvPicPr>
+        <p:blipFill>
+          <a:blip r:embed="rId3">
+            <a:extLst>
+              <a:ext uri="{28A0092B-C50C-407E-A947-70E740481C1C}">
+                <a14:useLocalDpi xmlns:a14="http://schemas.microsoft.com/office/drawing/2010/main" val="0"/>
+              </a:ext>
+            </a:extLst>
+          </a:blip>
+          <a:stretch>
+            <a:fillRect/>
+          </a:stretch>
+        </p:blipFill>
+        <p:spPr>
+          <a:xfrm>
+            <a:off x="964189" y="4227162"/>
+            <a:ext cx="5990350" cy="1759071"/>
+          </a:xfrm>
+          <a:prstGeom prst="rect">
             <a:avLst/>
           </a:prstGeom>
         </p:spPr>
-        <p:style>
-          <a:lnRef idx="1">
-            <a:schemeClr val="accent1"/>
-          </a:lnRef>
-          <a:fillRef idx="0">
-            <a:schemeClr val="accent1"/>
-          </a:fillRef>
-          <a:effectRef idx="0">
-            <a:schemeClr val="accent1"/>
-          </a:effectRef>
-          <a:fontRef idx="minor">
-            <a:schemeClr val="tx1"/>
-          </a:fontRef>
-        </p:style>
-      </p:cxnSp>
-      <p:sp>
-        <p:nvSpPr>
-          <p:cNvPr id="6" name="内容占位符 5">
-            <a:extLst>
-              <a:ext uri="{FF2B5EF4-FFF2-40B4-BE49-F238E27FC236}">
-                <a16:creationId xmlns:a16="http://schemas.microsoft.com/office/drawing/2014/main" id="{B25B91AD-98A9-404C-BCC4-0CC307F36083}"/>
-              </a:ext>
-            </a:extLst>
-          </p:cNvPr>
-          <p:cNvSpPr>
-            <a:spLocks noGrp="1"/>
-          </p:cNvSpPr>
-          <p:nvPr>
-            <p:ph idx="1"/>
-          </p:nvPr>
-        </p:nvSpPr>
-        <p:spPr/>
-        <p:txBody>
-          <a:bodyPr/>
+      </p:pic>
+      <p:sp>
+        <p:nvSpPr>
+          <p:cNvPr id="12" name="文本框 11">
+            <a:extLst>
+              <a:ext uri="{FF2B5EF4-FFF2-40B4-BE49-F238E27FC236}">
+                <a16:creationId xmlns:a16="http://schemas.microsoft.com/office/drawing/2014/main" id="{E1DFE25D-D726-4AE8-BC8E-C2A235C60020}"/>
+              </a:ext>
+            </a:extLst>
+          </p:cNvPr>
+          <p:cNvSpPr txBox="1"/>
+          <p:nvPr/>
+        </p:nvSpPr>
+        <p:spPr>
+          <a:xfrm>
+            <a:off x="6387255" y="1231568"/>
+            <a:ext cx="5260248" cy="3080523"/>
+          </a:xfrm>
+          <a:prstGeom prst="rect">
+            <a:avLst/>
+          </a:prstGeom>
+          <a:solidFill>
+            <a:srgbClr val="FFC000"/>
+          </a:solidFill>
+          <a:ln>
+            <a:noFill/>
+          </a:ln>
+          <a:effectLst>
+            <a:outerShdw blurRad="50800" dist="38100" dir="5400000" algn="t" rotWithShape="0">
+              <a:prstClr val="black">
+                <a:alpha val="40000"/>
+              </a:prstClr>
+            </a:outerShdw>
+          </a:effectLst>
+        </p:spPr>
+        <p:txBody>
+          <a:bodyPr wrap="square" rtlCol="0">
+            <a:spAutoFit/>
+          </a:bodyPr>
           <a:lstStyle/>
           <a:p>
-            <a:endParaRPr lang="zh-CN" altLang="en-US"/>
+            <a:pPr marL="285750" indent="-285750">
+              <a:lnSpc>
+                <a:spcPts val="2800"/>
+              </a:lnSpc>
+              <a:spcBef>
+                <a:spcPts val="600"/>
+              </a:spcBef>
+              <a:buFont typeface="Arial" panose="020B0604020202020204" pitchFamily="34" charset="0"/>
+              <a:buChar char="•"/>
+            </a:pPr>
+            <a:r>
+              <a:rPr lang="zh-CN" altLang="en-US" sz="1600">
+                <a:latin typeface="Ubuntu Mono" panose="020B0509030602030204" pitchFamily="49" charset="0"/>
+                <a:ea typeface="思源黑体 CN Light" panose="020B0300000000000000" pitchFamily="34" charset="-122"/>
+              </a:rPr>
+              <a:t>示例程序会在创建上下文实例后插入一张图片，链接是课程暂时提供的每次请求随机返回一张图片。</a:t>
+            </a:r>
+            <a:endParaRPr lang="en-US" altLang="zh-CN" sz="1600">
+              <a:latin typeface="Ubuntu Mono" panose="020B0509030602030204" pitchFamily="49" charset="0"/>
+              <a:ea typeface="思源黑体 CN Light" panose="020B0300000000000000" pitchFamily="34" charset="-122"/>
+            </a:endParaRPr>
+          </a:p>
+          <a:p>
+            <a:pPr marL="285750" indent="-285750">
+              <a:lnSpc>
+                <a:spcPts val="2800"/>
+              </a:lnSpc>
+              <a:spcBef>
+                <a:spcPts val="600"/>
+              </a:spcBef>
+              <a:buFont typeface="Arial" panose="020B0604020202020204" pitchFamily="34" charset="0"/>
+              <a:buChar char="•"/>
+            </a:pPr>
+            <a:r>
+              <a:rPr lang="zh-CN" altLang="en-US" sz="1600">
+                <a:latin typeface="Ubuntu Mono" panose="020B0509030602030204" pitchFamily="49" charset="0"/>
+                <a:ea typeface="思源黑体 CN Light" panose="020B0300000000000000" pitchFamily="34" charset="-122"/>
+              </a:rPr>
+              <a:t>如果参考开发者文档，你可能会觉得非常麻烦，这几个接口返回值来回变换。你需要在多个接口的页面中研究。</a:t>
+            </a:r>
+            <a:endParaRPr lang="en-US" altLang="zh-CN" sz="1600">
+              <a:latin typeface="Ubuntu Mono" panose="020B0509030602030204" pitchFamily="49" charset="0"/>
+              <a:ea typeface="思源黑体 CN Light" panose="020B0300000000000000" pitchFamily="34" charset="-122"/>
+            </a:endParaRPr>
+          </a:p>
+          <a:p>
+            <a:pPr marL="285750" indent="-285750">
+              <a:lnSpc>
+                <a:spcPts val="2800"/>
+              </a:lnSpc>
+              <a:spcBef>
+                <a:spcPts val="600"/>
+              </a:spcBef>
+              <a:buFont typeface="Arial" panose="020B0604020202020204" pitchFamily="34" charset="0"/>
+              <a:buChar char="•"/>
+            </a:pPr>
+            <a:r>
+              <a:rPr lang="zh-CN" altLang="en-US" sz="1600">
+                <a:latin typeface="Ubuntu Mono" panose="020B0509030602030204" pitchFamily="49" charset="0"/>
+                <a:ea typeface="思源黑体 CN Light" panose="020B0300000000000000" pitchFamily="34" charset="-122"/>
+              </a:rPr>
+              <a:t>当然，这还不是最坏的结果，除了最开始接触，使用上的痛苦之外，就是文档给出的返回值是有问题的，这在下一页有详细的说明。</a:t>
+            </a:r>
+            <a:endParaRPr lang="en-US" altLang="zh-CN" sz="1600">
+              <a:latin typeface="Ubuntu Mono" panose="020B0509030602030204" pitchFamily="49" charset="0"/>
+              <a:ea typeface="思源黑体 CN Light" panose="020B0300000000000000" pitchFamily="34" charset="-122"/>
+            </a:endParaRPr>
           </a:p>
         </p:txBody>
       </p:sp>
     </p:spTree>
     <p:extLst>
       <p:ext uri="{BB962C8B-B14F-4D97-AF65-F5344CB8AC3E}">
-        <p14:creationId xmlns:p14="http://schemas.microsoft.com/office/powerpoint/2010/main" val="2719703321"/>
+        <p14:creationId xmlns:p14="http://schemas.microsoft.com/office/powerpoint/2010/main" val="1181401031"/>
       </p:ext>
     </p:extLst>
   </p:cSld>
@@ -4836,7 +5949,7 @@
           <p:cNvPr id="2" name="标题 1">
             <a:extLst>
               <a:ext uri="{FF2B5EF4-FFF2-40B4-BE49-F238E27FC236}">
-                <a16:creationId xmlns:a16="http://schemas.microsoft.com/office/drawing/2014/main" id="{C4E042A4-1EAC-4485-86C0-9B7603EE26CD}"/>
+                <a16:creationId xmlns:a16="http://schemas.microsoft.com/office/drawing/2014/main" id="{F430A82B-F6DB-4FAE-B7D7-F000178C3333}"/>
               </a:ext>
             </a:extLst>
           </p:cNvPr>
@@ -4854,44 +5967,782 @@
           <a:p>
             <a:r>
               <a:rPr lang="en-US" altLang="zh-CN"/>
-              <a:t>canvas</a:t>
+              <a:t>SelectorQuery</a:t>
             </a:r>
             <a:r>
               <a:rPr lang="zh-CN" altLang="en-US"/>
-              <a:t>画布</a:t>
-            </a:r>
-          </a:p>
-        </p:txBody>
-      </p:sp>
-      <p:sp>
-        <p:nvSpPr>
-          <p:cNvPr id="3" name="内容占位符 2">
-            <a:extLst>
-              <a:ext uri="{FF2B5EF4-FFF2-40B4-BE49-F238E27FC236}">
-                <a16:creationId xmlns:a16="http://schemas.microsoft.com/office/drawing/2014/main" id="{A46E088E-EA5F-4D34-98D1-454ACD3A357D}"/>
-              </a:ext>
-            </a:extLst>
-          </p:cNvPr>
-          <p:cNvSpPr>
-            <a:spLocks noGrp="1"/>
-          </p:cNvSpPr>
-          <p:nvPr>
-            <p:ph idx="1"/>
-          </p:nvPr>
-        </p:nvSpPr>
-        <p:spPr/>
-        <p:txBody>
-          <a:bodyPr/>
+              <a:t>和</a:t>
+            </a:r>
+            <a:r>
+              <a:rPr lang="en-US" altLang="zh-CN"/>
+              <a:t>NodesRef</a:t>
+            </a:r>
+            <a:r>
+              <a:rPr lang="zh-CN" altLang="en-US"/>
+              <a:t>问题</a:t>
+            </a:r>
+          </a:p>
+        </p:txBody>
+      </p:sp>
+      <p:sp>
+        <p:nvSpPr>
+          <p:cNvPr id="3" name="矩形 2">
+            <a:extLst>
+              <a:ext uri="{FF2B5EF4-FFF2-40B4-BE49-F238E27FC236}">
+                <a16:creationId xmlns:a16="http://schemas.microsoft.com/office/drawing/2014/main" id="{2F1E1095-551B-46DB-93B2-371CABF6A24B}"/>
+              </a:ext>
+            </a:extLst>
+          </p:cNvPr>
+          <p:cNvSpPr/>
+          <p:nvPr/>
+        </p:nvSpPr>
+        <p:spPr>
+          <a:xfrm>
+            <a:off x="967666" y="1490381"/>
+            <a:ext cx="5557421" cy="418318"/>
+          </a:xfrm>
+          <a:prstGeom prst="rect">
+            <a:avLst/>
+          </a:prstGeom>
+          <a:solidFill>
+            <a:schemeClr val="bg1">
+              <a:lumMod val="95000"/>
+            </a:schemeClr>
+          </a:solidFill>
+          <a:ln w="12700">
+            <a:noFill/>
+            <a:prstDash val="dash"/>
+          </a:ln>
+          <a:effectLst>
+            <a:outerShdw blurRad="50800" dist="38100" dir="5400000" algn="t" rotWithShape="0">
+              <a:prstClr val="black">
+                <a:alpha val="40000"/>
+              </a:prstClr>
+            </a:outerShdw>
+          </a:effectLst>
+        </p:spPr>
+        <p:style>
+          <a:lnRef idx="2">
+            <a:schemeClr val="accent1">
+              <a:shade val="50000"/>
+            </a:schemeClr>
+          </a:lnRef>
+          <a:fillRef idx="1">
+            <a:schemeClr val="accent1"/>
+          </a:fillRef>
+          <a:effectRef idx="0">
+            <a:schemeClr val="accent1"/>
+          </a:effectRef>
+          <a:fontRef idx="minor">
+            <a:schemeClr val="lt1"/>
+          </a:fontRef>
+        </p:style>
+        <p:txBody>
+          <a:bodyPr rtlCol="0" anchor="ctr"/>
           <a:lstStyle/>
           <a:p>
-            <a:endParaRPr lang="zh-CN" altLang="en-US"/>
+            <a:pPr marL="285750" indent="-285750">
+              <a:lnSpc>
+                <a:spcPts val="2800"/>
+              </a:lnSpc>
+              <a:spcBef>
+                <a:spcPts val="600"/>
+              </a:spcBef>
+              <a:buFont typeface="Arial" panose="020B0604020202020204" pitchFamily="34" charset="0"/>
+              <a:buChar char="•"/>
+            </a:pPr>
+            <a:r>
+              <a:rPr lang="en-US" altLang="zh-CN" sz="2000">
+                <a:solidFill>
+                  <a:schemeClr val="bg2">
+                    <a:lumMod val="25000"/>
+                  </a:schemeClr>
+                </a:solidFill>
+                <a:latin typeface="Ubuntu Mono" panose="020B0509030602030204" pitchFamily="49" charset="0"/>
+                <a:ea typeface="思源黑体 CN Light" panose="020B0300000000000000" pitchFamily="34" charset="-122"/>
+              </a:rPr>
+              <a:t>wx.createSelectorQuery</a:t>
+            </a:r>
+            <a:r>
+              <a:rPr lang="zh-CN" altLang="en-US" sz="2000">
+                <a:solidFill>
+                  <a:schemeClr val="bg2">
+                    <a:lumMod val="25000"/>
+                  </a:schemeClr>
+                </a:solidFill>
+                <a:latin typeface="Ubuntu Mono" panose="020B0509030602030204" pitchFamily="49" charset="0"/>
+                <a:ea typeface="思源黑体 CN Light" panose="020B0300000000000000" pitchFamily="34" charset="-122"/>
+              </a:rPr>
+              <a:t>返回</a:t>
+            </a:r>
+            <a:r>
+              <a:rPr lang="en-US" altLang="zh-CN" sz="2000">
+                <a:solidFill>
+                  <a:schemeClr val="bg2">
+                    <a:lumMod val="25000"/>
+                  </a:schemeClr>
+                </a:solidFill>
+                <a:latin typeface="Ubuntu Mono" panose="020B0509030602030204" pitchFamily="49" charset="0"/>
+                <a:ea typeface="思源黑体 CN Light" panose="020B0300000000000000" pitchFamily="34" charset="-122"/>
+              </a:rPr>
+              <a:t>SelectorQuery</a:t>
+            </a:r>
+          </a:p>
+        </p:txBody>
+      </p:sp>
+      <p:sp>
+        <p:nvSpPr>
+          <p:cNvPr id="5" name="矩形 4">
+            <a:extLst>
+              <a:ext uri="{FF2B5EF4-FFF2-40B4-BE49-F238E27FC236}">
+                <a16:creationId xmlns:a16="http://schemas.microsoft.com/office/drawing/2014/main" id="{12F1BEC4-1302-4497-A64E-DD19D0856C79}"/>
+              </a:ext>
+            </a:extLst>
+          </p:cNvPr>
+          <p:cNvSpPr/>
+          <p:nvPr/>
+        </p:nvSpPr>
+        <p:spPr>
+          <a:xfrm>
+            <a:off x="967665" y="2885653"/>
+            <a:ext cx="4625265" cy="418318"/>
+          </a:xfrm>
+          <a:prstGeom prst="rect">
+            <a:avLst/>
+          </a:prstGeom>
+          <a:solidFill>
+            <a:schemeClr val="bg1">
+              <a:lumMod val="95000"/>
+            </a:schemeClr>
+          </a:solidFill>
+          <a:ln w="12700">
+            <a:noFill/>
+            <a:prstDash val="dash"/>
+          </a:ln>
+          <a:effectLst>
+            <a:outerShdw blurRad="50800" dist="38100" dir="5400000" algn="t" rotWithShape="0">
+              <a:prstClr val="black">
+                <a:alpha val="40000"/>
+              </a:prstClr>
+            </a:outerShdw>
+          </a:effectLst>
+        </p:spPr>
+        <p:style>
+          <a:lnRef idx="2">
+            <a:schemeClr val="accent1">
+              <a:shade val="50000"/>
+            </a:schemeClr>
+          </a:lnRef>
+          <a:fillRef idx="1">
+            <a:schemeClr val="accent1"/>
+          </a:fillRef>
+          <a:effectRef idx="0">
+            <a:schemeClr val="accent1"/>
+          </a:effectRef>
+          <a:fontRef idx="minor">
+            <a:schemeClr val="lt1"/>
+          </a:fontRef>
+        </p:style>
+        <p:txBody>
+          <a:bodyPr rtlCol="0" anchor="ctr"/>
+          <a:lstStyle/>
+          <a:p>
+            <a:pPr marL="285750" indent="-285750">
+              <a:lnSpc>
+                <a:spcPts val="2800"/>
+              </a:lnSpc>
+              <a:spcBef>
+                <a:spcPts val="600"/>
+              </a:spcBef>
+              <a:buFont typeface="Arial" panose="020B0604020202020204" pitchFamily="34" charset="0"/>
+              <a:buChar char="•"/>
+            </a:pPr>
+            <a:r>
+              <a:rPr lang="en-US" altLang="zh-CN" sz="2000">
+                <a:solidFill>
+                  <a:schemeClr val="bg2">
+                    <a:lumMod val="25000"/>
+                  </a:schemeClr>
+                </a:solidFill>
+                <a:latin typeface="Ubuntu Mono" panose="020B0509030602030204" pitchFamily="49" charset="0"/>
+                <a:ea typeface="思源黑体 CN Light" panose="020B0300000000000000" pitchFamily="34" charset="-122"/>
+              </a:rPr>
+              <a:t>SelectorQuery.select</a:t>
+            </a:r>
+            <a:r>
+              <a:rPr lang="zh-CN" altLang="en-US" sz="2000">
+                <a:solidFill>
+                  <a:schemeClr val="bg2">
+                    <a:lumMod val="25000"/>
+                  </a:schemeClr>
+                </a:solidFill>
+                <a:latin typeface="Ubuntu Mono" panose="020B0509030602030204" pitchFamily="49" charset="0"/>
+                <a:ea typeface="思源黑体 CN Light" panose="020B0300000000000000" pitchFamily="34" charset="-122"/>
+              </a:rPr>
+              <a:t>返回</a:t>
+            </a:r>
+            <a:r>
+              <a:rPr lang="en-US" altLang="zh-CN" sz="2000">
+                <a:solidFill>
+                  <a:schemeClr val="bg2">
+                    <a:lumMod val="25000"/>
+                  </a:schemeClr>
+                </a:solidFill>
+                <a:latin typeface="Ubuntu Mono" panose="020B0509030602030204" pitchFamily="49" charset="0"/>
+                <a:ea typeface="思源黑体 CN Light" panose="020B0300000000000000" pitchFamily="34" charset="-122"/>
+              </a:rPr>
+              <a:t>NodesRef</a:t>
+            </a:r>
+          </a:p>
+        </p:txBody>
+      </p:sp>
+      <p:cxnSp>
+        <p:nvCxnSpPr>
+          <p:cNvPr id="8" name="直接箭头连接符 7">
+            <a:extLst>
+              <a:ext uri="{FF2B5EF4-FFF2-40B4-BE49-F238E27FC236}">
+                <a16:creationId xmlns:a16="http://schemas.microsoft.com/office/drawing/2014/main" id="{08B017BB-4287-4CA2-99FB-F5279EAEA16B}"/>
+              </a:ext>
+            </a:extLst>
+          </p:cNvPr>
+          <p:cNvCxnSpPr/>
+          <p:nvPr/>
+        </p:nvCxnSpPr>
+        <p:spPr>
+          <a:xfrm>
+            <a:off x="1890944" y="1979720"/>
+            <a:ext cx="0" cy="861134"/>
+          </a:xfrm>
+          <a:prstGeom prst="straightConnector1">
+            <a:avLst/>
+          </a:prstGeom>
+          <a:ln w="12700">
+            <a:solidFill>
+              <a:schemeClr val="tx1">
+                <a:lumMod val="85000"/>
+                <a:lumOff val="15000"/>
+              </a:schemeClr>
+            </a:solidFill>
+            <a:prstDash val="dash"/>
+            <a:tailEnd type="triangle"/>
+          </a:ln>
+        </p:spPr>
+        <p:style>
+          <a:lnRef idx="1">
+            <a:schemeClr val="accent1"/>
+          </a:lnRef>
+          <a:fillRef idx="0">
+            <a:schemeClr val="accent1"/>
+          </a:fillRef>
+          <a:effectRef idx="0">
+            <a:schemeClr val="accent1"/>
+          </a:effectRef>
+          <a:fontRef idx="minor">
+            <a:schemeClr val="tx1"/>
+          </a:fontRef>
+        </p:style>
+      </p:cxnSp>
+      <p:cxnSp>
+        <p:nvCxnSpPr>
+          <p:cNvPr id="10" name="直接箭头连接符 9">
+            <a:extLst>
+              <a:ext uri="{FF2B5EF4-FFF2-40B4-BE49-F238E27FC236}">
+                <a16:creationId xmlns:a16="http://schemas.microsoft.com/office/drawing/2014/main" id="{39C98E4C-B474-4A67-850D-F820BF102CC9}"/>
+              </a:ext>
+            </a:extLst>
+          </p:cNvPr>
+          <p:cNvCxnSpPr/>
+          <p:nvPr/>
+        </p:nvCxnSpPr>
+        <p:spPr>
+          <a:xfrm>
+            <a:off x="1890944" y="3366117"/>
+            <a:ext cx="0" cy="861134"/>
+          </a:xfrm>
+          <a:prstGeom prst="straightConnector1">
+            <a:avLst/>
+          </a:prstGeom>
+          <a:ln w="12700">
+            <a:solidFill>
+              <a:schemeClr val="tx1">
+                <a:lumMod val="85000"/>
+                <a:lumOff val="15000"/>
+              </a:schemeClr>
+            </a:solidFill>
+            <a:prstDash val="dash"/>
+            <a:tailEnd type="triangle"/>
+          </a:ln>
+        </p:spPr>
+        <p:style>
+          <a:lnRef idx="1">
+            <a:schemeClr val="accent1"/>
+          </a:lnRef>
+          <a:fillRef idx="0">
+            <a:schemeClr val="accent1"/>
+          </a:fillRef>
+          <a:effectRef idx="0">
+            <a:schemeClr val="accent1"/>
+          </a:effectRef>
+          <a:fontRef idx="minor">
+            <a:schemeClr val="tx1"/>
+          </a:fontRef>
+        </p:style>
+      </p:cxnSp>
+      <p:sp>
+        <p:nvSpPr>
+          <p:cNvPr id="12" name="矩形 11">
+            <a:extLst>
+              <a:ext uri="{FF2B5EF4-FFF2-40B4-BE49-F238E27FC236}">
+                <a16:creationId xmlns:a16="http://schemas.microsoft.com/office/drawing/2014/main" id="{ED7C380D-B51A-4BF7-ABBB-CD22D1AE0EEC}"/>
+              </a:ext>
+            </a:extLst>
+          </p:cNvPr>
+          <p:cNvSpPr/>
+          <p:nvPr/>
+        </p:nvSpPr>
+        <p:spPr>
+          <a:xfrm>
+            <a:off x="967664" y="4258204"/>
+            <a:ext cx="9019711" cy="418318"/>
+          </a:xfrm>
+          <a:prstGeom prst="rect">
+            <a:avLst/>
+          </a:prstGeom>
+          <a:solidFill>
+            <a:schemeClr val="bg1">
+              <a:lumMod val="95000"/>
+            </a:schemeClr>
+          </a:solidFill>
+          <a:ln w="12700">
+            <a:noFill/>
+            <a:prstDash val="dash"/>
+          </a:ln>
+          <a:effectLst>
+            <a:outerShdw blurRad="50800" dist="38100" dir="5400000" algn="t" rotWithShape="0">
+              <a:prstClr val="black">
+                <a:alpha val="40000"/>
+              </a:prstClr>
+            </a:outerShdw>
+          </a:effectLst>
+        </p:spPr>
+        <p:style>
+          <a:lnRef idx="2">
+            <a:schemeClr val="accent1">
+              <a:shade val="50000"/>
+            </a:schemeClr>
+          </a:lnRef>
+          <a:fillRef idx="1">
+            <a:schemeClr val="accent1"/>
+          </a:fillRef>
+          <a:effectRef idx="0">
+            <a:schemeClr val="accent1"/>
+          </a:effectRef>
+          <a:fontRef idx="minor">
+            <a:schemeClr val="lt1"/>
+          </a:fontRef>
+        </p:style>
+        <p:txBody>
+          <a:bodyPr rtlCol="0" anchor="ctr"/>
+          <a:lstStyle/>
+          <a:p>
+            <a:pPr marL="285750" indent="-285750">
+              <a:lnSpc>
+                <a:spcPts val="2800"/>
+              </a:lnSpc>
+              <a:spcBef>
+                <a:spcPts val="600"/>
+              </a:spcBef>
+              <a:buFont typeface="Arial" panose="020B0604020202020204" pitchFamily="34" charset="0"/>
+              <a:buChar char="•"/>
+            </a:pPr>
+            <a:r>
+              <a:rPr lang="en-US" altLang="zh-CN" sz="2000">
+                <a:solidFill>
+                  <a:schemeClr val="bg2">
+                    <a:lumMod val="25000"/>
+                  </a:schemeClr>
+                </a:solidFill>
+                <a:latin typeface="Ubuntu Mono" panose="020B0509030602030204" pitchFamily="49" charset="0"/>
+                <a:ea typeface="思源黑体 CN Light" panose="020B0300000000000000" pitchFamily="34" charset="-122"/>
+              </a:rPr>
+              <a:t>NodesRef.context</a:t>
+            </a:r>
+            <a:r>
+              <a:rPr lang="zh-CN" altLang="en-US" sz="2000">
+                <a:solidFill>
+                  <a:schemeClr val="bg2">
+                    <a:lumMod val="25000"/>
+                  </a:schemeClr>
+                </a:solidFill>
+                <a:latin typeface="Ubuntu Mono" panose="020B0509030602030204" pitchFamily="49" charset="0"/>
+                <a:ea typeface="思源黑体 CN Light" panose="020B0300000000000000" pitchFamily="34" charset="-122"/>
+              </a:rPr>
+              <a:t>返回</a:t>
+            </a:r>
+            <a:r>
+              <a:rPr lang="en-US" altLang="zh-CN" sz="2000">
+                <a:solidFill>
+                  <a:schemeClr val="bg2">
+                    <a:lumMod val="25000"/>
+                  </a:schemeClr>
+                </a:solidFill>
+                <a:latin typeface="Ubuntu Mono" panose="020B0509030602030204" pitchFamily="49" charset="0"/>
+                <a:ea typeface="思源黑体 CN Light" panose="020B0300000000000000" pitchFamily="34" charset="-122"/>
+              </a:rPr>
+              <a:t>SelectorQuery</a:t>
+            </a:r>
+            <a:r>
+              <a:rPr lang="zh-CN" altLang="en-US" sz="2000">
+                <a:solidFill>
+                  <a:schemeClr val="bg2">
+                    <a:lumMod val="25000"/>
+                  </a:schemeClr>
+                </a:solidFill>
+                <a:latin typeface="Ubuntu Mono" panose="020B0509030602030204" pitchFamily="49" charset="0"/>
+                <a:ea typeface="思源黑体 CN Light" panose="020B0300000000000000" pitchFamily="34" charset="-122"/>
+              </a:rPr>
+              <a:t>，在</a:t>
+            </a:r>
+            <a:r>
+              <a:rPr lang="en-US" altLang="zh-CN" sz="2000">
+                <a:solidFill>
+                  <a:schemeClr val="bg2">
+                    <a:lumMod val="25000"/>
+                  </a:schemeClr>
+                </a:solidFill>
+                <a:latin typeface="Ubuntu Mono" panose="020B0509030602030204" pitchFamily="49" charset="0"/>
+                <a:ea typeface="思源黑体 CN Light" panose="020B0300000000000000" pitchFamily="34" charset="-122"/>
+              </a:rPr>
+              <a:t>context</a:t>
+            </a:r>
+            <a:r>
+              <a:rPr lang="zh-CN" altLang="en-US" sz="2000">
+                <a:solidFill>
+                  <a:schemeClr val="bg2">
+                    <a:lumMod val="25000"/>
+                  </a:schemeClr>
+                </a:solidFill>
+                <a:latin typeface="Ubuntu Mono" panose="020B0509030602030204" pitchFamily="49" charset="0"/>
+                <a:ea typeface="思源黑体 CN Light" panose="020B0300000000000000" pitchFamily="34" charset="-122"/>
+              </a:rPr>
+              <a:t>回调中接收</a:t>
+            </a:r>
+            <a:r>
+              <a:rPr lang="en-US" altLang="zh-CN" sz="2000">
+                <a:solidFill>
+                  <a:schemeClr val="bg2">
+                    <a:lumMod val="25000"/>
+                  </a:schemeClr>
+                </a:solidFill>
+                <a:latin typeface="Ubuntu Mono" panose="020B0509030602030204" pitchFamily="49" charset="0"/>
+                <a:ea typeface="思源黑体 CN Light" panose="020B0300000000000000" pitchFamily="34" charset="-122"/>
+              </a:rPr>
+              <a:t>context</a:t>
+            </a:r>
+            <a:r>
+              <a:rPr lang="zh-CN" altLang="en-US" sz="2000">
+                <a:solidFill>
+                  <a:schemeClr val="bg2">
+                    <a:lumMod val="25000"/>
+                  </a:schemeClr>
+                </a:solidFill>
+                <a:latin typeface="Ubuntu Mono" panose="020B0509030602030204" pitchFamily="49" charset="0"/>
+                <a:ea typeface="思源黑体 CN Light" panose="020B0300000000000000" pitchFamily="34" charset="-122"/>
+              </a:rPr>
+              <a:t>实例</a:t>
+            </a:r>
+            <a:endParaRPr lang="en-US" altLang="zh-CN" sz="2000">
+              <a:solidFill>
+                <a:schemeClr val="bg2">
+                  <a:lumMod val="25000"/>
+                </a:schemeClr>
+              </a:solidFill>
+              <a:latin typeface="Ubuntu Mono" panose="020B0509030602030204" pitchFamily="49" charset="0"/>
+              <a:ea typeface="思源黑体 CN Light" panose="020B0300000000000000" pitchFamily="34" charset="-122"/>
+            </a:endParaRPr>
+          </a:p>
+        </p:txBody>
+      </p:sp>
+      <p:sp>
+        <p:nvSpPr>
+          <p:cNvPr id="14" name="矩形 13">
+            <a:extLst>
+              <a:ext uri="{FF2B5EF4-FFF2-40B4-BE49-F238E27FC236}">
+                <a16:creationId xmlns:a16="http://schemas.microsoft.com/office/drawing/2014/main" id="{EE9D92CF-B1FD-491F-920E-27D5DA23F7B3}"/>
+              </a:ext>
+            </a:extLst>
+          </p:cNvPr>
+          <p:cNvSpPr/>
+          <p:nvPr/>
+        </p:nvSpPr>
+        <p:spPr>
+          <a:xfrm>
+            <a:off x="967666" y="5636262"/>
+            <a:ext cx="7048870" cy="418318"/>
+          </a:xfrm>
+          <a:prstGeom prst="rect">
+            <a:avLst/>
+          </a:prstGeom>
+          <a:solidFill>
+            <a:srgbClr val="B3DDDF"/>
+          </a:solidFill>
+          <a:ln w="12700">
+            <a:noFill/>
+            <a:prstDash val="dash"/>
+          </a:ln>
+          <a:effectLst>
+            <a:outerShdw blurRad="50800" dist="38100" dir="5400000" algn="t" rotWithShape="0">
+              <a:prstClr val="black">
+                <a:alpha val="40000"/>
+              </a:prstClr>
+            </a:outerShdw>
+          </a:effectLst>
+        </p:spPr>
+        <p:style>
+          <a:lnRef idx="2">
+            <a:schemeClr val="accent1">
+              <a:shade val="50000"/>
+            </a:schemeClr>
+          </a:lnRef>
+          <a:fillRef idx="1">
+            <a:schemeClr val="accent1"/>
+          </a:fillRef>
+          <a:effectRef idx="0">
+            <a:schemeClr val="accent1"/>
+          </a:effectRef>
+          <a:fontRef idx="minor">
+            <a:schemeClr val="lt1"/>
+          </a:fontRef>
+        </p:style>
+        <p:txBody>
+          <a:bodyPr rtlCol="0" anchor="ctr"/>
+          <a:lstStyle/>
+          <a:p>
+            <a:pPr marL="285750" indent="-285750">
+              <a:lnSpc>
+                <a:spcPts val="2800"/>
+              </a:lnSpc>
+              <a:spcBef>
+                <a:spcPts val="600"/>
+              </a:spcBef>
+              <a:buFont typeface="Arial" panose="020B0604020202020204" pitchFamily="34" charset="0"/>
+              <a:buChar char="•"/>
+            </a:pPr>
+            <a:r>
+              <a:rPr lang="en-US" altLang="zh-CN" sz="2000">
+                <a:solidFill>
+                  <a:schemeClr val="bg2">
+                    <a:lumMod val="25000"/>
+                  </a:schemeClr>
+                </a:solidFill>
+                <a:latin typeface="Ubuntu Mono" panose="020B0509030602030204" pitchFamily="49" charset="0"/>
+                <a:ea typeface="思源黑体 CN Light" panose="020B0300000000000000" pitchFamily="34" charset="-122"/>
+              </a:rPr>
+              <a:t>SelectorQuery.exec</a:t>
+            </a:r>
+            <a:r>
+              <a:rPr lang="zh-CN" altLang="en-US" sz="2000">
+                <a:solidFill>
+                  <a:schemeClr val="bg2">
+                    <a:lumMod val="25000"/>
+                  </a:schemeClr>
+                </a:solidFill>
+                <a:latin typeface="Ubuntu Mono" panose="020B0509030602030204" pitchFamily="49" charset="0"/>
+                <a:ea typeface="思源黑体 CN Light" panose="020B0300000000000000" pitchFamily="34" charset="-122"/>
+              </a:rPr>
+              <a:t>返回</a:t>
+            </a:r>
+            <a:r>
+              <a:rPr lang="en-US" altLang="zh-CN" sz="2000">
+                <a:solidFill>
+                  <a:schemeClr val="bg2">
+                    <a:lumMod val="25000"/>
+                  </a:schemeClr>
+                </a:solidFill>
+                <a:latin typeface="Ubuntu Mono" panose="020B0509030602030204" pitchFamily="49" charset="0"/>
+                <a:ea typeface="思源黑体 CN Light" panose="020B0300000000000000" pitchFamily="34" charset="-122"/>
+              </a:rPr>
+              <a:t>NodesRef</a:t>
+            </a:r>
+            <a:r>
+              <a:rPr lang="zh-CN" altLang="en-US" sz="2000">
+                <a:solidFill>
+                  <a:schemeClr val="bg2">
+                    <a:lumMod val="25000"/>
+                  </a:schemeClr>
+                </a:solidFill>
+                <a:latin typeface="Ubuntu Mono" panose="020B0509030602030204" pitchFamily="49" charset="0"/>
+                <a:ea typeface="思源黑体 CN Light" panose="020B0300000000000000" pitchFamily="34" charset="-122"/>
+              </a:rPr>
+              <a:t>，</a:t>
+            </a:r>
+            <a:r>
+              <a:rPr lang="zh-CN" altLang="en-US" sz="2000" b="1">
+                <a:solidFill>
+                  <a:schemeClr val="bg2">
+                    <a:lumMod val="25000"/>
+                  </a:schemeClr>
+                </a:solidFill>
+                <a:latin typeface="Ubuntu Mono" panose="020B0509030602030204" pitchFamily="49" charset="0"/>
+                <a:ea typeface="思源黑体 CN Light" panose="020B0300000000000000" pitchFamily="34" charset="-122"/>
+              </a:rPr>
+              <a:t>但实际返回</a:t>
+            </a:r>
+            <a:r>
+              <a:rPr lang="en-US" altLang="zh-CN" sz="2000" b="1">
+                <a:solidFill>
+                  <a:schemeClr val="bg2">
+                    <a:lumMod val="25000"/>
+                  </a:schemeClr>
+                </a:solidFill>
+                <a:latin typeface="Ubuntu Mono" panose="020B0509030602030204" pitchFamily="49" charset="0"/>
+                <a:ea typeface="思源黑体 CN Light" panose="020B0300000000000000" pitchFamily="34" charset="-122"/>
+              </a:rPr>
+              <a:t>undefined</a:t>
+            </a:r>
+          </a:p>
+        </p:txBody>
+      </p:sp>
+      <p:cxnSp>
+        <p:nvCxnSpPr>
+          <p:cNvPr id="15" name="直接箭头连接符 14">
+            <a:extLst>
+              <a:ext uri="{FF2B5EF4-FFF2-40B4-BE49-F238E27FC236}">
+                <a16:creationId xmlns:a16="http://schemas.microsoft.com/office/drawing/2014/main" id="{87DF6120-193A-4DC2-B5BE-9871A4FA7991}"/>
+              </a:ext>
+            </a:extLst>
+          </p:cNvPr>
+          <p:cNvCxnSpPr/>
+          <p:nvPr/>
+        </p:nvCxnSpPr>
+        <p:spPr>
+          <a:xfrm>
+            <a:off x="1874669" y="4738668"/>
+            <a:ext cx="0" cy="861134"/>
+          </a:xfrm>
+          <a:prstGeom prst="straightConnector1">
+            <a:avLst/>
+          </a:prstGeom>
+          <a:ln w="12700">
+            <a:solidFill>
+              <a:schemeClr val="tx1">
+                <a:lumMod val="85000"/>
+                <a:lumOff val="15000"/>
+              </a:schemeClr>
+            </a:solidFill>
+            <a:prstDash val="dash"/>
+            <a:tailEnd type="triangle"/>
+          </a:ln>
+        </p:spPr>
+        <p:style>
+          <a:lnRef idx="1">
+            <a:schemeClr val="accent1"/>
+          </a:lnRef>
+          <a:fillRef idx="0">
+            <a:schemeClr val="accent1"/>
+          </a:fillRef>
+          <a:effectRef idx="0">
+            <a:schemeClr val="accent1"/>
+          </a:effectRef>
+          <a:fontRef idx="minor">
+            <a:schemeClr val="tx1"/>
+          </a:fontRef>
+        </p:style>
+      </p:cxnSp>
+      <p:sp>
+        <p:nvSpPr>
+          <p:cNvPr id="17" name="文本框 16">
+            <a:extLst>
+              <a:ext uri="{FF2B5EF4-FFF2-40B4-BE49-F238E27FC236}">
+                <a16:creationId xmlns:a16="http://schemas.microsoft.com/office/drawing/2014/main" id="{C1EFBC47-84D3-4DBF-8A35-ADA3E3468A8F}"/>
+              </a:ext>
+            </a:extLst>
+          </p:cNvPr>
+          <p:cNvSpPr txBox="1"/>
+          <p:nvPr/>
+        </p:nvSpPr>
+        <p:spPr>
+          <a:xfrm>
+            <a:off x="6662463" y="1480290"/>
+            <a:ext cx="4860753" cy="1916743"/>
+          </a:xfrm>
+          <a:prstGeom prst="rect">
+            <a:avLst/>
+          </a:prstGeom>
+          <a:solidFill>
+            <a:srgbClr val="FFC000"/>
+          </a:solidFill>
+          <a:ln>
+            <a:noFill/>
+          </a:ln>
+          <a:effectLst>
+            <a:outerShdw blurRad="50800" dist="38100" dir="5400000" algn="t" rotWithShape="0">
+              <a:prstClr val="black">
+                <a:alpha val="40000"/>
+              </a:prstClr>
+            </a:outerShdw>
+          </a:effectLst>
+        </p:spPr>
+        <p:txBody>
+          <a:bodyPr wrap="square" rtlCol="0">
+            <a:spAutoFit/>
+          </a:bodyPr>
+          <a:lstStyle/>
+          <a:p>
+            <a:pPr marL="285750" indent="-285750">
+              <a:lnSpc>
+                <a:spcPts val="2800"/>
+              </a:lnSpc>
+              <a:spcBef>
+                <a:spcPts val="600"/>
+              </a:spcBef>
+              <a:buFont typeface="Arial" panose="020B0604020202020204" pitchFamily="34" charset="0"/>
+              <a:buChar char="•"/>
+            </a:pPr>
+            <a:r>
+              <a:rPr lang="zh-CN" altLang="en-US" sz="1600">
+                <a:latin typeface="Ubuntu Mono" panose="020B0509030602030204" pitchFamily="49" charset="0"/>
+                <a:ea typeface="思源黑体 CN Light" panose="020B0300000000000000" pitchFamily="34" charset="-122"/>
+              </a:rPr>
+              <a:t>主要的问题就是：返回值无法正确使用、使用过程太繁琐。</a:t>
+            </a:r>
+            <a:endParaRPr lang="en-US" altLang="zh-CN" sz="1600">
+              <a:latin typeface="Ubuntu Mono" panose="020B0509030602030204" pitchFamily="49" charset="0"/>
+              <a:ea typeface="思源黑体 CN Light" panose="020B0300000000000000" pitchFamily="34" charset="-122"/>
+            </a:endParaRPr>
+          </a:p>
+          <a:p>
+            <a:pPr marL="285750" indent="-285750">
+              <a:lnSpc>
+                <a:spcPts val="2800"/>
+              </a:lnSpc>
+              <a:spcBef>
+                <a:spcPts val="600"/>
+              </a:spcBef>
+              <a:buFont typeface="Arial" panose="020B0604020202020204" pitchFamily="34" charset="0"/>
+              <a:buChar char="•"/>
+            </a:pPr>
+            <a:r>
+              <a:rPr lang="zh-CN" altLang="en-US" sz="1600">
+                <a:latin typeface="Ubuntu Mono" panose="020B0509030602030204" pitchFamily="49" charset="0"/>
+                <a:ea typeface="思源黑体 CN Light" panose="020B0300000000000000" pitchFamily="34" charset="-122"/>
+              </a:rPr>
+              <a:t>相关问题链接：</a:t>
+            </a:r>
+            <a:r>
+              <a:rPr lang="en-US" altLang="zh-CN" sz="1600">
+                <a:latin typeface="Ubuntu Mono" panose="020B0509030602030204" pitchFamily="49" charset="0"/>
+                <a:ea typeface="思源黑体 CN Light" panose="020B0300000000000000" pitchFamily="34" charset="-122"/>
+              </a:rPr>
+              <a:t>https://developers.weixin.qq.com/community/develop/doc/000e6a86b84de8e4af1a7baad51800</a:t>
+            </a:r>
           </a:p>
         </p:txBody>
       </p:sp>
     </p:spTree>
     <p:extLst>
       <p:ext uri="{BB962C8B-B14F-4D97-AF65-F5344CB8AC3E}">
-        <p14:creationId xmlns:p14="http://schemas.microsoft.com/office/powerpoint/2010/main" val="562283177"/>
+        <p14:creationId xmlns:p14="http://schemas.microsoft.com/office/powerpoint/2010/main" val="1925734040"/>
       </p:ext>
     </p:extLst>
   </p:cSld>
@@ -4923,7 +6774,7 @@
           <p:cNvPr id="2" name="标题 1">
             <a:extLst>
               <a:ext uri="{FF2B5EF4-FFF2-40B4-BE49-F238E27FC236}">
-                <a16:creationId xmlns:a16="http://schemas.microsoft.com/office/drawing/2014/main" id="{2E3B5FF9-C675-4755-93E0-0BDBEDDF1B28}"/>
+                <a16:creationId xmlns:a16="http://schemas.microsoft.com/office/drawing/2014/main" id="{5F355B55-0799-413C-AAAA-2BDA21B46CE1}"/>
               </a:ext>
             </a:extLst>
           </p:cNvPr>
@@ -4940,55 +6791,18 @@
           <a:lstStyle/>
           <a:p>
             <a:r>
-              <a:rPr lang="en-US" altLang="zh-CN"/>
-              <a:t>canvas API</a:t>
-            </a:r>
-            <a:endParaRPr lang="zh-CN" altLang="en-US"/>
-          </a:p>
-        </p:txBody>
-      </p:sp>
-      <p:cxnSp>
-        <p:nvCxnSpPr>
-          <p:cNvPr id="5" name="直接连接符 4">
-            <a:extLst>
-              <a:ext uri="{FF2B5EF4-FFF2-40B4-BE49-F238E27FC236}">
-                <a16:creationId xmlns:a16="http://schemas.microsoft.com/office/drawing/2014/main" id="{9A464AE2-AB98-41A4-81C1-E334F0074EB4}"/>
-              </a:ext>
-            </a:extLst>
-          </p:cNvPr>
-          <p:cNvCxnSpPr/>
-          <p:nvPr/>
-        </p:nvCxnSpPr>
-        <p:spPr>
-          <a:xfrm>
-            <a:off x="4309774" y="5715000"/>
-            <a:ext cx="7249" cy="0"/>
-          </a:xfrm>
-          <a:prstGeom prst="line">
-            <a:avLst/>
-          </a:prstGeom>
-        </p:spPr>
-        <p:style>
-          <a:lnRef idx="1">
-            <a:schemeClr val="accent1"/>
-          </a:lnRef>
-          <a:fillRef idx="0">
-            <a:schemeClr val="accent1"/>
-          </a:fillRef>
-          <a:effectRef idx="0">
-            <a:schemeClr val="accent1"/>
-          </a:effectRef>
-          <a:fontRef idx="minor">
-            <a:schemeClr val="tx1"/>
-          </a:fontRef>
-        </p:style>
-      </p:cxnSp>
-      <p:sp>
-        <p:nvSpPr>
-          <p:cNvPr id="9" name="内容占位符 8">
-            <a:extLst>
-              <a:ext uri="{FF2B5EF4-FFF2-40B4-BE49-F238E27FC236}">
-                <a16:creationId xmlns:a16="http://schemas.microsoft.com/office/drawing/2014/main" id="{525C1010-6113-4C8D-AAEF-7765BCC28DB0}"/>
+              <a:rPr lang="zh-CN" altLang="en-US"/>
+              <a:t>实现一个简单的富文本编辑器</a:t>
+            </a:r>
+          </a:p>
+        </p:txBody>
+      </p:sp>
+      <p:sp>
+        <p:nvSpPr>
+          <p:cNvPr id="3" name="内容占位符 2">
+            <a:extLst>
+              <a:ext uri="{FF2B5EF4-FFF2-40B4-BE49-F238E27FC236}">
+                <a16:creationId xmlns:a16="http://schemas.microsoft.com/office/drawing/2014/main" id="{E27C8B35-10CD-4B3E-9F3B-A9BE97709ACD}"/>
               </a:ext>
             </a:extLst>
           </p:cNvPr>
@@ -5004,14 +6818,81 @@
           <a:bodyPr/>
           <a:lstStyle/>
           <a:p>
-            <a:endParaRPr lang="zh-CN" altLang="en-US"/>
+            <a:r>
+              <a:rPr lang="zh-CN" altLang="en-US"/>
+              <a:t>实现富文本编辑器，综合利用组件和</a:t>
+            </a:r>
+            <a:r>
+              <a:rPr lang="en-US" altLang="zh-CN"/>
+              <a:t>API</a:t>
+            </a:r>
+            <a:r>
+              <a:rPr lang="zh-CN" altLang="en-US"/>
+              <a:t>来组合完成复杂的操作。</a:t>
+            </a:r>
+            <a:endParaRPr lang="en-US" altLang="zh-CN"/>
+          </a:p>
+          <a:p>
+            <a:r>
+              <a:rPr lang="zh-CN" altLang="en-US"/>
+              <a:t>其实现思路并不复杂，通过</a:t>
+            </a:r>
+            <a:r>
+              <a:rPr lang="en-US" altLang="zh-CN"/>
+              <a:t>button</a:t>
+            </a:r>
+            <a:r>
+              <a:rPr lang="zh-CN" altLang="en-US"/>
+              <a:t>等组件绑定事件，不同功能绑定不同的事件。编辑器页面启动先初始化实例，并保存实例对象。</a:t>
+            </a:r>
+            <a:endParaRPr lang="en-US" altLang="zh-CN"/>
+          </a:p>
+          <a:p>
+            <a:endParaRPr lang="en-US" altLang="zh-CN"/>
+          </a:p>
+          <a:p>
+            <a:r>
+              <a:rPr lang="en-US" altLang="zh-CN"/>
+              <a:t>EditorContext</a:t>
+            </a:r>
+            <a:r>
+              <a:rPr lang="zh-CN" altLang="en-US"/>
+              <a:t>实例本身就提供了插入图片和文本以及</a:t>
+            </a:r>
+            <a:r>
+              <a:rPr lang="en-US" altLang="zh-CN"/>
+              <a:t>redo</a:t>
+            </a:r>
+            <a:r>
+              <a:rPr lang="zh-CN" altLang="en-US"/>
+              <a:t>和</a:t>
+            </a:r>
+            <a:r>
+              <a:rPr lang="en-US" altLang="zh-CN"/>
+              <a:t>undo</a:t>
+            </a:r>
+            <a:r>
+              <a:rPr lang="zh-CN" altLang="en-US"/>
+              <a:t>等操作的接口。需要做的就是通过事件绑定实现快速便捷的操作。</a:t>
+            </a:r>
+            <a:endParaRPr lang="en-US" altLang="zh-CN"/>
+          </a:p>
+          <a:p>
+            <a:endParaRPr lang="en-US" altLang="zh-CN"/>
+          </a:p>
+          <a:p>
+            <a:r>
+              <a:rPr lang="zh-CN" altLang="en-US"/>
+              <a:t>代码相对之前的示例来说比较多，具体参考示例代码文件。</a:t>
+            </a:r>
+            <a:endParaRPr lang="en-US" altLang="zh-CN"/>
           </a:p>
         </p:txBody>
       </p:sp>
     </p:spTree>
     <p:extLst>
       <p:ext uri="{BB962C8B-B14F-4D97-AF65-F5344CB8AC3E}">
-        <p14:creationId xmlns:p14="http://schemas.microsoft.com/office/powerpoint/2010/main" val="3527630107"/>
+        <p14:creationId xmlns:p14="http://schemas.microsoft.com/office/powerpoint/2010/main" val="1984356161"/>
       </p:ext>
     </p:extLst>
   </p:cSld>

--- a/materials/ch04/ch04-复杂组件使用和API调用.pptx
+++ b/materials/ch04/ch04-复杂组件使用和API调用.pptx
@@ -19,9 +19,6 @@
     <p:sldId id="261" r:id="rId13"/>
     <p:sldId id="269" r:id="rId14"/>
     <p:sldId id="265" r:id="rId15"/>
-    <p:sldId id="270" r:id="rId16"/>
-    <p:sldId id="266" r:id="rId17"/>
-    <p:sldId id="258" r:id="rId18"/>
   </p:sldIdLst>
   <p:sldSz cx="12192000" cy="6858000"/>
   <p:notesSz cx="6858000" cy="9144000"/>
@@ -554,7 +551,7 @@
           <a:p>
             <a:fld id="{10955001-8E90-43AD-87AF-166875BDDBE4}" type="datetimeFigureOut">
               <a:rPr lang="zh-CN" altLang="en-US" smtClean="0"/>
-              <a:t>2020/8/23</a:t>
+              <a:t>2020/8/25</a:t>
             </a:fld>
             <a:endParaRPr lang="zh-CN" altLang="en-US"/>
           </a:p>
@@ -786,7 +783,7 @@
           <a:p>
             <a:fld id="{10955001-8E90-43AD-87AF-166875BDDBE4}" type="datetimeFigureOut">
               <a:rPr lang="zh-CN" altLang="en-US" smtClean="0"/>
-              <a:t>2020/8/23</a:t>
+              <a:t>2020/8/25</a:t>
             </a:fld>
             <a:endParaRPr lang="zh-CN" altLang="en-US"/>
           </a:p>
@@ -1284,7 +1281,7 @@
           <a:p>
             <a:fld id="{10955001-8E90-43AD-87AF-166875BDDBE4}" type="datetimeFigureOut">
               <a:rPr lang="zh-CN" altLang="en-US" smtClean="0"/>
-              <a:t>2020/8/23</a:t>
+              <a:t>2020/8/25</a:t>
             </a:fld>
             <a:endParaRPr lang="zh-CN" altLang="en-US"/>
           </a:p>
@@ -1713,7 +1710,7 @@
           <a:p>
             <a:fld id="{10955001-8E90-43AD-87AF-166875BDDBE4}" type="datetimeFigureOut">
               <a:rPr lang="zh-CN" altLang="en-US" smtClean="0"/>
-              <a:t>2020/8/23</a:t>
+              <a:t>2020/8/25</a:t>
             </a:fld>
             <a:endParaRPr lang="zh-CN" altLang="en-US"/>
           </a:p>
@@ -2230,7 +2227,7 @@
           <a:p>
             <a:fld id="{10955001-8E90-43AD-87AF-166875BDDBE4}" type="datetimeFigureOut">
               <a:rPr lang="zh-CN" altLang="en-US" smtClean="0"/>
-              <a:t>2020/8/23</a:t>
+              <a:t>2020/8/25</a:t>
             </a:fld>
             <a:endParaRPr lang="zh-CN" altLang="en-US"/>
           </a:p>
@@ -2690,7 +2687,7 @@
           <a:p>
             <a:fld id="{10955001-8E90-43AD-87AF-166875BDDBE4}" type="datetimeFigureOut">
               <a:rPr lang="zh-CN" altLang="en-US" smtClean="0"/>
-              <a:t>2020/8/23</a:t>
+              <a:t>2020/8/25</a:t>
             </a:fld>
             <a:endParaRPr lang="zh-CN" altLang="en-US"/>
           </a:p>
@@ -3002,7 +2999,7 @@
           <a:p>
             <a:fld id="{10955001-8E90-43AD-87AF-166875BDDBE4}" type="datetimeFigureOut">
               <a:rPr lang="zh-CN" altLang="en-US" smtClean="0"/>
-              <a:t>2020/8/23</a:t>
+              <a:t>2020/8/25</a:t>
             </a:fld>
             <a:endParaRPr lang="zh-CN" altLang="en-US"/>
           </a:p>
@@ -3697,7 +3694,137 @@
           <a:bodyPr/>
           <a:lstStyle/>
           <a:p>
+            <a:r>
+              <a:rPr lang="zh-CN" altLang="en-US"/>
+              <a:t>摄像头的使用也是需要组件和</a:t>
+            </a:r>
+            <a:r>
+              <a:rPr lang="en-US" altLang="zh-CN"/>
+              <a:t>API</a:t>
+            </a:r>
+            <a:r>
+              <a:rPr lang="zh-CN" altLang="en-US"/>
+              <a:t>配合的。</a:t>
+            </a:r>
+            <a:endParaRPr lang="en-US" altLang="zh-CN"/>
+          </a:p>
+          <a:p>
+            <a:r>
+              <a:rPr lang="zh-CN" altLang="en-US"/>
+              <a:t>在使用</a:t>
+            </a:r>
+            <a:r>
+              <a:rPr lang="en-US" altLang="zh-CN"/>
+              <a:t>camera</a:t>
+            </a:r>
+            <a:r>
+              <a:rPr lang="zh-CN" altLang="en-US"/>
+              <a:t>组件时，通过样式指定一个高度是必须的，否则会不显示。</a:t>
+            </a:r>
+            <a:endParaRPr lang="en-US" altLang="zh-CN"/>
+          </a:p>
+          <a:p>
             <a:endParaRPr lang="zh-CN" altLang="en-US"/>
+          </a:p>
+        </p:txBody>
+      </p:sp>
+      <p:pic>
+        <p:nvPicPr>
+          <p:cNvPr id="4" name="内容占位符 4">
+            <a:extLst>
+              <a:ext uri="{FF2B5EF4-FFF2-40B4-BE49-F238E27FC236}">
+                <a16:creationId xmlns:a16="http://schemas.microsoft.com/office/drawing/2014/main" id="{C69C90A2-188E-4FBB-9C37-60B088D0630A}"/>
+              </a:ext>
+            </a:extLst>
+          </p:cNvPr>
+          <p:cNvPicPr>
+            <a:picLocks noChangeAspect="1"/>
+          </p:cNvPicPr>
+          <p:nvPr/>
+        </p:nvPicPr>
+        <p:blipFill>
+          <a:blip r:embed="rId2">
+            <a:extLst>
+              <a:ext uri="{28A0092B-C50C-407E-A947-70E740481C1C}">
+                <a14:useLocalDpi xmlns:a14="http://schemas.microsoft.com/office/drawing/2010/main" val="0"/>
+              </a:ext>
+            </a:extLst>
+          </a:blip>
+          <a:stretch>
+            <a:fillRect/>
+          </a:stretch>
+        </p:blipFill>
+        <p:spPr>
+          <a:xfrm>
+            <a:off x="957617" y="2986827"/>
+            <a:ext cx="9397616" cy="2213090"/>
+          </a:xfrm>
+          <a:prstGeom prst="rect">
+            <a:avLst/>
+          </a:prstGeom>
+        </p:spPr>
+      </p:pic>
+      <p:sp>
+        <p:nvSpPr>
+          <p:cNvPr id="3" name="矩形 2">
+            <a:extLst>
+              <a:ext uri="{FF2B5EF4-FFF2-40B4-BE49-F238E27FC236}">
+                <a16:creationId xmlns:a16="http://schemas.microsoft.com/office/drawing/2014/main" id="{A8274679-3DAD-4122-AA84-135507077807}"/>
+              </a:ext>
+            </a:extLst>
+          </p:cNvPr>
+          <p:cNvSpPr/>
+          <p:nvPr/>
+        </p:nvSpPr>
+        <p:spPr>
+          <a:xfrm>
+            <a:off x="4216891" y="3897334"/>
+            <a:ext cx="2015231" cy="445344"/>
+          </a:xfrm>
+          <a:prstGeom prst="rect">
+            <a:avLst/>
+          </a:prstGeom>
+          <a:noFill/>
+          <a:ln w="12700">
+            <a:solidFill>
+              <a:schemeClr val="bg2">
+                <a:lumMod val="50000"/>
+              </a:schemeClr>
+            </a:solidFill>
+            <a:prstDash val="dash"/>
+          </a:ln>
+          <a:effectLst>
+            <a:outerShdw blurRad="50800" dist="38100" dir="5400000" algn="t" rotWithShape="0">
+              <a:prstClr val="black">
+                <a:alpha val="40000"/>
+              </a:prstClr>
+            </a:outerShdw>
+          </a:effectLst>
+        </p:spPr>
+        <p:style>
+          <a:lnRef idx="2">
+            <a:schemeClr val="accent1">
+              <a:shade val="50000"/>
+            </a:schemeClr>
+          </a:lnRef>
+          <a:fillRef idx="1">
+            <a:schemeClr val="accent1"/>
+          </a:fillRef>
+          <a:effectRef idx="0">
+            <a:schemeClr val="accent1"/>
+          </a:effectRef>
+          <a:fontRef idx="minor">
+            <a:schemeClr val="lt1"/>
+          </a:fontRef>
+        </p:style>
+        <p:txBody>
+          <a:bodyPr rtlCol="0" anchor="ctr"/>
+          <a:lstStyle/>
+          <a:p>
+            <a:pPr algn="ctr"/>
+            <a:endParaRPr lang="zh-CN" altLang="en-US">
+              <a:noFill/>
+            </a:endParaRPr>
           </a:p>
         </p:txBody>
       </p:sp>
@@ -3762,31 +3889,232 @@
           </a:p>
         </p:txBody>
       </p:sp>
-      <p:sp>
-        <p:nvSpPr>
-          <p:cNvPr id="4" name="内容占位符 3">
-            <a:extLst>
-              <a:ext uri="{FF2B5EF4-FFF2-40B4-BE49-F238E27FC236}">
-                <a16:creationId xmlns:a16="http://schemas.microsoft.com/office/drawing/2014/main" id="{E6A195CC-4C34-4399-978E-AE33AF0A2196}"/>
-              </a:ext>
-            </a:extLst>
-          </p:cNvPr>
-          <p:cNvSpPr>
-            <a:spLocks noGrp="1"/>
-          </p:cNvSpPr>
+      <p:pic>
+        <p:nvPicPr>
+          <p:cNvPr id="6" name="内容占位符 3">
+            <a:extLst>
+              <a:ext uri="{FF2B5EF4-FFF2-40B4-BE49-F238E27FC236}">
+                <a16:creationId xmlns:a16="http://schemas.microsoft.com/office/drawing/2014/main" id="{3E308C8F-548F-48A6-808C-08D3FFFE815A}"/>
+              </a:ext>
+            </a:extLst>
+          </p:cNvPr>
+          <p:cNvPicPr>
+            <a:picLocks noChangeAspect="1"/>
+          </p:cNvPicPr>
+          <p:nvPr/>
+        </p:nvPicPr>
+        <p:blipFill>
+          <a:blip r:embed="rId2">
+            <a:extLst>
+              <a:ext uri="{28A0092B-C50C-407E-A947-70E740481C1C}">
+                <a14:useLocalDpi xmlns:a14="http://schemas.microsoft.com/office/drawing/2010/main" val="0"/>
+              </a:ext>
+            </a:extLst>
+          </a:blip>
+          <a:stretch>
+            <a:fillRect/>
+          </a:stretch>
+        </p:blipFill>
+        <p:spPr>
+          <a:xfrm>
+            <a:off x="838201" y="1335581"/>
+            <a:ext cx="4700068" cy="3201868"/>
+          </a:xfrm>
+          <a:prstGeom prst="rect">
+            <a:avLst/>
+          </a:prstGeom>
+        </p:spPr>
+      </p:pic>
+      <p:pic>
+        <p:nvPicPr>
+          <p:cNvPr id="3" name="内容占位符 2">
+            <a:extLst>
+              <a:ext uri="{FF2B5EF4-FFF2-40B4-BE49-F238E27FC236}">
+                <a16:creationId xmlns:a16="http://schemas.microsoft.com/office/drawing/2014/main" id="{62FB59AF-0163-4428-A48F-01963B149847}"/>
+              </a:ext>
+            </a:extLst>
+          </p:cNvPr>
+          <p:cNvPicPr>
+            <a:picLocks noGrp="1" noChangeAspect="1"/>
+          </p:cNvPicPr>
           <p:nvPr>
             <p:ph idx="1"/>
           </p:nvPr>
-        </p:nvSpPr>
-        <p:spPr/>
-        <p:txBody>
-          <a:bodyPr/>
-          <a:lstStyle/>
-          <a:p>
-            <a:endParaRPr lang="zh-CN" altLang="en-US"/>
-          </a:p>
-        </p:txBody>
-      </p:sp>
+        </p:nvPicPr>
+        <p:blipFill>
+          <a:blip r:embed="rId3">
+            <a:extLst>
+              <a:ext uri="{28A0092B-C50C-407E-A947-70E740481C1C}">
+                <a14:useLocalDpi xmlns:a14="http://schemas.microsoft.com/office/drawing/2010/main" val="0"/>
+              </a:ext>
+            </a:extLst>
+          </a:blip>
+          <a:stretch>
+            <a:fillRect/>
+          </a:stretch>
+        </p:blipFill>
+        <p:spPr>
+          <a:xfrm>
+            <a:off x="4060823" y="3127909"/>
+            <a:ext cx="7688001" cy="3201868"/>
+          </a:xfrm>
+          <a:prstGeom prst="rect">
+            <a:avLst/>
+          </a:prstGeom>
+        </p:spPr>
+      </p:pic>
+      <p:grpSp>
+        <p:nvGrpSpPr>
+          <p:cNvPr id="9" name="组合 8">
+            <a:extLst>
+              <a:ext uri="{FF2B5EF4-FFF2-40B4-BE49-F238E27FC236}">
+                <a16:creationId xmlns:a16="http://schemas.microsoft.com/office/drawing/2014/main" id="{4CEAB358-746F-44E2-87EF-00249F4AF123}"/>
+              </a:ext>
+            </a:extLst>
+          </p:cNvPr>
+          <p:cNvGrpSpPr/>
+          <p:nvPr/>
+        </p:nvGrpSpPr>
+        <p:grpSpPr>
+          <a:xfrm rot="10800000">
+            <a:off x="2395730" y="2936514"/>
+            <a:ext cx="1936573" cy="2939743"/>
+            <a:chOff x="4606270" y="1534603"/>
+            <a:chExt cx="3898536" cy="2939743"/>
+          </a:xfrm>
+        </p:grpSpPr>
+        <p:cxnSp>
+          <p:nvCxnSpPr>
+            <p:cNvPr id="7" name="直接箭头连接符 6">
+              <a:extLst>
+                <a:ext uri="{FF2B5EF4-FFF2-40B4-BE49-F238E27FC236}">
+                  <a16:creationId xmlns:a16="http://schemas.microsoft.com/office/drawing/2014/main" id="{D539EBE1-F435-421B-B2EC-79E972617FA3}"/>
+                </a:ext>
+              </a:extLst>
+            </p:cNvPr>
+            <p:cNvCxnSpPr>
+              <a:cxnSpLocks/>
+            </p:cNvCxnSpPr>
+            <p:nvPr/>
+          </p:nvCxnSpPr>
+          <p:spPr>
+            <a:xfrm flipH="1">
+              <a:off x="4606270" y="1534603"/>
+              <a:ext cx="3898536" cy="0"/>
+            </a:xfrm>
+            <a:prstGeom prst="straightConnector1">
+              <a:avLst/>
+            </a:prstGeom>
+            <a:ln w="12700">
+              <a:solidFill>
+                <a:schemeClr val="bg2">
+                  <a:lumMod val="25000"/>
+                </a:schemeClr>
+              </a:solidFill>
+              <a:prstDash val="dash"/>
+              <a:tailEnd type="triangle"/>
+            </a:ln>
+          </p:spPr>
+          <p:style>
+            <a:lnRef idx="1">
+              <a:schemeClr val="accent1"/>
+            </a:lnRef>
+            <a:fillRef idx="0">
+              <a:schemeClr val="accent1"/>
+            </a:fillRef>
+            <a:effectRef idx="0">
+              <a:schemeClr val="accent1"/>
+            </a:effectRef>
+            <a:fontRef idx="minor">
+              <a:schemeClr val="tx1"/>
+            </a:fontRef>
+          </p:style>
+        </p:cxnSp>
+        <p:cxnSp>
+          <p:nvCxnSpPr>
+            <p:cNvPr id="8" name="直接箭头连接符 7">
+              <a:extLst>
+                <a:ext uri="{FF2B5EF4-FFF2-40B4-BE49-F238E27FC236}">
+                  <a16:creationId xmlns:a16="http://schemas.microsoft.com/office/drawing/2014/main" id="{4850D252-FCD1-4A2E-8284-D8E0093B35DF}"/>
+                </a:ext>
+              </a:extLst>
+            </p:cNvPr>
+            <p:cNvCxnSpPr>
+              <a:cxnSpLocks/>
+            </p:cNvCxnSpPr>
+            <p:nvPr/>
+          </p:nvCxnSpPr>
+          <p:spPr>
+            <a:xfrm flipV="1">
+              <a:off x="8504806" y="1534603"/>
+              <a:ext cx="0" cy="2939743"/>
+            </a:xfrm>
+            <a:prstGeom prst="straightConnector1">
+              <a:avLst/>
+            </a:prstGeom>
+            <a:ln w="12700">
+              <a:solidFill>
+                <a:schemeClr val="bg2">
+                  <a:lumMod val="25000"/>
+                </a:schemeClr>
+              </a:solidFill>
+              <a:prstDash val="dash"/>
+              <a:headEnd type="none" w="med" len="med"/>
+              <a:tailEnd type="none" w="med" len="med"/>
+            </a:ln>
+          </p:spPr>
+          <p:style>
+            <a:lnRef idx="1">
+              <a:schemeClr val="accent1"/>
+            </a:lnRef>
+            <a:fillRef idx="0">
+              <a:schemeClr val="accent1"/>
+            </a:fillRef>
+            <a:effectRef idx="0">
+              <a:schemeClr val="accent1"/>
+            </a:effectRef>
+            <a:fontRef idx="minor">
+              <a:schemeClr val="tx1"/>
+            </a:fontRef>
+          </p:style>
+        </p:cxnSp>
+      </p:grpSp>
+      <p:pic>
+        <p:nvPicPr>
+          <p:cNvPr id="11" name="图片 10">
+            <a:extLst>
+              <a:ext uri="{FF2B5EF4-FFF2-40B4-BE49-F238E27FC236}">
+                <a16:creationId xmlns:a16="http://schemas.microsoft.com/office/drawing/2014/main" id="{98FDA732-FDA6-4487-AB87-403EA74E729F}"/>
+              </a:ext>
+            </a:extLst>
+          </p:cNvPr>
+          <p:cNvPicPr>
+            <a:picLocks noChangeAspect="1"/>
+          </p:cNvPicPr>
+          <p:nvPr/>
+        </p:nvPicPr>
+        <p:blipFill>
+          <a:blip r:embed="rId4">
+            <a:extLst>
+              <a:ext uri="{28A0092B-C50C-407E-A947-70E740481C1C}">
+                <a14:useLocalDpi xmlns:a14="http://schemas.microsoft.com/office/drawing/2010/main" val="0"/>
+              </a:ext>
+            </a:extLst>
+          </a:blip>
+          <a:stretch>
+            <a:fillRect/>
+          </a:stretch>
+        </p:blipFill>
+        <p:spPr>
+          <a:xfrm>
+            <a:off x="9380738" y="548038"/>
+            <a:ext cx="1638270" cy="2388476"/>
+          </a:xfrm>
+          <a:prstGeom prst="rect">
+            <a:avLst/>
+          </a:prstGeom>
+        </p:spPr>
+      </p:pic>
     </p:spTree>
     <p:extLst>
       <p:ext uri="{BB962C8B-B14F-4D97-AF65-F5344CB8AC3E}">
@@ -3903,10 +4231,103 @@
           <a:bodyPr/>
           <a:lstStyle/>
           <a:p>
-            <a:endParaRPr lang="zh-CN" altLang="en-US"/>
-          </a:p>
-        </p:txBody>
-      </p:sp>
+            <a:r>
+              <a:rPr lang="zh-CN" altLang="en-US"/>
+              <a:t>通过</a:t>
+            </a:r>
+            <a:r>
+              <a:rPr lang="en-US" altLang="zh-CN"/>
+              <a:t>takePhoto</a:t>
+            </a:r>
+            <a:r>
+              <a:rPr lang="zh-CN" altLang="en-US"/>
+              <a:t>拍摄图片以后，</a:t>
+            </a:r>
+            <a:r>
+              <a:rPr lang="en-US" altLang="zh-CN"/>
+              <a:t>quality</a:t>
+            </a:r>
+            <a:r>
+              <a:rPr lang="zh-CN" altLang="en-US"/>
+              <a:t>为</a:t>
+            </a:r>
+            <a:r>
+              <a:rPr lang="en-US" altLang="zh-CN"/>
+              <a:t>high</a:t>
+            </a:r>
+            <a:r>
+              <a:rPr lang="zh-CN" altLang="en-US"/>
+              <a:t>的图片质量往往比较大，而其他两个值可能得到的图片质量却达不到要求。</a:t>
+            </a:r>
+            <a:endParaRPr lang="en-US" altLang="zh-CN"/>
+          </a:p>
+          <a:p>
+            <a:r>
+              <a:rPr lang="zh-CN" altLang="en-US"/>
+              <a:t>这时候可以在高质量模式拍摄后，使用</a:t>
+            </a:r>
+            <a:r>
+              <a:rPr lang="en-US" altLang="zh-CN"/>
+              <a:t>wx.crompressImage</a:t>
+            </a:r>
+            <a:r>
+              <a:rPr lang="zh-CN" altLang="en-US"/>
+              <a:t>接口进一步压缩图片。</a:t>
+            </a:r>
+            <a:endParaRPr lang="en-US" altLang="zh-CN"/>
+          </a:p>
+          <a:p>
+            <a:r>
+              <a:rPr lang="zh-CN" altLang="en-US"/>
+              <a:t>示例代码：拍照后把图片按照原质量</a:t>
+            </a:r>
+            <a:r>
+              <a:rPr lang="en-US" altLang="zh-CN"/>
+              <a:t>90%</a:t>
+            </a:r>
+            <a:r>
+              <a:rPr lang="zh-CN" altLang="en-US"/>
+              <a:t>压缩。</a:t>
+            </a:r>
+          </a:p>
+        </p:txBody>
+      </p:sp>
+      <p:pic>
+        <p:nvPicPr>
+          <p:cNvPr id="4" name="图片 3">
+            <a:extLst>
+              <a:ext uri="{FF2B5EF4-FFF2-40B4-BE49-F238E27FC236}">
+                <a16:creationId xmlns:a16="http://schemas.microsoft.com/office/drawing/2014/main" id="{3CF44DBF-D7AC-4A21-827A-8AE7F9C3051C}"/>
+              </a:ext>
+            </a:extLst>
+          </p:cNvPr>
+          <p:cNvPicPr>
+            <a:picLocks noChangeAspect="1"/>
+          </p:cNvPicPr>
+          <p:nvPr/>
+        </p:nvPicPr>
+        <p:blipFill>
+          <a:blip r:embed="rId2">
+            <a:extLst>
+              <a:ext uri="{28A0092B-C50C-407E-A947-70E740481C1C}">
+                <a14:useLocalDpi xmlns:a14="http://schemas.microsoft.com/office/drawing/2010/main" val="0"/>
+              </a:ext>
+            </a:extLst>
+          </a:blip>
+          <a:stretch>
+            <a:fillRect/>
+          </a:stretch>
+        </p:blipFill>
+        <p:spPr>
+          <a:xfrm>
+            <a:off x="3819965" y="3661154"/>
+            <a:ext cx="4552069" cy="2657853"/>
+          </a:xfrm>
+          <a:prstGeom prst="rect">
+            <a:avLst/>
+          </a:prstGeom>
+        </p:spPr>
+      </p:pic>
     </p:spTree>
     <p:extLst>
       <p:ext uri="{BB962C8B-B14F-4D97-AF65-F5344CB8AC3E}">
@@ -3990,10 +4411,152 @@
           <a:bodyPr/>
           <a:lstStyle/>
           <a:p>
+            <a:r>
+              <a:rPr lang="zh-CN" altLang="en-US"/>
+              <a:t>尽管通过之前操作</a:t>
+            </a:r>
+            <a:r>
+              <a:rPr lang="en-US" altLang="zh-CN"/>
+              <a:t>editor</a:t>
+            </a:r>
+            <a:r>
+              <a:rPr lang="zh-CN" altLang="en-US"/>
+              <a:t>的方式也可以获取</a:t>
+            </a:r>
+            <a:r>
+              <a:rPr lang="en-US" altLang="zh-CN"/>
+              <a:t>canvas</a:t>
+            </a:r>
+            <a:r>
+              <a:rPr lang="zh-CN" altLang="en-US"/>
+              <a:t>的</a:t>
+            </a:r>
+            <a:r>
+              <a:rPr lang="en-US" altLang="zh-CN"/>
+              <a:t>context</a:t>
+            </a:r>
+            <a:r>
+              <a:rPr lang="zh-CN" altLang="en-US"/>
+              <a:t>，但是这有些麻烦，而且还存在一些</a:t>
+            </a:r>
+            <a:r>
+              <a:rPr lang="en-US" altLang="zh-CN"/>
+              <a:t>bug</a:t>
+            </a:r>
+            <a:r>
+              <a:rPr lang="zh-CN" altLang="en-US"/>
+              <a:t>。</a:t>
+            </a:r>
+            <a:endParaRPr lang="en-US" altLang="zh-CN"/>
+          </a:p>
+          <a:p>
+            <a:r>
+              <a:rPr lang="zh-CN" altLang="en-US"/>
+              <a:t>获取</a:t>
+            </a:r>
+            <a:r>
+              <a:rPr lang="en-US" altLang="zh-CN"/>
+              <a:t>canvas</a:t>
+            </a:r>
+            <a:r>
+              <a:rPr lang="zh-CN" altLang="en-US"/>
+              <a:t>的</a:t>
+            </a:r>
+            <a:r>
+              <a:rPr lang="en-US" altLang="zh-CN"/>
+              <a:t>context</a:t>
+            </a:r>
+            <a:r>
+              <a:rPr lang="zh-CN" altLang="en-US"/>
+              <a:t>直接使用</a:t>
+            </a:r>
+            <a:r>
+              <a:rPr lang="en-US" altLang="zh-CN"/>
+              <a:t>wx.createCanvasContext(</a:t>
+            </a:r>
+            <a:r>
+              <a:rPr lang="en-US" altLang="zh-CN">
+                <a:latin typeface="Noto Mono" panose="020B0609030804020204" pitchFamily="49" charset="0"/>
+                <a:ea typeface="Noto Mono" panose="020B0609030804020204" pitchFamily="49" charset="0"/>
+                <a:cs typeface="Noto Mono" panose="020B0609030804020204" pitchFamily="49" charset="0"/>
+              </a:rPr>
+              <a:t>‘paint’</a:t>
+            </a:r>
+            <a:r>
+              <a:rPr lang="en-US" altLang="zh-CN"/>
+              <a:t>)</a:t>
+            </a:r>
+            <a:r>
+              <a:rPr lang="zh-CN" altLang="en-US"/>
+              <a:t>即可。其中</a:t>
+            </a:r>
+            <a:r>
+              <a:rPr lang="en-US" altLang="zh-CN"/>
+              <a:t>paint</a:t>
+            </a:r>
+            <a:r>
+              <a:rPr lang="zh-CN" altLang="en-US"/>
+              <a:t>是</a:t>
+            </a:r>
+            <a:r>
+              <a:rPr lang="en-US" altLang="zh-CN"/>
+              <a:t>canvas</a:t>
+            </a:r>
+            <a:r>
+              <a:rPr lang="zh-CN" altLang="en-US"/>
+              <a:t>的</a:t>
+            </a:r>
+            <a:r>
+              <a:rPr lang="en-US" altLang="zh-CN"/>
+              <a:t>canvas-id</a:t>
+            </a:r>
+            <a:r>
+              <a:rPr lang="zh-CN" altLang="en-US"/>
+              <a:t>。</a:t>
+            </a:r>
+            <a:endParaRPr lang="en-US" altLang="zh-CN"/>
+          </a:p>
+          <a:p>
             <a:endParaRPr lang="zh-CN" altLang="en-US"/>
           </a:p>
         </p:txBody>
       </p:sp>
+      <p:pic>
+        <p:nvPicPr>
+          <p:cNvPr id="5" name="图片 4">
+            <a:extLst>
+              <a:ext uri="{FF2B5EF4-FFF2-40B4-BE49-F238E27FC236}">
+                <a16:creationId xmlns:a16="http://schemas.microsoft.com/office/drawing/2014/main" id="{CB10053E-B73B-409F-8055-A13B0BF71B2B}"/>
+              </a:ext>
+            </a:extLst>
+          </p:cNvPr>
+          <p:cNvPicPr>
+            <a:picLocks noChangeAspect="1"/>
+          </p:cNvPicPr>
+          <p:nvPr/>
+        </p:nvPicPr>
+        <p:blipFill>
+          <a:blip r:embed="rId2">
+            <a:extLst>
+              <a:ext uri="{28A0092B-C50C-407E-A947-70E740481C1C}">
+                <a14:useLocalDpi xmlns:a14="http://schemas.microsoft.com/office/drawing/2010/main" val="0"/>
+              </a:ext>
+            </a:extLst>
+          </a:blip>
+          <a:stretch>
+            <a:fillRect/>
+          </a:stretch>
+        </p:blipFill>
+        <p:spPr>
+          <a:xfrm>
+            <a:off x="1347248" y="3904714"/>
+            <a:ext cx="9497503" cy="614020"/>
+          </a:xfrm>
+          <a:prstGeom prst="rect">
+            <a:avLst/>
+          </a:prstGeom>
+        </p:spPr>
+      </p:pic>
     </p:spTree>
     <p:extLst>
       <p:ext uri="{BB962C8B-B14F-4D97-AF65-F5344CB8AC3E}">
@@ -4047,9 +4610,12 @@
           <a:p>
             <a:r>
               <a:rPr lang="en-US" altLang="zh-CN"/>
-              <a:t>canvas API</a:t>
-            </a:r>
-            <a:endParaRPr lang="zh-CN" altLang="en-US"/>
+              <a:t>canvas</a:t>
+            </a:r>
+            <a:r>
+              <a:rPr lang="zh-CN" altLang="en-US"/>
+              <a:t>示例</a:t>
+            </a:r>
           </a:p>
         </p:txBody>
       </p:sp>
@@ -4089,216 +4655,134 @@
           </a:fontRef>
         </p:style>
       </p:cxnSp>
-      <p:sp>
-        <p:nvSpPr>
-          <p:cNvPr id="9" name="内容占位符 8">
-            <a:extLst>
-              <a:ext uri="{FF2B5EF4-FFF2-40B4-BE49-F238E27FC236}">
-                <a16:creationId xmlns:a16="http://schemas.microsoft.com/office/drawing/2014/main" id="{525C1010-6113-4C8D-AAEF-7765BCC28DB0}"/>
-              </a:ext>
-            </a:extLst>
-          </p:cNvPr>
-          <p:cNvSpPr>
-            <a:spLocks noGrp="1"/>
-          </p:cNvSpPr>
+      <p:pic>
+        <p:nvPicPr>
+          <p:cNvPr id="4" name="内容占位符 3">
+            <a:extLst>
+              <a:ext uri="{FF2B5EF4-FFF2-40B4-BE49-F238E27FC236}">
+                <a16:creationId xmlns:a16="http://schemas.microsoft.com/office/drawing/2014/main" id="{069EEB67-8E01-4FB1-965E-91B0AFB9DD7D}"/>
+              </a:ext>
+            </a:extLst>
+          </p:cNvPr>
+          <p:cNvPicPr>
+            <a:picLocks noGrp="1" noChangeAspect="1"/>
+          </p:cNvPicPr>
           <p:nvPr>
             <p:ph idx="1"/>
           </p:nvPr>
-        </p:nvSpPr>
-        <p:spPr/>
-        <p:txBody>
-          <a:bodyPr/>
-          <a:lstStyle/>
-          <a:p>
-            <a:endParaRPr lang="zh-CN" altLang="en-US"/>
-          </a:p>
-        </p:txBody>
-      </p:sp>
+        </p:nvPicPr>
+        <p:blipFill>
+          <a:blip r:embed="rId2">
+            <a:extLst>
+              <a:ext uri="{28A0092B-C50C-407E-A947-70E740481C1C}">
+                <a14:useLocalDpi xmlns:a14="http://schemas.microsoft.com/office/drawing/2010/main" val="0"/>
+              </a:ext>
+            </a:extLst>
+          </a:blip>
+          <a:stretch>
+            <a:fillRect/>
+          </a:stretch>
+        </p:blipFill>
+        <p:spPr>
+          <a:xfrm>
+            <a:off x="838199" y="1398070"/>
+            <a:ext cx="6261197" cy="5094804"/>
+          </a:xfrm>
+        </p:spPr>
+      </p:pic>
+      <p:pic>
+        <p:nvPicPr>
+          <p:cNvPr id="7" name="图片 6">
+            <a:extLst>
+              <a:ext uri="{FF2B5EF4-FFF2-40B4-BE49-F238E27FC236}">
+                <a16:creationId xmlns:a16="http://schemas.microsoft.com/office/drawing/2014/main" id="{4A2DCD85-29EA-41B3-B7A9-5958CBC01AA9}"/>
+              </a:ext>
+            </a:extLst>
+          </p:cNvPr>
+          <p:cNvPicPr>
+            <a:picLocks noChangeAspect="1"/>
+          </p:cNvPicPr>
+          <p:nvPr/>
+        </p:nvPicPr>
+        <p:blipFill>
+          <a:blip r:embed="rId3">
+            <a:extLst>
+              <a:ext uri="{28A0092B-C50C-407E-A947-70E740481C1C}">
+                <a14:useLocalDpi xmlns:a14="http://schemas.microsoft.com/office/drawing/2010/main" val="0"/>
+              </a:ext>
+            </a:extLst>
+          </a:blip>
+          <a:stretch>
+            <a:fillRect/>
+          </a:stretch>
+        </p:blipFill>
+        <p:spPr>
+          <a:xfrm>
+            <a:off x="8005216" y="1398070"/>
+            <a:ext cx="2910840" cy="2385060"/>
+          </a:xfrm>
+          <a:prstGeom prst="rect">
+            <a:avLst/>
+          </a:prstGeom>
+        </p:spPr>
+      </p:pic>
+      <p:cxnSp>
+        <p:nvCxnSpPr>
+          <p:cNvPr id="10" name="直接箭头连接符 9">
+            <a:extLst>
+              <a:ext uri="{FF2B5EF4-FFF2-40B4-BE49-F238E27FC236}">
+                <a16:creationId xmlns:a16="http://schemas.microsoft.com/office/drawing/2014/main" id="{716B85B6-59A2-47E9-BF26-BA53A457DE61}"/>
+              </a:ext>
+            </a:extLst>
+          </p:cNvPr>
+          <p:cNvCxnSpPr/>
+          <p:nvPr/>
+        </p:nvCxnSpPr>
+        <p:spPr>
+          <a:xfrm>
+            <a:off x="5859261" y="2405849"/>
+            <a:ext cx="2015232" cy="0"/>
+          </a:xfrm>
+          <a:prstGeom prst="straightConnector1">
+            <a:avLst/>
+          </a:prstGeom>
+          <a:ln w="12700">
+            <a:solidFill>
+              <a:schemeClr val="tx1">
+                <a:lumMod val="85000"/>
+                <a:lumOff val="15000"/>
+              </a:schemeClr>
+            </a:solidFill>
+            <a:prstDash val="dash"/>
+            <a:tailEnd type="triangle"/>
+          </a:ln>
+          <a:effectLst>
+            <a:outerShdw blurRad="50800" dist="38100" dir="5400000" algn="t" rotWithShape="0">
+              <a:prstClr val="black">
+                <a:alpha val="40000"/>
+              </a:prstClr>
+            </a:outerShdw>
+          </a:effectLst>
+        </p:spPr>
+        <p:style>
+          <a:lnRef idx="1">
+            <a:schemeClr val="accent1"/>
+          </a:lnRef>
+          <a:fillRef idx="0">
+            <a:schemeClr val="accent1"/>
+          </a:fillRef>
+          <a:effectRef idx="0">
+            <a:schemeClr val="accent1"/>
+          </a:effectRef>
+          <a:fontRef idx="minor">
+            <a:schemeClr val="tx1"/>
+          </a:fontRef>
+        </p:style>
+      </p:cxnSp>
     </p:spTree>
     <p:extLst>
       <p:ext uri="{BB962C8B-B14F-4D97-AF65-F5344CB8AC3E}">
         <p14:creationId xmlns:p14="http://schemas.microsoft.com/office/powerpoint/2010/main" val="3527630107"/>
-      </p:ext>
-    </p:extLst>
-  </p:cSld>
-  <p:clrMapOvr>
-    <a:masterClrMapping/>
-  </p:clrMapOvr>
-</p:sld>
-</file>
-
-<file path=ppt/slides/slide15.xml><?xml version="1.0" encoding="utf-8"?>
-<p:sld xmlns:a="http://schemas.openxmlformats.org/drawingml/2006/main" xmlns:r="http://schemas.openxmlformats.org/officeDocument/2006/relationships" xmlns:p="http://schemas.openxmlformats.org/presentationml/2006/main">
-  <p:cSld>
-    <p:spTree>
-      <p:nvGrpSpPr>
-        <p:cNvPr id="1" name=""/>
-        <p:cNvGrpSpPr/>
-        <p:nvPr/>
-      </p:nvGrpSpPr>
-      <p:grpSpPr>
-        <a:xfrm>
-          <a:off x="0" y="0"/>
-          <a:ext cx="0" cy="0"/>
-          <a:chOff x="0" y="0"/>
-          <a:chExt cx="0" cy="0"/>
-        </a:xfrm>
-      </p:grpSpPr>
-      <p:sp>
-        <p:nvSpPr>
-          <p:cNvPr id="2" name="标题 1">
-            <a:extLst>
-              <a:ext uri="{FF2B5EF4-FFF2-40B4-BE49-F238E27FC236}">
-                <a16:creationId xmlns:a16="http://schemas.microsoft.com/office/drawing/2014/main" id="{F430A82B-F6DB-4FAE-B7D7-F000178C3333}"/>
-              </a:ext>
-            </a:extLst>
-          </p:cNvPr>
-          <p:cNvSpPr>
-            <a:spLocks noGrp="1"/>
-          </p:cNvSpPr>
-          <p:nvPr>
-            <p:ph type="title"/>
-          </p:nvPr>
-        </p:nvSpPr>
-        <p:spPr/>
-        <p:txBody>
-          <a:bodyPr/>
-          <a:lstStyle/>
-          <a:p>
-            <a:r>
-              <a:rPr lang="en-US" altLang="zh-CN"/>
-              <a:t>canvas</a:t>
-            </a:r>
-            <a:r>
-              <a:rPr lang="zh-CN" altLang="en-US"/>
-              <a:t>使用示例</a:t>
-            </a:r>
-          </a:p>
-        </p:txBody>
-      </p:sp>
-      <p:sp>
-        <p:nvSpPr>
-          <p:cNvPr id="3" name="内容占位符 2">
-            <a:extLst>
-              <a:ext uri="{FF2B5EF4-FFF2-40B4-BE49-F238E27FC236}">
-                <a16:creationId xmlns:a16="http://schemas.microsoft.com/office/drawing/2014/main" id="{2AC8977D-2B84-4B79-8A13-8A2994F7D552}"/>
-              </a:ext>
-            </a:extLst>
-          </p:cNvPr>
-          <p:cNvSpPr>
-            <a:spLocks noGrp="1"/>
-          </p:cNvSpPr>
-          <p:nvPr>
-            <p:ph idx="1"/>
-          </p:nvPr>
-        </p:nvSpPr>
-        <p:spPr/>
-        <p:txBody>
-          <a:bodyPr/>
-          <a:lstStyle/>
-          <a:p>
-            <a:endParaRPr lang="zh-CN" altLang="en-US"/>
-          </a:p>
-        </p:txBody>
-      </p:sp>
-    </p:spTree>
-    <p:extLst>
-      <p:ext uri="{BB962C8B-B14F-4D97-AF65-F5344CB8AC3E}">
-        <p14:creationId xmlns:p14="http://schemas.microsoft.com/office/powerpoint/2010/main" val="3229121689"/>
-      </p:ext>
-    </p:extLst>
-  </p:cSld>
-  <p:clrMapOvr>
-    <a:masterClrMapping/>
-  </p:clrMapOvr>
-</p:sld>
-</file>
-
-<file path=ppt/slides/slide16.xml><?xml version="1.0" encoding="utf-8"?>
-<p:sld xmlns:a="http://schemas.openxmlformats.org/drawingml/2006/main" xmlns:r="http://schemas.openxmlformats.org/officeDocument/2006/relationships" xmlns:p="http://schemas.openxmlformats.org/presentationml/2006/main">
-  <p:cSld>
-    <p:spTree>
-      <p:nvGrpSpPr>
-        <p:cNvPr id="1" name=""/>
-        <p:cNvGrpSpPr/>
-        <p:nvPr/>
-      </p:nvGrpSpPr>
-      <p:grpSpPr>
-        <a:xfrm>
-          <a:off x="0" y="0"/>
-          <a:ext cx="0" cy="0"/>
-          <a:chOff x="0" y="0"/>
-          <a:chExt cx="0" cy="0"/>
-        </a:xfrm>
-      </p:grpSpPr>
-      <p:sp>
-        <p:nvSpPr>
-          <p:cNvPr id="2" name="标题 1">
-            <a:extLst>
-              <a:ext uri="{FF2B5EF4-FFF2-40B4-BE49-F238E27FC236}">
-                <a16:creationId xmlns:a16="http://schemas.microsoft.com/office/drawing/2014/main" id="{6C2CDFC2-83EA-4805-AA5C-5B91B52E1154}"/>
-              </a:ext>
-            </a:extLst>
-          </p:cNvPr>
-          <p:cNvSpPr>
-            <a:spLocks noGrp="1"/>
-          </p:cNvSpPr>
-          <p:nvPr>
-            <p:ph type="title"/>
-          </p:nvPr>
-        </p:nvSpPr>
-        <p:spPr/>
-        <p:txBody>
-          <a:bodyPr>
-            <a:normAutofit/>
-          </a:bodyPr>
-          <a:lstStyle/>
-          <a:p>
-            <a:r>
-              <a:rPr lang="en-US" altLang="zh-CN"/>
-              <a:t>canvas</a:t>
-            </a:r>
-            <a:r>
-              <a:rPr lang="zh-CN" altLang="en-US"/>
-              <a:t>使用示例</a:t>
-            </a:r>
-          </a:p>
-        </p:txBody>
-      </p:sp>
-    </p:spTree>
-    <p:extLst>
-      <p:ext uri="{BB962C8B-B14F-4D97-AF65-F5344CB8AC3E}">
-        <p14:creationId xmlns:p14="http://schemas.microsoft.com/office/powerpoint/2010/main" val="1916644935"/>
-      </p:ext>
-    </p:extLst>
-  </p:cSld>
-  <p:clrMapOvr>
-    <a:masterClrMapping/>
-  </p:clrMapOvr>
-</p:sld>
-</file>
-
-<file path=ppt/slides/slide17.xml><?xml version="1.0" encoding="utf-8"?>
-<p:sld xmlns:a="http://schemas.openxmlformats.org/drawingml/2006/main" xmlns:r="http://schemas.openxmlformats.org/officeDocument/2006/relationships" xmlns:p="http://schemas.openxmlformats.org/presentationml/2006/main">
-  <p:cSld>
-    <p:spTree>
-      <p:nvGrpSpPr>
-        <p:cNvPr id="1" name=""/>
-        <p:cNvGrpSpPr/>
-        <p:nvPr/>
-      </p:nvGrpSpPr>
-      <p:grpSpPr>
-        <a:xfrm>
-          <a:off x="0" y="0"/>
-          <a:ext cx="0" cy="0"/>
-          <a:chOff x="0" y="0"/>
-          <a:chExt cx="0" cy="0"/>
-        </a:xfrm>
-      </p:grpSpPr>
-    </p:spTree>
-    <p:extLst>
-      <p:ext uri="{BB962C8B-B14F-4D97-AF65-F5344CB8AC3E}">
-        <p14:creationId xmlns:p14="http://schemas.microsoft.com/office/powerpoint/2010/main" val="365098710"/>
       </p:ext>
     </p:extLst>
   </p:cSld>
@@ -4693,28 +5177,363 @@
           </a:p>
         </p:txBody>
       </p:sp>
-      <p:sp>
-        <p:nvSpPr>
-          <p:cNvPr id="4" name="内容占位符 3">
-            <a:extLst>
-              <a:ext uri="{FF2B5EF4-FFF2-40B4-BE49-F238E27FC236}">
-                <a16:creationId xmlns:a16="http://schemas.microsoft.com/office/drawing/2014/main" id="{2AFF7099-E011-4259-89C2-9564E0FDE216}"/>
-              </a:ext>
-            </a:extLst>
-          </p:cNvPr>
-          <p:cNvSpPr>
-            <a:spLocks noGrp="1"/>
-          </p:cNvSpPr>
-          <p:nvPr>
-            <p:ph idx="1"/>
-          </p:nvPr>
-        </p:nvSpPr>
-        <p:spPr/>
-        <p:txBody>
-          <a:bodyPr/>
+      <p:pic>
+        <p:nvPicPr>
+          <p:cNvPr id="7" name="图片 6">
+            <a:extLst>
+              <a:ext uri="{FF2B5EF4-FFF2-40B4-BE49-F238E27FC236}">
+                <a16:creationId xmlns:a16="http://schemas.microsoft.com/office/drawing/2014/main" id="{78A7DB7D-7750-4A2E-9D76-939286957B58}"/>
+              </a:ext>
+            </a:extLst>
+          </p:cNvPr>
+          <p:cNvPicPr>
+            <a:picLocks noChangeAspect="1"/>
+          </p:cNvPicPr>
+          <p:nvPr/>
+        </p:nvPicPr>
+        <p:blipFill>
+          <a:blip r:embed="rId2">
+            <a:extLst>
+              <a:ext uri="{28A0092B-C50C-407E-A947-70E740481C1C}">
+                <a14:useLocalDpi xmlns:a14="http://schemas.microsoft.com/office/drawing/2010/main" val="0"/>
+              </a:ext>
+            </a:extLst>
+          </a:blip>
+          <a:stretch>
+            <a:fillRect/>
+          </a:stretch>
+        </p:blipFill>
+        <p:spPr>
+          <a:xfrm>
+            <a:off x="4784869" y="3742160"/>
+            <a:ext cx="6568931" cy="2445576"/>
+          </a:xfrm>
+          <a:prstGeom prst="rect">
+            <a:avLst/>
+          </a:prstGeom>
+        </p:spPr>
+      </p:pic>
+      <p:pic>
+        <p:nvPicPr>
+          <p:cNvPr id="20" name="图片 19">
+            <a:extLst>
+              <a:ext uri="{FF2B5EF4-FFF2-40B4-BE49-F238E27FC236}">
+                <a16:creationId xmlns:a16="http://schemas.microsoft.com/office/drawing/2014/main" id="{5D5F9FC8-BDC3-4C26-AF0A-3486317D4788}"/>
+              </a:ext>
+            </a:extLst>
+          </p:cNvPr>
+          <p:cNvPicPr>
+            <a:picLocks noChangeAspect="1"/>
+          </p:cNvPicPr>
+          <p:nvPr/>
+        </p:nvPicPr>
+        <p:blipFill>
+          <a:blip r:embed="rId3">
+            <a:extLst>
+              <a:ext uri="{28A0092B-C50C-407E-A947-70E740481C1C}">
+                <a14:useLocalDpi xmlns:a14="http://schemas.microsoft.com/office/drawing/2010/main" val="0"/>
+              </a:ext>
+            </a:extLst>
+          </a:blip>
+          <a:stretch>
+            <a:fillRect/>
+          </a:stretch>
+        </p:blipFill>
+        <p:spPr>
+          <a:xfrm>
+            <a:off x="851295" y="1241659"/>
+            <a:ext cx="4379074" cy="2939737"/>
+          </a:xfrm>
+          <a:prstGeom prst="rect">
+            <a:avLst/>
+          </a:prstGeom>
+        </p:spPr>
+      </p:pic>
+      <p:cxnSp>
+        <p:nvCxnSpPr>
+          <p:cNvPr id="8" name="直接箭头连接符 7">
+            <a:extLst>
+              <a:ext uri="{FF2B5EF4-FFF2-40B4-BE49-F238E27FC236}">
+                <a16:creationId xmlns:a16="http://schemas.microsoft.com/office/drawing/2014/main" id="{E570F295-E31D-4D3F-A5BB-B630A9E1CAE3}"/>
+              </a:ext>
+            </a:extLst>
+          </p:cNvPr>
+          <p:cNvCxnSpPr>
+            <a:cxnSpLocks/>
+          </p:cNvCxnSpPr>
+          <p:nvPr/>
+        </p:nvCxnSpPr>
+        <p:spPr>
+          <a:xfrm flipH="1">
+            <a:off x="4029222" y="1490214"/>
+            <a:ext cx="3898536" cy="0"/>
+          </a:xfrm>
+          <a:prstGeom prst="straightConnector1">
+            <a:avLst/>
+          </a:prstGeom>
+          <a:ln w="12700">
+            <a:solidFill>
+              <a:schemeClr val="bg2">
+                <a:lumMod val="25000"/>
+              </a:schemeClr>
+            </a:solidFill>
+            <a:prstDash val="dash"/>
+            <a:tailEnd type="triangle"/>
+          </a:ln>
+        </p:spPr>
+        <p:style>
+          <a:lnRef idx="1">
+            <a:schemeClr val="accent1"/>
+          </a:lnRef>
+          <a:fillRef idx="0">
+            <a:schemeClr val="accent1"/>
+          </a:fillRef>
+          <a:effectRef idx="0">
+            <a:schemeClr val="accent1"/>
+          </a:effectRef>
+          <a:fontRef idx="minor">
+            <a:schemeClr val="tx1"/>
+          </a:fontRef>
+        </p:style>
+      </p:cxnSp>
+      <p:cxnSp>
+        <p:nvCxnSpPr>
+          <p:cNvPr id="9" name="直接箭头连接符 8">
+            <a:extLst>
+              <a:ext uri="{FF2B5EF4-FFF2-40B4-BE49-F238E27FC236}">
+                <a16:creationId xmlns:a16="http://schemas.microsoft.com/office/drawing/2014/main" id="{7C39CB74-A8F9-4406-A2EB-15AB19A6BD4E}"/>
+              </a:ext>
+            </a:extLst>
+          </p:cNvPr>
+          <p:cNvCxnSpPr>
+            <a:cxnSpLocks/>
+          </p:cNvCxnSpPr>
+          <p:nvPr/>
+        </p:nvCxnSpPr>
+        <p:spPr>
+          <a:xfrm flipV="1">
+            <a:off x="7927758" y="1490214"/>
+            <a:ext cx="0" cy="2939743"/>
+          </a:xfrm>
+          <a:prstGeom prst="straightConnector1">
+            <a:avLst/>
+          </a:prstGeom>
+          <a:ln w="12700">
+            <a:solidFill>
+              <a:schemeClr val="bg2">
+                <a:lumMod val="25000"/>
+              </a:schemeClr>
+            </a:solidFill>
+            <a:prstDash val="dash"/>
+            <a:headEnd type="none" w="med" len="med"/>
+            <a:tailEnd type="none" w="med" len="med"/>
+          </a:ln>
+        </p:spPr>
+        <p:style>
+          <a:lnRef idx="1">
+            <a:schemeClr val="accent1"/>
+          </a:lnRef>
+          <a:fillRef idx="0">
+            <a:schemeClr val="accent1"/>
+          </a:fillRef>
+          <a:effectRef idx="0">
+            <a:schemeClr val="accent1"/>
+          </a:effectRef>
+          <a:fontRef idx="minor">
+            <a:schemeClr val="tx1"/>
+          </a:fontRef>
+        </p:style>
+      </p:cxnSp>
+      <p:cxnSp>
+        <p:nvCxnSpPr>
+          <p:cNvPr id="13" name="直接箭头连接符 12">
+            <a:extLst>
+              <a:ext uri="{FF2B5EF4-FFF2-40B4-BE49-F238E27FC236}">
+                <a16:creationId xmlns:a16="http://schemas.microsoft.com/office/drawing/2014/main" id="{4FB100A9-A868-4889-9B08-0F6D1554B52A}"/>
+              </a:ext>
+            </a:extLst>
+          </p:cNvPr>
+          <p:cNvCxnSpPr>
+            <a:cxnSpLocks/>
+          </p:cNvCxnSpPr>
+          <p:nvPr/>
+        </p:nvCxnSpPr>
+        <p:spPr>
+          <a:xfrm>
+            <a:off x="2822979" y="3187327"/>
+            <a:ext cx="2397091" cy="2157029"/>
+          </a:xfrm>
+          <a:prstGeom prst="straightConnector1">
+            <a:avLst/>
+          </a:prstGeom>
+          <a:ln w="12700">
+            <a:solidFill>
+              <a:schemeClr val="bg2">
+                <a:lumMod val="25000"/>
+              </a:schemeClr>
+            </a:solidFill>
+            <a:prstDash val="dash"/>
+            <a:tailEnd type="triangle"/>
+          </a:ln>
+        </p:spPr>
+        <p:style>
+          <a:lnRef idx="1">
+            <a:schemeClr val="accent1"/>
+          </a:lnRef>
+          <a:fillRef idx="0">
+            <a:schemeClr val="accent1"/>
+          </a:fillRef>
+          <a:effectRef idx="0">
+            <a:schemeClr val="accent1"/>
+          </a:effectRef>
+          <a:fontRef idx="minor">
+            <a:schemeClr val="tx1"/>
+          </a:fontRef>
+        </p:style>
+      </p:cxnSp>
+      <p:sp>
+        <p:nvSpPr>
+          <p:cNvPr id="16" name="文本框 15">
+            <a:extLst>
+              <a:ext uri="{FF2B5EF4-FFF2-40B4-BE49-F238E27FC236}">
+                <a16:creationId xmlns:a16="http://schemas.microsoft.com/office/drawing/2014/main" id="{1D55C800-408C-41E2-89CB-47A7F6C9982E}"/>
+              </a:ext>
+            </a:extLst>
+          </p:cNvPr>
+          <p:cNvSpPr txBox="1"/>
+          <p:nvPr/>
+        </p:nvSpPr>
+        <p:spPr>
+          <a:xfrm>
+            <a:off x="6096000" y="5768198"/>
+            <a:ext cx="1553592" cy="419538"/>
+          </a:xfrm>
+          <a:prstGeom prst="rect">
+            <a:avLst/>
+          </a:prstGeom>
+          <a:solidFill>
+            <a:schemeClr val="bg1">
+              <a:lumMod val="95000"/>
+            </a:schemeClr>
+          </a:solidFill>
+          <a:ln>
+            <a:noFill/>
+          </a:ln>
+          <a:effectLst>
+            <a:outerShdw blurRad="50800" dist="38100" dir="5400000" algn="t" rotWithShape="0">
+              <a:prstClr val="black">
+                <a:alpha val="40000"/>
+              </a:prstClr>
+            </a:outerShdw>
+          </a:effectLst>
+        </p:spPr>
+        <p:txBody>
+          <a:bodyPr wrap="square" rtlCol="0">
+            <a:spAutoFit/>
+          </a:bodyPr>
           <a:lstStyle/>
           <a:p>
-            <a:endParaRPr lang="zh-CN" altLang="en-US"/>
+            <a:pPr marL="285750" indent="-285750">
+              <a:lnSpc>
+                <a:spcPts val="2800"/>
+              </a:lnSpc>
+              <a:spcBef>
+                <a:spcPts val="600"/>
+              </a:spcBef>
+              <a:buFont typeface="Arial" panose="020B0604020202020204" pitchFamily="34" charset="0"/>
+              <a:buChar char="•"/>
+            </a:pPr>
+            <a:r>
+              <a:rPr lang="en-US" altLang="zh-CN">
+                <a:latin typeface="Ubuntu Mono" panose="020B0509030602030204" pitchFamily="49" charset="0"/>
+                <a:ea typeface="思源黑体 CN Light" panose="020B0300000000000000" pitchFamily="34" charset="-122"/>
+              </a:rPr>
+              <a:t>WXML</a:t>
+            </a:r>
+            <a:r>
+              <a:rPr lang="zh-CN" altLang="en-US">
+                <a:latin typeface="Ubuntu Mono" panose="020B0509030602030204" pitchFamily="49" charset="0"/>
+                <a:ea typeface="思源黑体 CN Light" panose="020B0300000000000000" pitchFamily="34" charset="-122"/>
+              </a:rPr>
+              <a:t>模板</a:t>
+            </a:r>
+            <a:endParaRPr lang="en-US" altLang="zh-CN">
+              <a:latin typeface="Ubuntu Mono" panose="020B0509030602030204" pitchFamily="49" charset="0"/>
+              <a:ea typeface="思源黑体 CN Light" panose="020B0300000000000000" pitchFamily="34" charset="-122"/>
+            </a:endParaRPr>
+          </a:p>
+        </p:txBody>
+      </p:sp>
+      <p:sp>
+        <p:nvSpPr>
+          <p:cNvPr id="18" name="文本框 17">
+            <a:extLst>
+              <a:ext uri="{FF2B5EF4-FFF2-40B4-BE49-F238E27FC236}">
+                <a16:creationId xmlns:a16="http://schemas.microsoft.com/office/drawing/2014/main" id="{3DDAB16D-E610-4239-B814-53BFF22AAB76}"/>
+              </a:ext>
+            </a:extLst>
+          </p:cNvPr>
+          <p:cNvSpPr txBox="1"/>
+          <p:nvPr/>
+        </p:nvSpPr>
+        <p:spPr>
+          <a:xfrm>
+            <a:off x="4117759" y="2004724"/>
+            <a:ext cx="2762436" cy="419538"/>
+          </a:xfrm>
+          <a:prstGeom prst="rect">
+            <a:avLst/>
+          </a:prstGeom>
+          <a:solidFill>
+            <a:schemeClr val="bg1">
+              <a:lumMod val="95000"/>
+            </a:schemeClr>
+          </a:solidFill>
+          <a:ln>
+            <a:noFill/>
+          </a:ln>
+          <a:effectLst>
+            <a:outerShdw blurRad="50800" dist="38100" dir="5400000" algn="t" rotWithShape="0">
+              <a:prstClr val="black">
+                <a:alpha val="40000"/>
+              </a:prstClr>
+            </a:outerShdw>
+          </a:effectLst>
+        </p:spPr>
+        <p:txBody>
+          <a:bodyPr wrap="square" rtlCol="0">
+            <a:spAutoFit/>
+          </a:bodyPr>
+          <a:lstStyle/>
+          <a:p>
+            <a:pPr marL="285750" indent="-285750">
+              <a:lnSpc>
+                <a:spcPts val="2800"/>
+              </a:lnSpc>
+              <a:spcBef>
+                <a:spcPts val="600"/>
+              </a:spcBef>
+              <a:buFont typeface="Arial" panose="020B0604020202020204" pitchFamily="34" charset="0"/>
+              <a:buChar char="•"/>
+            </a:pPr>
+            <a:r>
+              <a:rPr lang="en-US" altLang="zh-CN">
+                <a:latin typeface="Ubuntu Mono" panose="020B0509030602030204" pitchFamily="49" charset="0"/>
+                <a:ea typeface="思源黑体 CN Light" panose="020B0300000000000000" pitchFamily="34" charset="-122"/>
+              </a:rPr>
+              <a:t>JS</a:t>
+            </a:r>
+            <a:r>
+              <a:rPr lang="zh-CN" altLang="en-US">
+                <a:latin typeface="Ubuntu Mono" panose="020B0509030602030204" pitchFamily="49" charset="0"/>
+                <a:ea typeface="思源黑体 CN Light" panose="020B0300000000000000" pitchFamily="34" charset="-122"/>
+              </a:rPr>
+              <a:t>文件中定义的函数</a:t>
+            </a:r>
+            <a:endParaRPr lang="en-US" altLang="zh-CN">
+              <a:latin typeface="Ubuntu Mono" panose="020B0509030602030204" pitchFamily="49" charset="0"/>
+              <a:ea typeface="思源黑体 CN Light" panose="020B0300000000000000" pitchFamily="34" charset="-122"/>
+            </a:endParaRPr>
           </a:p>
         </p:txBody>
       </p:sp>
@@ -5819,7 +6638,7 @@
         <p:spPr>
           <a:xfrm>
             <a:off x="6387255" y="1231568"/>
-            <a:ext cx="5260248" cy="3080523"/>
+            <a:ext cx="5260248" cy="2721451"/>
           </a:xfrm>
           <a:prstGeom prst="rect">
             <a:avLst/>
@@ -5882,7 +6701,7 @@
                 <a:latin typeface="Ubuntu Mono" panose="020B0509030602030204" pitchFamily="49" charset="0"/>
                 <a:ea typeface="思源黑体 CN Light" panose="020B0300000000000000" pitchFamily="34" charset="-122"/>
               </a:rPr>
-              <a:t>如果参考开发者文档，你可能会觉得非常麻烦，这几个接口返回值来回变换。你需要在多个接口的页面中研究。</a:t>
+              <a:t>如果参考开发者文档，你可能会觉得非常麻烦，这几个接口返回值来回变换。你需要在多个接口的页面中研究它们的接口和返回值。</a:t>
             </a:r>
             <a:endParaRPr lang="en-US" altLang="zh-CN" sz="1600">
               <a:latin typeface="Ubuntu Mono" panose="020B0509030602030204" pitchFamily="49" charset="0"/>
@@ -5905,7 +6724,7 @@
                 <a:latin typeface="Ubuntu Mono" panose="020B0509030602030204" pitchFamily="49" charset="0"/>
                 <a:ea typeface="思源黑体 CN Light" panose="020B0300000000000000" pitchFamily="34" charset="-122"/>
               </a:rPr>
-              <a:t>当然，这还不是最坏的结果，除了最开始接触，使用上的痛苦之外，就是文档给出的返回值是有问题的，这在下一页有详细的说明。</a:t>
+              <a:t>当然，除此之外，就是文档给出的返回值是有问题的，这在下一页有详细的说明。</a:t>
             </a:r>
             <a:endParaRPr lang="en-US" altLang="zh-CN" sz="1600">
               <a:latin typeface="Ubuntu Mono" panose="020B0509030602030204" pitchFamily="49" charset="0"/>
@@ -6477,8 +7296,8 @@
         </p:nvSpPr>
         <p:spPr>
           <a:xfrm>
-            <a:off x="967666" y="5636262"/>
-            <a:ext cx="7048870" cy="418318"/>
+            <a:off x="967665" y="5636262"/>
+            <a:ext cx="9019691" cy="418318"/>
           </a:xfrm>
           <a:prstGeom prst="rect">
             <a:avLst/>
@@ -6574,7 +7393,7 @@
                 <a:latin typeface="Ubuntu Mono" panose="020B0509030602030204" pitchFamily="49" charset="0"/>
                 <a:ea typeface="思源黑体 CN Light" panose="020B0300000000000000" pitchFamily="34" charset="-122"/>
               </a:rPr>
-              <a:t>，</a:t>
+              <a:t>（按照文档），</a:t>
             </a:r>
             <a:r>
               <a:rPr lang="zh-CN" altLang="en-US" sz="2000" b="1">
@@ -6704,7 +7523,21 @@
                 <a:latin typeface="Ubuntu Mono" panose="020B0509030602030204" pitchFamily="49" charset="0"/>
                 <a:ea typeface="思源黑体 CN Light" panose="020B0300000000000000" pitchFamily="34" charset="-122"/>
               </a:rPr>
-              <a:t>主要的问题就是：返回值无法正确使用、使用过程太繁琐。</a:t>
+              <a:t>主要的问题就是：</a:t>
+            </a:r>
+            <a:r>
+              <a:rPr lang="en-US" altLang="zh-CN" sz="1600">
+                <a:latin typeface="Ubuntu Mono" panose="020B0509030602030204" pitchFamily="49" charset="0"/>
+                <a:ea typeface="思源黑体 CN Light" panose="020B0300000000000000" pitchFamily="34" charset="-122"/>
+              </a:rPr>
+              <a:t>exec</a:t>
+            </a:r>
+            <a:r>
+              <a:rPr lang="zh-CN" altLang="en-US" sz="1600">
+                <a:latin typeface="Ubuntu Mono" panose="020B0509030602030204" pitchFamily="49" charset="0"/>
+                <a:ea typeface="思源黑体 CN Light" panose="020B0300000000000000" pitchFamily="34" charset="-122"/>
+              </a:rPr>
+              <a:t>返回值无法正确使用、使用过程太繁琐。</a:t>
             </a:r>
             <a:endParaRPr lang="en-US" altLang="zh-CN" sz="1600">
               <a:latin typeface="Ubuntu Mono" panose="020B0509030602030204" pitchFamily="49" charset="0"/>

--- a/materials/ch04/ch04-复杂组件使用和API调用.pptx
+++ b/materials/ch04/ch04-复杂组件使用和API调用.pptx
@@ -551,7 +551,7 @@
           <a:p>
             <a:fld id="{10955001-8E90-43AD-87AF-166875BDDBE4}" type="datetimeFigureOut">
               <a:rPr lang="zh-CN" altLang="en-US" smtClean="0"/>
-              <a:t>2020/8/25</a:t>
+              <a:t>2020/8/26</a:t>
             </a:fld>
             <a:endParaRPr lang="zh-CN" altLang="en-US"/>
           </a:p>
@@ -783,7 +783,7 @@
           <a:p>
             <a:fld id="{10955001-8E90-43AD-87AF-166875BDDBE4}" type="datetimeFigureOut">
               <a:rPr lang="zh-CN" altLang="en-US" smtClean="0"/>
-              <a:t>2020/8/25</a:t>
+              <a:t>2020/8/26</a:t>
             </a:fld>
             <a:endParaRPr lang="zh-CN" altLang="en-US"/>
           </a:p>
@@ -1281,7 +1281,7 @@
           <a:p>
             <a:fld id="{10955001-8E90-43AD-87AF-166875BDDBE4}" type="datetimeFigureOut">
               <a:rPr lang="zh-CN" altLang="en-US" smtClean="0"/>
-              <a:t>2020/8/25</a:t>
+              <a:t>2020/8/26</a:t>
             </a:fld>
             <a:endParaRPr lang="zh-CN" altLang="en-US"/>
           </a:p>
@@ -1710,7 +1710,7 @@
           <a:p>
             <a:fld id="{10955001-8E90-43AD-87AF-166875BDDBE4}" type="datetimeFigureOut">
               <a:rPr lang="zh-CN" altLang="en-US" smtClean="0"/>
-              <a:t>2020/8/25</a:t>
+              <a:t>2020/8/26</a:t>
             </a:fld>
             <a:endParaRPr lang="zh-CN" altLang="en-US"/>
           </a:p>
@@ -2227,7 +2227,7 @@
           <a:p>
             <a:fld id="{10955001-8E90-43AD-87AF-166875BDDBE4}" type="datetimeFigureOut">
               <a:rPr lang="zh-CN" altLang="en-US" smtClean="0"/>
-              <a:t>2020/8/25</a:t>
+              <a:t>2020/8/26</a:t>
             </a:fld>
             <a:endParaRPr lang="zh-CN" altLang="en-US"/>
           </a:p>
@@ -2687,7 +2687,7 @@
           <a:p>
             <a:fld id="{10955001-8E90-43AD-87AF-166875BDDBE4}" type="datetimeFigureOut">
               <a:rPr lang="zh-CN" altLang="en-US" smtClean="0"/>
-              <a:t>2020/8/25</a:t>
+              <a:t>2020/8/26</a:t>
             </a:fld>
             <a:endParaRPr lang="zh-CN" altLang="en-US"/>
           </a:p>
@@ -2999,7 +2999,7 @@
           <a:p>
             <a:fld id="{10955001-8E90-43AD-87AF-166875BDDBE4}" type="datetimeFigureOut">
               <a:rPr lang="zh-CN" altLang="en-US" smtClean="0"/>
-              <a:t>2020/8/25</a:t>
+              <a:t>2020/8/26</a:t>
             </a:fld>
             <a:endParaRPr lang="zh-CN" altLang="en-US"/>
           </a:p>
@@ -4268,7 +4268,7 @@
             </a:r>
             <a:r>
               <a:rPr lang="en-US" altLang="zh-CN"/>
-              <a:t>wx.crompressImage</a:t>
+              <a:t>wx.compressImage</a:t>
             </a:r>
             <a:r>
               <a:rPr lang="zh-CN" altLang="en-US"/>

--- a/materials/ch04/ch04-复杂组件使用和API调用.pptx
+++ b/materials/ch04/ch04-复杂组件使用和API调用.pptx
@@ -551,7 +551,7 @@
           <a:p>
             <a:fld id="{10955001-8E90-43AD-87AF-166875BDDBE4}" type="datetimeFigureOut">
               <a:rPr lang="zh-CN" altLang="en-US" smtClean="0"/>
-              <a:t>2020/8/26</a:t>
+              <a:t>2020/9/16</a:t>
             </a:fld>
             <a:endParaRPr lang="zh-CN" altLang="en-US"/>
           </a:p>
@@ -783,7 +783,7 @@
           <a:p>
             <a:fld id="{10955001-8E90-43AD-87AF-166875BDDBE4}" type="datetimeFigureOut">
               <a:rPr lang="zh-CN" altLang="en-US" smtClean="0"/>
-              <a:t>2020/8/26</a:t>
+              <a:t>2020/9/16</a:t>
             </a:fld>
             <a:endParaRPr lang="zh-CN" altLang="en-US"/>
           </a:p>
@@ -965,7 +965,7 @@
               <a:spcBef>
                 <a:spcPts val="1200"/>
               </a:spcBef>
-              <a:defRPr sz="2000" baseline="0">
+              <a:defRPr sz="2200" baseline="0">
                 <a:latin typeface="Ubuntu Mono" panose="020B0509030602030204" pitchFamily="49" charset="0"/>
                 <a:ea typeface="思源黑体 CN Light" panose="020B0300000000000000" pitchFamily="34" charset="-122"/>
               </a:defRPr>
@@ -977,7 +977,7 @@
               <a:spcBef>
                 <a:spcPts val="1200"/>
               </a:spcBef>
-              <a:defRPr sz="1800" baseline="0">
+              <a:defRPr sz="2000" baseline="0">
                 <a:latin typeface="Ubuntu Mono" panose="020B0509030602030204" pitchFamily="49" charset="0"/>
                 <a:ea typeface="思源黑体 CN Light" panose="020B0300000000000000" pitchFamily="34" charset="-122"/>
               </a:defRPr>
@@ -989,7 +989,7 @@
               <a:spcBef>
                 <a:spcPts val="1200"/>
               </a:spcBef>
-              <a:defRPr sz="1600" baseline="0">
+              <a:defRPr sz="1800" baseline="0">
                 <a:latin typeface="Ubuntu Mono" panose="020B0509030602030204" pitchFamily="49" charset="0"/>
                 <a:ea typeface="思源黑体 CN Light" panose="020B0300000000000000" pitchFamily="34" charset="-122"/>
               </a:defRPr>
@@ -1001,7 +1001,7 @@
               <a:spcBef>
                 <a:spcPts val="1200"/>
               </a:spcBef>
-              <a:defRPr sz="1400" baseline="0">
+              <a:defRPr sz="1600" baseline="0">
                 <a:latin typeface="Ubuntu Mono" panose="020B0509030602030204" pitchFamily="49" charset="0"/>
                 <a:ea typeface="思源黑体 CN Light" panose="020B0300000000000000" pitchFamily="34" charset="-122"/>
               </a:defRPr>
@@ -1281,7 +1281,7 @@
           <a:p>
             <a:fld id="{10955001-8E90-43AD-87AF-166875BDDBE4}" type="datetimeFigureOut">
               <a:rPr lang="zh-CN" altLang="en-US" smtClean="0"/>
-              <a:t>2020/8/26</a:t>
+              <a:t>2020/9/16</a:t>
             </a:fld>
             <a:endParaRPr lang="zh-CN" altLang="en-US"/>
           </a:p>
@@ -1710,7 +1710,7 @@
           <a:p>
             <a:fld id="{10955001-8E90-43AD-87AF-166875BDDBE4}" type="datetimeFigureOut">
               <a:rPr lang="zh-CN" altLang="en-US" smtClean="0"/>
-              <a:t>2020/8/26</a:t>
+              <a:t>2020/9/16</a:t>
             </a:fld>
             <a:endParaRPr lang="zh-CN" altLang="en-US"/>
           </a:p>
@@ -2227,7 +2227,7 @@
           <a:p>
             <a:fld id="{10955001-8E90-43AD-87AF-166875BDDBE4}" type="datetimeFigureOut">
               <a:rPr lang="zh-CN" altLang="en-US" smtClean="0"/>
-              <a:t>2020/8/26</a:t>
+              <a:t>2020/9/16</a:t>
             </a:fld>
             <a:endParaRPr lang="zh-CN" altLang="en-US"/>
           </a:p>
@@ -2687,7 +2687,7 @@
           <a:p>
             <a:fld id="{10955001-8E90-43AD-87AF-166875BDDBE4}" type="datetimeFigureOut">
               <a:rPr lang="zh-CN" altLang="en-US" smtClean="0"/>
-              <a:t>2020/8/26</a:t>
+              <a:t>2020/9/16</a:t>
             </a:fld>
             <a:endParaRPr lang="zh-CN" altLang="en-US"/>
           </a:p>
@@ -2999,7 +2999,7 @@
           <a:p>
             <a:fld id="{10955001-8E90-43AD-87AF-166875BDDBE4}" type="datetimeFigureOut">
               <a:rPr lang="zh-CN" altLang="en-US" smtClean="0"/>
-              <a:t>2020/8/26</a:t>
+              <a:t>2020/9/16</a:t>
             </a:fld>
             <a:endParaRPr lang="zh-CN" altLang="en-US"/>
           </a:p>
